--- a/linguappt/es/templates/phrase_spanish_classic.pptx
+++ b/linguappt/es/templates/phrase_spanish_classic.pptx
@@ -197,7 +197,7 @@
           <a:p>
             <a:fld id="{49827307-2D32-1C49-A664-3E09AADAF8D1}" type="datetimeFigureOut">
               <a:rPr lang="en-CN" smtClean="0"/>
-              <a:t>4/4/21</a:t>
+              <a:t>2021/9/21</a:t>
             </a:fld>
             <a:endParaRPr lang="en-CN"/>
           </a:p>
@@ -869,7 +869,7 @@
 
 <file path=ppt/slideLayouts/slideLayout2.xml><?xml version="1.0" encoding="utf-8"?>
 <p:sldLayout xmlns:a="http://schemas.openxmlformats.org/drawingml/2006/main" xmlns:r="http://schemas.openxmlformats.org/officeDocument/2006/relationships" xmlns:p="http://schemas.openxmlformats.org/presentationml/2006/main" preserve="1" userDrawn="1">
-  <p:cSld name="Opening for english">
+  <p:cSld name="Opening for spanish">
     <p:bg>
       <p:bgPr>
         <a:solidFill>
@@ -4221,4683 +4221,6 @@
 
 <file path=ppt/slideLayouts/slideLayout5.xml><?xml version="1.0" encoding="utf-8"?>
 <p:sldLayout xmlns:a="http://schemas.openxmlformats.org/drawingml/2006/main" xmlns:r="http://schemas.openxmlformats.org/officeDocument/2006/relationships" xmlns:p="http://schemas.openxmlformats.org/presentationml/2006/main" preserve="1" userDrawn="1">
-  <p:cSld name="Verb phrase and extension">
-    <p:spTree>
-      <p:nvGrpSpPr>
-        <p:cNvPr id="1" name=""/>
-        <p:cNvGrpSpPr/>
-        <p:nvPr/>
-      </p:nvGrpSpPr>
-      <p:grpSpPr>
-        <a:xfrm>
-          <a:off x="0" y="0"/>
-          <a:ext cx="0" cy="0"/>
-          <a:chOff x="0" y="0"/>
-          <a:chExt cx="0" cy="0"/>
-        </a:xfrm>
-      </p:grpSpPr>
-      <p:sp>
-        <p:nvSpPr>
-          <p:cNvPr id="21" name="Rounded Rectangle 20">
-            <a:extLst>
-              <a:ext uri="{FF2B5EF4-FFF2-40B4-BE49-F238E27FC236}">
-                <a16:creationId xmlns:a16="http://schemas.microsoft.com/office/drawing/2014/main" id="{BA988506-A158-6244-BA55-45ADB2BA6F56}"/>
-              </a:ext>
-            </a:extLst>
-          </p:cNvPr>
-          <p:cNvSpPr/>
-          <p:nvPr userDrawn="1"/>
-        </p:nvSpPr>
-        <p:spPr>
-          <a:xfrm>
-            <a:off x="839416" y="2145394"/>
-            <a:ext cx="10657182" cy="369332"/>
-          </a:xfrm>
-          <a:prstGeom prst="roundRect">
-            <a:avLst>
-              <a:gd name="adj" fmla="val 15851"/>
-            </a:avLst>
-          </a:prstGeom>
-          <a:noFill/>
-          <a:ln>
-            <a:noFill/>
-          </a:ln>
-        </p:spPr>
-        <p:style>
-          <a:lnRef idx="2">
-            <a:schemeClr val="accent1">
-              <a:shade val="50000"/>
-            </a:schemeClr>
-          </a:lnRef>
-          <a:fillRef idx="1">
-            <a:schemeClr val="accent1"/>
-          </a:fillRef>
-          <a:effectRef idx="0">
-            <a:schemeClr val="accent1"/>
-          </a:effectRef>
-          <a:fontRef idx="minor">
-            <a:schemeClr val="lt1"/>
-          </a:fontRef>
-        </p:style>
-        <p:txBody>
-          <a:bodyPr rtlCol="0" anchor="ctr"/>
-          <a:lstStyle/>
-          <a:p>
-            <a:r>
-              <a:rPr lang="en-US" altLang="zh-CN" sz="1200" b="1" dirty="0">
-                <a:solidFill>
-                  <a:srgbClr val="A78078"/>
-                </a:solidFill>
-                <a:latin typeface="PingFang SC" panose="020B0400000000000000" pitchFamily="34" charset="-122"/>
-                <a:ea typeface="PingFang SC" panose="020B0400000000000000" pitchFamily="34" charset="-122"/>
-              </a:rPr>
-              <a:t>//</a:t>
-            </a:r>
-            <a:r>
-              <a:rPr lang="zh-CN" altLang="en-US" sz="1200" b="1" dirty="0">
-                <a:solidFill>
-                  <a:srgbClr val="A78078"/>
-                </a:solidFill>
-                <a:latin typeface="PingFang SC" panose="020B0400000000000000" pitchFamily="34" charset="-122"/>
-                <a:ea typeface="PingFang SC" panose="020B0400000000000000" pitchFamily="34" charset="-122"/>
-              </a:rPr>
-              <a:t> 动</a:t>
-            </a:r>
-            <a:r>
-              <a:rPr lang="zh-CN" altLang="en-JP" sz="1200" b="1" dirty="0">
-                <a:solidFill>
-                  <a:srgbClr val="A78078"/>
-                </a:solidFill>
-                <a:latin typeface="PingFang SC" panose="020B0400000000000000" pitchFamily="34" charset="-122"/>
-                <a:ea typeface="PingFang SC" panose="020B0400000000000000" pitchFamily="34" charset="-122"/>
-              </a:rPr>
-              <a:t>词</a:t>
-            </a:r>
-            <a:r>
-              <a:rPr lang="zh-CN" altLang="en-US" sz="1200" b="1" dirty="0">
-                <a:solidFill>
-                  <a:srgbClr val="A78078"/>
-                </a:solidFill>
-                <a:latin typeface="PingFang SC" panose="020B0400000000000000" pitchFamily="34" charset="-122"/>
-                <a:ea typeface="PingFang SC" panose="020B0400000000000000" pitchFamily="34" charset="-122"/>
-              </a:rPr>
-              <a:t>短语</a:t>
-            </a:r>
-            <a:endParaRPr lang="en-JP" sz="1200" b="1" dirty="0">
-              <a:solidFill>
-                <a:srgbClr val="A78078"/>
-              </a:solidFill>
-              <a:latin typeface="PingFang SC" panose="020B0400000000000000" pitchFamily="34" charset="-122"/>
-              <a:ea typeface="PingFang SC" panose="020B0400000000000000" pitchFamily="34" charset="-122"/>
-            </a:endParaRPr>
-          </a:p>
-        </p:txBody>
-      </p:sp>
-      <p:cxnSp>
-        <p:nvCxnSpPr>
-          <p:cNvPr id="22" name="Straight Connector 21">
-            <a:extLst>
-              <a:ext uri="{FF2B5EF4-FFF2-40B4-BE49-F238E27FC236}">
-                <a16:creationId xmlns:a16="http://schemas.microsoft.com/office/drawing/2014/main" id="{B8BF2B74-154F-2240-8157-A0D6E4D7CAA5}"/>
-              </a:ext>
-            </a:extLst>
-          </p:cNvPr>
-          <p:cNvCxnSpPr>
-            <a:cxnSpLocks/>
-          </p:cNvCxnSpPr>
-          <p:nvPr userDrawn="1"/>
-        </p:nvCxnSpPr>
-        <p:spPr>
-          <a:xfrm>
-            <a:off x="767408" y="2514726"/>
-            <a:ext cx="10809774" cy="0"/>
-          </a:xfrm>
-          <a:prstGeom prst="line">
-            <a:avLst/>
-          </a:prstGeom>
-          <a:ln w="12700">
-            <a:solidFill>
-              <a:schemeClr val="bg1">
-                <a:lumMod val="85000"/>
-              </a:schemeClr>
-            </a:solidFill>
-          </a:ln>
-        </p:spPr>
-        <p:style>
-          <a:lnRef idx="1">
-            <a:schemeClr val="accent1"/>
-          </a:lnRef>
-          <a:fillRef idx="0">
-            <a:schemeClr val="accent1"/>
-          </a:fillRef>
-          <a:effectRef idx="0">
-            <a:schemeClr val="accent1"/>
-          </a:effectRef>
-          <a:fontRef idx="minor">
-            <a:schemeClr val="tx1"/>
-          </a:fontRef>
-        </p:style>
-      </p:cxnSp>
-      <p:sp>
-        <p:nvSpPr>
-          <p:cNvPr id="23" name="Rounded Rectangle 22">
-            <a:extLst>
-              <a:ext uri="{FF2B5EF4-FFF2-40B4-BE49-F238E27FC236}">
-                <a16:creationId xmlns:a16="http://schemas.microsoft.com/office/drawing/2014/main" id="{8EE13CE4-5079-5C4B-8E4B-43FF7C09A0CF}"/>
-              </a:ext>
-            </a:extLst>
-          </p:cNvPr>
-          <p:cNvSpPr/>
-          <p:nvPr userDrawn="1"/>
-        </p:nvSpPr>
-        <p:spPr>
-          <a:xfrm>
-            <a:off x="767407" y="4888510"/>
-            <a:ext cx="10729191" cy="369332"/>
-          </a:xfrm>
-          <a:prstGeom prst="roundRect">
-            <a:avLst>
-              <a:gd name="adj" fmla="val 15851"/>
-            </a:avLst>
-          </a:prstGeom>
-          <a:noFill/>
-          <a:ln>
-            <a:noFill/>
-          </a:ln>
-        </p:spPr>
-        <p:style>
-          <a:lnRef idx="2">
-            <a:schemeClr val="accent1">
-              <a:shade val="50000"/>
-            </a:schemeClr>
-          </a:lnRef>
-          <a:fillRef idx="1">
-            <a:schemeClr val="accent1"/>
-          </a:fillRef>
-          <a:effectRef idx="0">
-            <a:schemeClr val="accent1"/>
-          </a:effectRef>
-          <a:fontRef idx="minor">
-            <a:schemeClr val="lt1"/>
-          </a:fontRef>
-        </p:style>
-        <p:txBody>
-          <a:bodyPr rtlCol="0" anchor="ctr"/>
-          <a:lstStyle/>
-          <a:p>
-            <a:r>
-              <a:rPr lang="en-US" altLang="zh-CN" sz="1200" b="1" dirty="0">
-                <a:solidFill>
-                  <a:srgbClr val="A78078"/>
-                </a:solidFill>
-                <a:latin typeface="PingFang SC" panose="020B0400000000000000" pitchFamily="34" charset="-122"/>
-                <a:ea typeface="PingFang SC" panose="020B0400000000000000" pitchFamily="34" charset="-122"/>
-              </a:rPr>
-              <a:t>//</a:t>
-            </a:r>
-            <a:r>
-              <a:rPr lang="zh-CN" altLang="en-US" sz="1200" b="1" dirty="0">
-                <a:solidFill>
-                  <a:srgbClr val="A78078"/>
-                </a:solidFill>
-                <a:latin typeface="PingFang SC" panose="020B0400000000000000" pitchFamily="34" charset="-122"/>
-                <a:ea typeface="PingFang SC" panose="020B0400000000000000" pitchFamily="34" charset="-122"/>
-              </a:rPr>
-              <a:t> 动词介绍</a:t>
-            </a:r>
-            <a:endParaRPr lang="en-JP" sz="1200" b="1" dirty="0">
-              <a:solidFill>
-                <a:srgbClr val="A78078"/>
-              </a:solidFill>
-              <a:latin typeface="PingFang SC" panose="020B0400000000000000" pitchFamily="34" charset="-122"/>
-              <a:ea typeface="PingFang SC" panose="020B0400000000000000" pitchFamily="34" charset="-122"/>
-            </a:endParaRPr>
-          </a:p>
-        </p:txBody>
-      </p:sp>
-      <p:cxnSp>
-        <p:nvCxnSpPr>
-          <p:cNvPr id="24" name="Straight Connector 23">
-            <a:extLst>
-              <a:ext uri="{FF2B5EF4-FFF2-40B4-BE49-F238E27FC236}">
-                <a16:creationId xmlns:a16="http://schemas.microsoft.com/office/drawing/2014/main" id="{FE31B453-DA59-FF44-819F-775AAF192BA2}"/>
-              </a:ext>
-            </a:extLst>
-          </p:cNvPr>
-          <p:cNvCxnSpPr>
-            <a:cxnSpLocks/>
-          </p:cNvCxnSpPr>
-          <p:nvPr userDrawn="1"/>
-        </p:nvCxnSpPr>
-        <p:spPr>
-          <a:xfrm>
-            <a:off x="767407" y="5257842"/>
-            <a:ext cx="10729195" cy="0"/>
-          </a:xfrm>
-          <a:prstGeom prst="line">
-            <a:avLst/>
-          </a:prstGeom>
-          <a:ln w="12700">
-            <a:solidFill>
-              <a:schemeClr val="bg1">
-                <a:lumMod val="85000"/>
-              </a:schemeClr>
-            </a:solidFill>
-          </a:ln>
-        </p:spPr>
-        <p:style>
-          <a:lnRef idx="1">
-            <a:schemeClr val="accent1"/>
-          </a:lnRef>
-          <a:fillRef idx="0">
-            <a:schemeClr val="accent1"/>
-          </a:fillRef>
-          <a:effectRef idx="0">
-            <a:schemeClr val="accent1"/>
-          </a:effectRef>
-          <a:fontRef idx="minor">
-            <a:schemeClr val="tx1"/>
-          </a:fontRef>
-        </p:style>
-      </p:cxnSp>
-      <p:sp>
-        <p:nvSpPr>
-          <p:cNvPr id="25" name="Rounded Rectangle 24">
-            <a:extLst>
-              <a:ext uri="{FF2B5EF4-FFF2-40B4-BE49-F238E27FC236}">
-                <a16:creationId xmlns:a16="http://schemas.microsoft.com/office/drawing/2014/main" id="{0A77DEB8-FD7C-3A4B-9B2B-0AAD5ECAB557}"/>
-              </a:ext>
-            </a:extLst>
-          </p:cNvPr>
-          <p:cNvSpPr/>
-          <p:nvPr userDrawn="1"/>
-        </p:nvSpPr>
-        <p:spPr>
-          <a:xfrm>
-            <a:off x="749272" y="548680"/>
-            <a:ext cx="10747327" cy="1420811"/>
-          </a:xfrm>
-          <a:prstGeom prst="roundRect">
-            <a:avLst>
-              <a:gd name="adj" fmla="val 4715"/>
-            </a:avLst>
-          </a:prstGeom>
-          <a:solidFill>
-            <a:srgbClr val="4B0707">
-              <a:alpha val="2000"/>
-            </a:srgbClr>
-          </a:solidFill>
-          <a:ln>
-            <a:noFill/>
-          </a:ln>
-        </p:spPr>
-        <p:style>
-          <a:lnRef idx="2">
-            <a:schemeClr val="accent1">
-              <a:shade val="50000"/>
-            </a:schemeClr>
-          </a:lnRef>
-          <a:fillRef idx="1">
-            <a:schemeClr val="accent1"/>
-          </a:fillRef>
-          <a:effectRef idx="0">
-            <a:schemeClr val="accent1"/>
-          </a:effectRef>
-          <a:fontRef idx="minor">
-            <a:schemeClr val="lt1"/>
-          </a:fontRef>
-        </p:style>
-        <p:txBody>
-          <a:bodyPr rtlCol="0" anchor="ctr"/>
-          <a:lstStyle/>
-          <a:p>
-            <a:pPr algn="ctr"/>
-            <a:endParaRPr lang="en-JP"/>
-          </a:p>
-        </p:txBody>
-      </p:sp>
-      <p:sp>
-        <p:nvSpPr>
-          <p:cNvPr id="26" name="Text Placeholder 2">
-            <a:extLst>
-              <a:ext uri="{FF2B5EF4-FFF2-40B4-BE49-F238E27FC236}">
-                <a16:creationId xmlns:a16="http://schemas.microsoft.com/office/drawing/2014/main" id="{203AA311-98AC-0F4D-BF38-00FF860A3D83}"/>
-              </a:ext>
-            </a:extLst>
-          </p:cNvPr>
-          <p:cNvSpPr>
-            <a:spLocks noGrp="1"/>
-          </p:cNvSpPr>
-          <p:nvPr>
-            <p:ph type="body" sz="quarter" idx="10" hasCustomPrompt="1"/>
-          </p:nvPr>
-        </p:nvSpPr>
-        <p:spPr>
-          <a:xfrm>
-            <a:off x="839416" y="636298"/>
-            <a:ext cx="10584606" cy="720626"/>
-          </a:xfrm>
-          <a:prstGeom prst="rect">
-            <a:avLst/>
-          </a:prstGeom>
-        </p:spPr>
-        <p:txBody>
-          <a:bodyPr anchor="b"/>
-          <a:lstStyle>
-            <a:lvl1pPr marL="0" marR="0" indent="0" algn="ctr" defTabSz="457200" rtl="0" eaLnBrk="1" fontAlgn="auto" latinLnBrk="0" hangingPunct="1">
-              <a:lnSpc>
-                <a:spcPct val="100000"/>
-              </a:lnSpc>
-              <a:spcBef>
-                <a:spcPct val="20000"/>
-              </a:spcBef>
-              <a:spcAft>
-                <a:spcPts val="600"/>
-              </a:spcAft>
-              <a:buClr>
-                <a:schemeClr val="accent2"/>
-              </a:buClr>
-              <a:buSzPct val="92000"/>
-              <a:buFont typeface="Wingdings 2" panose="05020102010507070707" pitchFamily="18" charset="2"/>
-              <a:buNone/>
-              <a:tabLst/>
-              <a:defRPr sz="1800" b="0" i="0">
-                <a:latin typeface="Roboto Medium" pitchFamily="2" charset="0"/>
-                <a:ea typeface="Roboto Medium" pitchFamily="2" charset="0"/>
-              </a:defRPr>
-            </a:lvl1pPr>
-            <a:lvl2pPr marL="324000" indent="0" algn="ctr">
-              <a:buNone/>
-              <a:defRPr sz="1800"/>
-            </a:lvl2pPr>
-            <a:lvl3pPr marL="630000" indent="0" algn="ctr">
-              <a:buNone/>
-              <a:defRPr sz="1800"/>
-            </a:lvl3pPr>
-            <a:lvl4pPr marL="1008000" indent="0" algn="ctr">
-              <a:buNone/>
-              <a:defRPr sz="1800"/>
-            </a:lvl4pPr>
-            <a:lvl5pPr marL="1368000" indent="0" algn="ctr">
-              <a:buNone/>
-              <a:defRPr sz="1800"/>
-            </a:lvl5pPr>
-          </a:lstStyle>
-          <a:p>
-            <a:pPr marL="0" marR="0" lvl="0" indent="0" algn="ctr" defTabSz="457200" rtl="0" eaLnBrk="1" fontAlgn="auto" latinLnBrk="0" hangingPunct="1">
-              <a:lnSpc>
-                <a:spcPct val="100000"/>
-              </a:lnSpc>
-              <a:spcBef>
-                <a:spcPct val="20000"/>
-              </a:spcBef>
-              <a:spcAft>
-                <a:spcPts val="600"/>
-              </a:spcAft>
-              <a:buClr>
-                <a:schemeClr val="accent2"/>
-              </a:buClr>
-              <a:buSzPct val="92000"/>
-              <a:buFont typeface="Wingdings 2" panose="05020102010507070707" pitchFamily="18" charset="2"/>
-              <a:buNone/>
-              <a:tabLst/>
-              <a:defRPr/>
-            </a:pPr>
-            <a:r>
-              <a:rPr lang="en-JP" altLang="zh-CN" dirty="0">
-                <a:solidFill>
-                  <a:schemeClr val="accent3">
-                    <a:lumMod val="75000"/>
-                  </a:schemeClr>
-                </a:solidFill>
-                <a:latin typeface="Roboto Medium" pitchFamily="2" charset="0"/>
-                <a:ea typeface="Roboto Medium" pitchFamily="2" charset="0"/>
-              </a:rPr>
-              <a:t>Sentence</a:t>
-            </a:r>
-            <a:endParaRPr lang="en-US" dirty="0">
-              <a:solidFill>
-                <a:schemeClr val="accent3">
-                  <a:lumMod val="75000"/>
-                </a:schemeClr>
-              </a:solidFill>
-              <a:latin typeface="Roboto Medium" pitchFamily="2" charset="0"/>
-              <a:ea typeface="Roboto Medium" pitchFamily="2" charset="0"/>
-            </a:endParaRPr>
-          </a:p>
-        </p:txBody>
-      </p:sp>
-      <p:sp>
-        <p:nvSpPr>
-          <p:cNvPr id="27" name="Text Placeholder 13">
-            <a:extLst>
-              <a:ext uri="{FF2B5EF4-FFF2-40B4-BE49-F238E27FC236}">
-                <a16:creationId xmlns:a16="http://schemas.microsoft.com/office/drawing/2014/main" id="{6B3AF5D7-00A8-174A-8232-9DCD9DF25B35}"/>
-              </a:ext>
-            </a:extLst>
-          </p:cNvPr>
-          <p:cNvSpPr>
-            <a:spLocks noGrp="1"/>
-          </p:cNvSpPr>
-          <p:nvPr>
-            <p:ph type="body" sz="quarter" idx="11" hasCustomPrompt="1"/>
-          </p:nvPr>
-        </p:nvSpPr>
-        <p:spPr>
-          <a:xfrm>
-            <a:off x="839416" y="1444542"/>
-            <a:ext cx="10584606" cy="412750"/>
-          </a:xfrm>
-          <a:prstGeom prst="rect">
-            <a:avLst/>
-          </a:prstGeom>
-        </p:spPr>
-        <p:txBody>
-          <a:bodyPr anchor="t"/>
-          <a:lstStyle>
-            <a:lvl1pPr marL="0" indent="0" algn="ctr">
-              <a:buNone/>
-              <a:defRPr sz="1600" b="0" i="0">
-                <a:solidFill>
-                  <a:schemeClr val="accent3">
-                    <a:lumMod val="75000"/>
-                  </a:schemeClr>
-                </a:solidFill>
-                <a:latin typeface="PingFang SC Light" panose="020B0300000000000000" pitchFamily="34" charset="-122"/>
-                <a:ea typeface="PingFang SC Light" panose="020B0300000000000000" pitchFamily="34" charset="-122"/>
-              </a:defRPr>
-            </a:lvl1pPr>
-          </a:lstStyle>
-          <a:p>
-            <a:pPr lvl="0"/>
-            <a:r>
-              <a:rPr lang="zh-CN" altLang="en-US" dirty="0"/>
-              <a:t>翻译</a:t>
-            </a:r>
-            <a:endParaRPr lang="en-JP" dirty="0"/>
-          </a:p>
-        </p:txBody>
-      </p:sp>
-      <p:sp>
-        <p:nvSpPr>
-          <p:cNvPr id="28" name="Text Placeholder 13">
-            <a:extLst>
-              <a:ext uri="{FF2B5EF4-FFF2-40B4-BE49-F238E27FC236}">
-                <a16:creationId xmlns:a16="http://schemas.microsoft.com/office/drawing/2014/main" id="{DA33B789-61FE-4143-A29F-B54EABD1FBF8}"/>
-              </a:ext>
-            </a:extLst>
-          </p:cNvPr>
-          <p:cNvSpPr>
-            <a:spLocks noGrp="1"/>
-          </p:cNvSpPr>
-          <p:nvPr>
-            <p:ph type="body" sz="quarter" idx="12" hasCustomPrompt="1"/>
-          </p:nvPr>
-        </p:nvSpPr>
-        <p:spPr>
-          <a:xfrm>
-            <a:off x="839417" y="2690629"/>
-            <a:ext cx="5029172" cy="360835"/>
-          </a:xfrm>
-          <a:prstGeom prst="rect">
-            <a:avLst/>
-          </a:prstGeom>
-        </p:spPr>
-        <p:txBody>
-          <a:bodyPr anchor="b"/>
-          <a:lstStyle>
-            <a:lvl1pPr marL="0" indent="0" algn="l">
-              <a:buNone/>
-              <a:defRPr sz="1600" b="0" i="0">
-                <a:solidFill>
-                  <a:srgbClr val="F36F4F"/>
-                </a:solidFill>
-                <a:latin typeface="Roboto Medium" pitchFamily="2" charset="0"/>
-                <a:ea typeface="Roboto Medium" pitchFamily="2" charset="0"/>
-              </a:defRPr>
-            </a:lvl1pPr>
-          </a:lstStyle>
-          <a:p>
-            <a:pPr lvl="0"/>
-            <a:r>
-              <a:rPr lang="en-US" altLang="zh-CN" dirty="0"/>
-              <a:t>Phrase</a:t>
-            </a:r>
-            <a:r>
-              <a:rPr lang="zh-CN" altLang="en-US" dirty="0"/>
-              <a:t> </a:t>
-            </a:r>
-            <a:r>
-              <a:rPr lang="en-US" altLang="zh-CN" dirty="0"/>
-              <a:t>01</a:t>
-            </a:r>
-            <a:endParaRPr lang="en-JP" dirty="0"/>
-          </a:p>
-        </p:txBody>
-      </p:sp>
-      <p:sp>
-        <p:nvSpPr>
-          <p:cNvPr id="29" name="Text Placeholder 13">
-            <a:extLst>
-              <a:ext uri="{FF2B5EF4-FFF2-40B4-BE49-F238E27FC236}">
-                <a16:creationId xmlns:a16="http://schemas.microsoft.com/office/drawing/2014/main" id="{FC360590-2635-9F45-A505-FF0613EFB12C}"/>
-              </a:ext>
-            </a:extLst>
-          </p:cNvPr>
-          <p:cNvSpPr>
-            <a:spLocks noGrp="1"/>
-          </p:cNvSpPr>
-          <p:nvPr>
-            <p:ph type="body" sz="quarter" idx="13" hasCustomPrompt="1"/>
-          </p:nvPr>
-        </p:nvSpPr>
-        <p:spPr>
-          <a:xfrm>
-            <a:off x="839417" y="3083215"/>
-            <a:ext cx="5029172" cy="360835"/>
-          </a:xfrm>
-          <a:prstGeom prst="rect">
-            <a:avLst/>
-          </a:prstGeom>
-        </p:spPr>
-        <p:txBody>
-          <a:bodyPr anchor="t"/>
-          <a:lstStyle>
-            <a:lvl1pPr marL="0" indent="0" algn="l">
-              <a:buNone/>
-              <a:defRPr sz="1200" b="0" i="0">
-                <a:solidFill>
-                  <a:srgbClr val="4B0707"/>
-                </a:solidFill>
-                <a:latin typeface="PingFang SC Light" panose="020B0300000000000000" pitchFamily="34" charset="-122"/>
-                <a:ea typeface="PingFang SC Light" panose="020B0300000000000000" pitchFamily="34" charset="-122"/>
-              </a:defRPr>
-            </a:lvl1pPr>
-          </a:lstStyle>
-          <a:p>
-            <a:pPr lvl="0"/>
-            <a:r>
-              <a:rPr lang="zh-CN" altLang="en-JP" dirty="0"/>
-              <a:t>翻译</a:t>
-            </a:r>
-            <a:endParaRPr lang="en-JP" dirty="0"/>
-          </a:p>
-        </p:txBody>
-      </p:sp>
-      <p:sp>
-        <p:nvSpPr>
-          <p:cNvPr id="30" name="Rounded Rectangle 29">
-            <a:extLst>
-              <a:ext uri="{FF2B5EF4-FFF2-40B4-BE49-F238E27FC236}">
-                <a16:creationId xmlns:a16="http://schemas.microsoft.com/office/drawing/2014/main" id="{C9B37CB1-2B22-FA4E-8044-91F590194F39}"/>
-              </a:ext>
-            </a:extLst>
-          </p:cNvPr>
-          <p:cNvSpPr/>
-          <p:nvPr userDrawn="1"/>
-        </p:nvSpPr>
-        <p:spPr>
-          <a:xfrm>
-            <a:off x="767408" y="3975956"/>
-            <a:ext cx="5101180" cy="368260"/>
-          </a:xfrm>
-          <a:prstGeom prst="roundRect">
-            <a:avLst>
-              <a:gd name="adj" fmla="val 15851"/>
-            </a:avLst>
-          </a:prstGeom>
-          <a:solidFill>
-            <a:srgbClr val="4B0707">
-              <a:alpha val="2000"/>
-            </a:srgbClr>
-          </a:solidFill>
-          <a:ln>
-            <a:noFill/>
-          </a:ln>
-        </p:spPr>
-        <p:style>
-          <a:lnRef idx="2">
-            <a:schemeClr val="accent1">
-              <a:shade val="50000"/>
-            </a:schemeClr>
-          </a:lnRef>
-          <a:fillRef idx="1">
-            <a:schemeClr val="accent1"/>
-          </a:fillRef>
-          <a:effectRef idx="0">
-            <a:schemeClr val="accent1"/>
-          </a:effectRef>
-          <a:fontRef idx="minor">
-            <a:schemeClr val="lt1"/>
-          </a:fontRef>
-        </p:style>
-        <p:txBody>
-          <a:bodyPr rtlCol="0" anchor="ctr"/>
-          <a:lstStyle/>
-          <a:p>
-            <a:endParaRPr lang="en-JP" sz="1400" dirty="0">
-              <a:solidFill>
-                <a:schemeClr val="accent3">
-                  <a:lumMod val="75000"/>
-                </a:schemeClr>
-              </a:solidFill>
-              <a:latin typeface="Roboto Medium" pitchFamily="2" charset="0"/>
-              <a:ea typeface="Roboto Medium" pitchFamily="2" charset="0"/>
-            </a:endParaRPr>
-          </a:p>
-        </p:txBody>
-      </p:sp>
-      <p:sp>
-        <p:nvSpPr>
-          <p:cNvPr id="31" name="Rectangle 30">
-            <a:extLst>
-              <a:ext uri="{FF2B5EF4-FFF2-40B4-BE49-F238E27FC236}">
-                <a16:creationId xmlns:a16="http://schemas.microsoft.com/office/drawing/2014/main" id="{7A875210-9168-6242-A2AC-49628CF4890E}"/>
-              </a:ext>
-            </a:extLst>
-          </p:cNvPr>
-          <p:cNvSpPr/>
-          <p:nvPr userDrawn="1"/>
-        </p:nvSpPr>
-        <p:spPr>
-          <a:xfrm>
-            <a:off x="768421" y="4021587"/>
-            <a:ext cx="819979" cy="276999"/>
-          </a:xfrm>
-          <a:prstGeom prst="rect">
-            <a:avLst/>
-          </a:prstGeom>
-        </p:spPr>
-        <p:txBody>
-          <a:bodyPr wrap="square">
-            <a:spAutoFit/>
-          </a:bodyPr>
-          <a:lstStyle/>
-          <a:p>
-            <a:pPr algn="ctr"/>
-            <a:r>
-              <a:rPr lang="zh-CN" altLang="en-US" sz="1200" dirty="0">
-                <a:solidFill>
-                  <a:srgbClr val="A78078">
-                    <a:alpha val="80000"/>
-                  </a:srgbClr>
-                </a:solidFill>
-                <a:latin typeface="PingFang SC Light" panose="020B0300000000000000" pitchFamily="34" charset="-122"/>
-                <a:ea typeface="PingFang SC Light" panose="020B0300000000000000" pitchFamily="34" charset="-122"/>
-              </a:rPr>
-              <a:t>直接宾语 </a:t>
-            </a:r>
-            <a:endParaRPr lang="en-US" altLang="zh-CN" sz="1200" dirty="0">
-              <a:solidFill>
-                <a:srgbClr val="A78078">
-                  <a:alpha val="80000"/>
-                </a:srgbClr>
-              </a:solidFill>
-              <a:latin typeface="PingFang SC Light" panose="020B0300000000000000" pitchFamily="34" charset="-122"/>
-              <a:ea typeface="PingFang SC Light" panose="020B0300000000000000" pitchFamily="34" charset="-122"/>
-            </a:endParaRPr>
-          </a:p>
-        </p:txBody>
-      </p:sp>
-      <p:sp>
-        <p:nvSpPr>
-          <p:cNvPr id="32" name="Rounded Rectangle 31">
-            <a:extLst>
-              <a:ext uri="{FF2B5EF4-FFF2-40B4-BE49-F238E27FC236}">
-                <a16:creationId xmlns:a16="http://schemas.microsoft.com/office/drawing/2014/main" id="{CE563F63-93F7-1C4E-A91C-84E591496537}"/>
-              </a:ext>
-            </a:extLst>
-          </p:cNvPr>
-          <p:cNvSpPr/>
-          <p:nvPr userDrawn="1"/>
-        </p:nvSpPr>
-        <p:spPr>
-          <a:xfrm>
-            <a:off x="767408" y="3571601"/>
-            <a:ext cx="5101180" cy="370139"/>
-          </a:xfrm>
-          <a:prstGeom prst="roundRect">
-            <a:avLst>
-              <a:gd name="adj" fmla="val 15851"/>
-            </a:avLst>
-          </a:prstGeom>
-          <a:solidFill>
-            <a:srgbClr val="4B0707">
-              <a:alpha val="2000"/>
-            </a:srgbClr>
-          </a:solidFill>
-          <a:ln>
-            <a:noFill/>
-          </a:ln>
-        </p:spPr>
-        <p:style>
-          <a:lnRef idx="2">
-            <a:schemeClr val="accent1">
-              <a:shade val="50000"/>
-            </a:schemeClr>
-          </a:lnRef>
-          <a:fillRef idx="1">
-            <a:schemeClr val="accent1"/>
-          </a:fillRef>
-          <a:effectRef idx="0">
-            <a:schemeClr val="accent1"/>
-          </a:effectRef>
-          <a:fontRef idx="minor">
-            <a:schemeClr val="lt1"/>
-          </a:fontRef>
-        </p:style>
-        <p:txBody>
-          <a:bodyPr rtlCol="0" anchor="ctr"/>
-          <a:lstStyle/>
-          <a:p>
-            <a:endParaRPr lang="en-JP" sz="1400" dirty="0">
-              <a:solidFill>
-                <a:schemeClr val="accent3">
-                  <a:lumMod val="75000"/>
-                </a:schemeClr>
-              </a:solidFill>
-              <a:latin typeface="Roboto Medium" pitchFamily="2" charset="0"/>
-              <a:ea typeface="Roboto Medium" pitchFamily="2" charset="0"/>
-            </a:endParaRPr>
-          </a:p>
-        </p:txBody>
-      </p:sp>
-      <p:sp>
-        <p:nvSpPr>
-          <p:cNvPr id="33" name="Rectangle 32">
-            <a:extLst>
-              <a:ext uri="{FF2B5EF4-FFF2-40B4-BE49-F238E27FC236}">
-                <a16:creationId xmlns:a16="http://schemas.microsoft.com/office/drawing/2014/main" id="{E1A763EA-3B49-4040-BB7D-671D9CCF7C7A}"/>
-              </a:ext>
-            </a:extLst>
-          </p:cNvPr>
-          <p:cNvSpPr/>
-          <p:nvPr userDrawn="1"/>
-        </p:nvSpPr>
-        <p:spPr>
-          <a:xfrm>
-            <a:off x="767979" y="3618171"/>
-            <a:ext cx="819978" cy="276999"/>
-          </a:xfrm>
-          <a:prstGeom prst="rect">
-            <a:avLst/>
-          </a:prstGeom>
-        </p:spPr>
-        <p:txBody>
-          <a:bodyPr wrap="square">
-            <a:spAutoFit/>
-          </a:bodyPr>
-          <a:lstStyle/>
-          <a:p>
-            <a:pPr algn="ctr"/>
-            <a:r>
-              <a:rPr lang="zh-CN" altLang="en-US" sz="1200" dirty="0">
-                <a:solidFill>
-                  <a:srgbClr val="A78078">
-                    <a:alpha val="80000"/>
-                  </a:srgbClr>
-                </a:solidFill>
-                <a:latin typeface="PingFang SC Light" panose="020B0300000000000000" pitchFamily="34" charset="-122"/>
-                <a:ea typeface="PingFang SC Light" panose="020B0300000000000000" pitchFamily="34" charset="-122"/>
-              </a:rPr>
-              <a:t>动     词</a:t>
-            </a:r>
-            <a:endParaRPr lang="en-US" altLang="zh-CN" sz="1200" dirty="0">
-              <a:solidFill>
-                <a:srgbClr val="A78078">
-                  <a:alpha val="80000"/>
-                </a:srgbClr>
-              </a:solidFill>
-              <a:latin typeface="PingFang SC Light" panose="020B0300000000000000" pitchFamily="34" charset="-122"/>
-              <a:ea typeface="PingFang SC Light" panose="020B0300000000000000" pitchFamily="34" charset="-122"/>
-            </a:endParaRPr>
-          </a:p>
-        </p:txBody>
-      </p:sp>
-      <p:sp>
-        <p:nvSpPr>
-          <p:cNvPr id="34" name="Rounded Rectangle 33">
-            <a:extLst>
-              <a:ext uri="{FF2B5EF4-FFF2-40B4-BE49-F238E27FC236}">
-                <a16:creationId xmlns:a16="http://schemas.microsoft.com/office/drawing/2014/main" id="{F19D9718-F452-B74C-BB61-39136EF80529}"/>
-              </a:ext>
-            </a:extLst>
-          </p:cNvPr>
-          <p:cNvSpPr/>
-          <p:nvPr userDrawn="1"/>
-        </p:nvSpPr>
-        <p:spPr>
-          <a:xfrm>
-            <a:off x="767408" y="4383222"/>
-            <a:ext cx="5101180" cy="368260"/>
-          </a:xfrm>
-          <a:prstGeom prst="roundRect">
-            <a:avLst>
-              <a:gd name="adj" fmla="val 15851"/>
-            </a:avLst>
-          </a:prstGeom>
-          <a:solidFill>
-            <a:srgbClr val="4B0707">
-              <a:alpha val="2000"/>
-            </a:srgbClr>
-          </a:solidFill>
-          <a:ln>
-            <a:noFill/>
-          </a:ln>
-        </p:spPr>
-        <p:style>
-          <a:lnRef idx="2">
-            <a:schemeClr val="accent1">
-              <a:shade val="50000"/>
-            </a:schemeClr>
-          </a:lnRef>
-          <a:fillRef idx="1">
-            <a:schemeClr val="accent1"/>
-          </a:fillRef>
-          <a:effectRef idx="0">
-            <a:schemeClr val="accent1"/>
-          </a:effectRef>
-          <a:fontRef idx="minor">
-            <a:schemeClr val="lt1"/>
-          </a:fontRef>
-        </p:style>
-        <p:txBody>
-          <a:bodyPr rtlCol="0" anchor="ctr"/>
-          <a:lstStyle/>
-          <a:p>
-            <a:endParaRPr lang="en-JP" sz="1400" dirty="0">
-              <a:solidFill>
-                <a:schemeClr val="accent3">
-                  <a:lumMod val="75000"/>
-                </a:schemeClr>
-              </a:solidFill>
-              <a:latin typeface="Roboto Medium" pitchFamily="2" charset="0"/>
-              <a:ea typeface="Roboto Medium" pitchFamily="2" charset="0"/>
-            </a:endParaRPr>
-          </a:p>
-        </p:txBody>
-      </p:sp>
-      <p:sp>
-        <p:nvSpPr>
-          <p:cNvPr id="35" name="Rectangle 34">
-            <a:extLst>
-              <a:ext uri="{FF2B5EF4-FFF2-40B4-BE49-F238E27FC236}">
-                <a16:creationId xmlns:a16="http://schemas.microsoft.com/office/drawing/2014/main" id="{6620781C-9C48-514C-9D0B-0F46CD3581DF}"/>
-              </a:ext>
-            </a:extLst>
-          </p:cNvPr>
-          <p:cNvSpPr/>
-          <p:nvPr userDrawn="1"/>
-        </p:nvSpPr>
-        <p:spPr>
-          <a:xfrm>
-            <a:off x="768421" y="4428853"/>
-            <a:ext cx="819979" cy="276999"/>
-          </a:xfrm>
-          <a:prstGeom prst="rect">
-            <a:avLst/>
-          </a:prstGeom>
-        </p:spPr>
-        <p:txBody>
-          <a:bodyPr wrap="square">
-            <a:spAutoFit/>
-          </a:bodyPr>
-          <a:lstStyle/>
-          <a:p>
-            <a:pPr algn="ctr"/>
-            <a:r>
-              <a:rPr lang="zh-CN" altLang="en-US" sz="1200" dirty="0">
-                <a:solidFill>
-                  <a:srgbClr val="A78078">
-                    <a:alpha val="80000"/>
-                  </a:srgbClr>
-                </a:solidFill>
-                <a:latin typeface="PingFang SC Light" panose="020B0300000000000000" pitchFamily="34" charset="-122"/>
-                <a:ea typeface="PingFang SC Light" panose="020B0300000000000000" pitchFamily="34" charset="-122"/>
-              </a:rPr>
-              <a:t>间接宾语 </a:t>
-            </a:r>
-            <a:endParaRPr lang="en-US" altLang="zh-CN" sz="1200" dirty="0">
-              <a:solidFill>
-                <a:srgbClr val="A78078">
-                  <a:alpha val="80000"/>
-                </a:srgbClr>
-              </a:solidFill>
-              <a:latin typeface="PingFang SC Light" panose="020B0300000000000000" pitchFamily="34" charset="-122"/>
-              <a:ea typeface="PingFang SC Light" panose="020B0300000000000000" pitchFamily="34" charset="-122"/>
-            </a:endParaRPr>
-          </a:p>
-        </p:txBody>
-      </p:sp>
-      <p:sp>
-        <p:nvSpPr>
-          <p:cNvPr id="36" name="Text Placeholder 13">
-            <a:extLst>
-              <a:ext uri="{FF2B5EF4-FFF2-40B4-BE49-F238E27FC236}">
-                <a16:creationId xmlns:a16="http://schemas.microsoft.com/office/drawing/2014/main" id="{8B588C1E-A849-5A4F-BA91-DC811F9F1D24}"/>
-              </a:ext>
-            </a:extLst>
-          </p:cNvPr>
-          <p:cNvSpPr>
-            <a:spLocks noGrp="1"/>
-          </p:cNvSpPr>
-          <p:nvPr>
-            <p:ph type="body" sz="quarter" idx="14" hasCustomPrompt="1"/>
-          </p:nvPr>
-        </p:nvSpPr>
-        <p:spPr>
-          <a:xfrm>
-            <a:off x="1544658" y="3617787"/>
-            <a:ext cx="4297651" cy="276999"/>
-          </a:xfrm>
-          <a:prstGeom prst="rect">
-            <a:avLst/>
-          </a:prstGeom>
-        </p:spPr>
-        <p:txBody>
-          <a:bodyPr anchor="ctr"/>
-          <a:lstStyle>
-            <a:lvl1pPr marL="0" indent="0" algn="l">
-              <a:buNone/>
-              <a:defRPr sz="1200" b="0" i="0">
-                <a:solidFill>
-                  <a:srgbClr val="4B0707"/>
-                </a:solidFill>
-                <a:latin typeface="Roboto Medium" pitchFamily="2" charset="0"/>
-                <a:ea typeface="Roboto Medium" pitchFamily="2" charset="0"/>
-              </a:defRPr>
-            </a:lvl1pPr>
-          </a:lstStyle>
-          <a:p>
-            <a:pPr lvl="0"/>
-            <a:r>
-              <a:rPr lang="en-US" altLang="zh-CN" dirty="0"/>
-              <a:t>Verb</a:t>
-            </a:r>
-            <a:endParaRPr lang="en-JP" dirty="0"/>
-          </a:p>
-        </p:txBody>
-      </p:sp>
-      <p:sp>
-        <p:nvSpPr>
-          <p:cNvPr id="37" name="Text Placeholder 13">
-            <a:extLst>
-              <a:ext uri="{FF2B5EF4-FFF2-40B4-BE49-F238E27FC236}">
-                <a16:creationId xmlns:a16="http://schemas.microsoft.com/office/drawing/2014/main" id="{EC0B6841-B21D-404E-9EE1-A112282D378E}"/>
-              </a:ext>
-            </a:extLst>
-          </p:cNvPr>
-          <p:cNvSpPr>
-            <a:spLocks noGrp="1"/>
-          </p:cNvSpPr>
-          <p:nvPr>
-            <p:ph type="body" sz="quarter" idx="15" hasCustomPrompt="1"/>
-          </p:nvPr>
-        </p:nvSpPr>
-        <p:spPr>
-          <a:xfrm>
-            <a:off x="1544658" y="4023423"/>
-            <a:ext cx="4297651" cy="276999"/>
-          </a:xfrm>
-          <a:prstGeom prst="rect">
-            <a:avLst/>
-          </a:prstGeom>
-        </p:spPr>
-        <p:txBody>
-          <a:bodyPr anchor="ctr"/>
-          <a:lstStyle>
-            <a:lvl1pPr marL="0" indent="0" algn="l">
-              <a:buNone/>
-              <a:defRPr sz="1200" b="0" i="0">
-                <a:solidFill>
-                  <a:srgbClr val="4B0707"/>
-                </a:solidFill>
-                <a:latin typeface="Roboto Medium" pitchFamily="2" charset="0"/>
-                <a:ea typeface="Roboto Medium" pitchFamily="2" charset="0"/>
-              </a:defRPr>
-            </a:lvl1pPr>
-          </a:lstStyle>
-          <a:p>
-            <a:pPr lvl="0"/>
-            <a:r>
-              <a:rPr lang="en-US" altLang="zh-CN" dirty="0"/>
-              <a:t>Direct</a:t>
-            </a:r>
-            <a:r>
-              <a:rPr lang="zh-CN" altLang="en-US" dirty="0"/>
-              <a:t> </a:t>
-            </a:r>
-            <a:r>
-              <a:rPr lang="en-US" altLang="zh-CN" dirty="0"/>
-              <a:t>object</a:t>
-            </a:r>
-            <a:endParaRPr lang="en-JP" dirty="0"/>
-          </a:p>
-        </p:txBody>
-      </p:sp>
-      <p:sp>
-        <p:nvSpPr>
-          <p:cNvPr id="38" name="Text Placeholder 13">
-            <a:extLst>
-              <a:ext uri="{FF2B5EF4-FFF2-40B4-BE49-F238E27FC236}">
-                <a16:creationId xmlns:a16="http://schemas.microsoft.com/office/drawing/2014/main" id="{FED882C2-E902-0A49-A9D4-3DF51DE81547}"/>
-              </a:ext>
-            </a:extLst>
-          </p:cNvPr>
-          <p:cNvSpPr>
-            <a:spLocks noGrp="1"/>
-          </p:cNvSpPr>
-          <p:nvPr>
-            <p:ph type="body" sz="quarter" idx="16" hasCustomPrompt="1"/>
-          </p:nvPr>
-        </p:nvSpPr>
-        <p:spPr>
-          <a:xfrm>
-            <a:off x="1544658" y="4429059"/>
-            <a:ext cx="4297651" cy="276999"/>
-          </a:xfrm>
-          <a:prstGeom prst="rect">
-            <a:avLst/>
-          </a:prstGeom>
-        </p:spPr>
-        <p:txBody>
-          <a:bodyPr anchor="ctr"/>
-          <a:lstStyle>
-            <a:lvl1pPr marL="0" indent="0" algn="l">
-              <a:buNone/>
-              <a:defRPr sz="1200" b="0" i="0">
-                <a:solidFill>
-                  <a:srgbClr val="4B0707"/>
-                </a:solidFill>
-                <a:latin typeface="Roboto Medium" pitchFamily="2" charset="0"/>
-                <a:ea typeface="Roboto Medium" pitchFamily="2" charset="0"/>
-              </a:defRPr>
-            </a:lvl1pPr>
-          </a:lstStyle>
-          <a:p>
-            <a:pPr lvl="0"/>
-            <a:r>
-              <a:rPr lang="en-US" altLang="zh-CN" dirty="0"/>
-              <a:t>Indirect</a:t>
-            </a:r>
-            <a:r>
-              <a:rPr lang="zh-CN" altLang="en-US" dirty="0"/>
-              <a:t> </a:t>
-            </a:r>
-            <a:r>
-              <a:rPr lang="en-US" altLang="zh-CN" dirty="0"/>
-              <a:t>object</a:t>
-            </a:r>
-            <a:endParaRPr lang="en-JP" dirty="0"/>
-          </a:p>
-        </p:txBody>
-      </p:sp>
-      <p:sp>
-        <p:nvSpPr>
-          <p:cNvPr id="39" name="Text Placeholder 13">
-            <a:extLst>
-              <a:ext uri="{FF2B5EF4-FFF2-40B4-BE49-F238E27FC236}">
-                <a16:creationId xmlns:a16="http://schemas.microsoft.com/office/drawing/2014/main" id="{2E28F28F-E2E6-FD47-B62C-A4542AA22FA5}"/>
-              </a:ext>
-            </a:extLst>
-          </p:cNvPr>
-          <p:cNvSpPr>
-            <a:spLocks noGrp="1"/>
-          </p:cNvSpPr>
-          <p:nvPr>
-            <p:ph type="body" sz="quarter" idx="17" hasCustomPrompt="1"/>
-          </p:nvPr>
-        </p:nvSpPr>
-        <p:spPr>
-          <a:xfrm>
-            <a:off x="6394850" y="2690629"/>
-            <a:ext cx="5029172" cy="360835"/>
-          </a:xfrm>
-          <a:prstGeom prst="rect">
-            <a:avLst/>
-          </a:prstGeom>
-        </p:spPr>
-        <p:txBody>
-          <a:bodyPr anchor="b"/>
-          <a:lstStyle>
-            <a:lvl1pPr marL="0" indent="0" algn="l">
-              <a:buNone/>
-              <a:defRPr sz="1600" b="0" i="0">
-                <a:solidFill>
-                  <a:srgbClr val="F36F4F"/>
-                </a:solidFill>
-                <a:latin typeface="Roboto Medium" pitchFamily="2" charset="0"/>
-                <a:ea typeface="Roboto Medium" pitchFamily="2" charset="0"/>
-              </a:defRPr>
-            </a:lvl1pPr>
-          </a:lstStyle>
-          <a:p>
-            <a:pPr lvl="0"/>
-            <a:r>
-              <a:rPr lang="en-US" altLang="zh-CN" dirty="0"/>
-              <a:t>Phrase</a:t>
-            </a:r>
-            <a:r>
-              <a:rPr lang="zh-CN" altLang="en-US" dirty="0"/>
-              <a:t> </a:t>
-            </a:r>
-            <a:r>
-              <a:rPr lang="en-US" altLang="zh-CN" dirty="0"/>
-              <a:t>02</a:t>
-            </a:r>
-            <a:endParaRPr lang="en-JP" dirty="0"/>
-          </a:p>
-        </p:txBody>
-      </p:sp>
-      <p:sp>
-        <p:nvSpPr>
-          <p:cNvPr id="40" name="Text Placeholder 13">
-            <a:extLst>
-              <a:ext uri="{FF2B5EF4-FFF2-40B4-BE49-F238E27FC236}">
-                <a16:creationId xmlns:a16="http://schemas.microsoft.com/office/drawing/2014/main" id="{9556E519-508C-CC41-81BB-B7DDD64C28E4}"/>
-              </a:ext>
-            </a:extLst>
-          </p:cNvPr>
-          <p:cNvSpPr>
-            <a:spLocks noGrp="1"/>
-          </p:cNvSpPr>
-          <p:nvPr>
-            <p:ph type="body" sz="quarter" idx="18" hasCustomPrompt="1"/>
-          </p:nvPr>
-        </p:nvSpPr>
-        <p:spPr>
-          <a:xfrm>
-            <a:off x="6394850" y="3083215"/>
-            <a:ext cx="5029172" cy="360835"/>
-          </a:xfrm>
-          <a:prstGeom prst="rect">
-            <a:avLst/>
-          </a:prstGeom>
-        </p:spPr>
-        <p:txBody>
-          <a:bodyPr anchor="t"/>
-          <a:lstStyle>
-            <a:lvl1pPr marL="0" indent="0" algn="l">
-              <a:buNone/>
-              <a:defRPr sz="1200" b="0" i="0">
-                <a:solidFill>
-                  <a:schemeClr val="accent3">
-                    <a:lumMod val="75000"/>
-                  </a:schemeClr>
-                </a:solidFill>
-                <a:latin typeface="PingFang SC Light" panose="020B0300000000000000" pitchFamily="34" charset="-122"/>
-                <a:ea typeface="PingFang SC Light" panose="020B0300000000000000" pitchFamily="34" charset="-122"/>
-              </a:defRPr>
-            </a:lvl1pPr>
-          </a:lstStyle>
-          <a:p>
-            <a:pPr lvl="0"/>
-            <a:r>
-              <a:rPr lang="zh-CN" altLang="en-JP" dirty="0"/>
-              <a:t>翻译</a:t>
-            </a:r>
-            <a:endParaRPr lang="en-JP" dirty="0"/>
-          </a:p>
-        </p:txBody>
-      </p:sp>
-      <p:sp>
-        <p:nvSpPr>
-          <p:cNvPr id="41" name="Rounded Rectangle 40">
-            <a:extLst>
-              <a:ext uri="{FF2B5EF4-FFF2-40B4-BE49-F238E27FC236}">
-                <a16:creationId xmlns:a16="http://schemas.microsoft.com/office/drawing/2014/main" id="{8D54F910-682C-7241-8047-8AA17EA81BFA}"/>
-              </a:ext>
-            </a:extLst>
-          </p:cNvPr>
-          <p:cNvSpPr/>
-          <p:nvPr userDrawn="1"/>
-        </p:nvSpPr>
-        <p:spPr>
-          <a:xfrm>
-            <a:off x="6322841" y="3975956"/>
-            <a:ext cx="5101180" cy="368260"/>
-          </a:xfrm>
-          <a:prstGeom prst="roundRect">
-            <a:avLst>
-              <a:gd name="adj" fmla="val 15851"/>
-            </a:avLst>
-          </a:prstGeom>
-          <a:solidFill>
-            <a:srgbClr val="4B0707">
-              <a:alpha val="2000"/>
-            </a:srgbClr>
-          </a:solidFill>
-          <a:ln>
-            <a:noFill/>
-          </a:ln>
-        </p:spPr>
-        <p:style>
-          <a:lnRef idx="2">
-            <a:schemeClr val="accent1">
-              <a:shade val="50000"/>
-            </a:schemeClr>
-          </a:lnRef>
-          <a:fillRef idx="1">
-            <a:schemeClr val="accent1"/>
-          </a:fillRef>
-          <a:effectRef idx="0">
-            <a:schemeClr val="accent1"/>
-          </a:effectRef>
-          <a:fontRef idx="minor">
-            <a:schemeClr val="lt1"/>
-          </a:fontRef>
-        </p:style>
-        <p:txBody>
-          <a:bodyPr rtlCol="0" anchor="ctr"/>
-          <a:lstStyle/>
-          <a:p>
-            <a:endParaRPr lang="en-JP" sz="1400" dirty="0">
-              <a:solidFill>
-                <a:schemeClr val="accent3">
-                  <a:lumMod val="75000"/>
-                </a:schemeClr>
-              </a:solidFill>
-              <a:latin typeface="Roboto Medium" pitchFamily="2" charset="0"/>
-              <a:ea typeface="Roboto Medium" pitchFamily="2" charset="0"/>
-            </a:endParaRPr>
-          </a:p>
-        </p:txBody>
-      </p:sp>
-      <p:sp>
-        <p:nvSpPr>
-          <p:cNvPr id="42" name="Rectangle 41">
-            <a:extLst>
-              <a:ext uri="{FF2B5EF4-FFF2-40B4-BE49-F238E27FC236}">
-                <a16:creationId xmlns:a16="http://schemas.microsoft.com/office/drawing/2014/main" id="{C0CF17A4-188A-894F-ABF8-422968844360}"/>
-              </a:ext>
-            </a:extLst>
-          </p:cNvPr>
-          <p:cNvSpPr/>
-          <p:nvPr userDrawn="1"/>
-        </p:nvSpPr>
-        <p:spPr>
-          <a:xfrm>
-            <a:off x="6349691" y="4021587"/>
-            <a:ext cx="819979" cy="276999"/>
-          </a:xfrm>
-          <a:prstGeom prst="rect">
-            <a:avLst/>
-          </a:prstGeom>
-        </p:spPr>
-        <p:txBody>
-          <a:bodyPr wrap="square">
-            <a:spAutoFit/>
-          </a:bodyPr>
-          <a:lstStyle/>
-          <a:p>
-            <a:pPr algn="ctr"/>
-            <a:r>
-              <a:rPr lang="zh-CN" altLang="en-US" sz="1200" dirty="0">
-                <a:solidFill>
-                  <a:srgbClr val="A78078">
-                    <a:alpha val="80000"/>
-                  </a:srgbClr>
-                </a:solidFill>
-                <a:latin typeface="PingFang SC Light" panose="020B0300000000000000" pitchFamily="34" charset="-122"/>
-                <a:ea typeface="PingFang SC Light" panose="020B0300000000000000" pitchFamily="34" charset="-122"/>
-              </a:rPr>
-              <a:t>直接宾语 </a:t>
-            </a:r>
-            <a:endParaRPr lang="en-US" altLang="zh-CN" sz="1200" dirty="0">
-              <a:solidFill>
-                <a:srgbClr val="A78078">
-                  <a:alpha val="80000"/>
-                </a:srgbClr>
-              </a:solidFill>
-              <a:latin typeface="PingFang SC Light" panose="020B0300000000000000" pitchFamily="34" charset="-122"/>
-              <a:ea typeface="PingFang SC Light" panose="020B0300000000000000" pitchFamily="34" charset="-122"/>
-            </a:endParaRPr>
-          </a:p>
-        </p:txBody>
-      </p:sp>
-      <p:sp>
-        <p:nvSpPr>
-          <p:cNvPr id="43" name="Rounded Rectangle 42">
-            <a:extLst>
-              <a:ext uri="{FF2B5EF4-FFF2-40B4-BE49-F238E27FC236}">
-                <a16:creationId xmlns:a16="http://schemas.microsoft.com/office/drawing/2014/main" id="{2C65C280-5D46-4447-9D1D-584930B1632F}"/>
-              </a:ext>
-            </a:extLst>
-          </p:cNvPr>
-          <p:cNvSpPr/>
-          <p:nvPr userDrawn="1"/>
-        </p:nvSpPr>
-        <p:spPr>
-          <a:xfrm>
-            <a:off x="6322841" y="3571601"/>
-            <a:ext cx="5101180" cy="370139"/>
-          </a:xfrm>
-          <a:prstGeom prst="roundRect">
-            <a:avLst>
-              <a:gd name="adj" fmla="val 15851"/>
-            </a:avLst>
-          </a:prstGeom>
-          <a:solidFill>
-            <a:srgbClr val="4B0707">
-              <a:alpha val="2000"/>
-            </a:srgbClr>
-          </a:solidFill>
-          <a:ln>
-            <a:noFill/>
-          </a:ln>
-        </p:spPr>
-        <p:style>
-          <a:lnRef idx="2">
-            <a:schemeClr val="accent1">
-              <a:shade val="50000"/>
-            </a:schemeClr>
-          </a:lnRef>
-          <a:fillRef idx="1">
-            <a:schemeClr val="accent1"/>
-          </a:fillRef>
-          <a:effectRef idx="0">
-            <a:schemeClr val="accent1"/>
-          </a:effectRef>
-          <a:fontRef idx="minor">
-            <a:schemeClr val="lt1"/>
-          </a:fontRef>
-        </p:style>
-        <p:txBody>
-          <a:bodyPr rtlCol="0" anchor="ctr"/>
-          <a:lstStyle/>
-          <a:p>
-            <a:endParaRPr lang="en-JP" sz="1400" dirty="0">
-              <a:solidFill>
-                <a:schemeClr val="accent3">
-                  <a:lumMod val="75000"/>
-                </a:schemeClr>
-              </a:solidFill>
-              <a:latin typeface="Roboto Medium" pitchFamily="2" charset="0"/>
-              <a:ea typeface="Roboto Medium" pitchFamily="2" charset="0"/>
-            </a:endParaRPr>
-          </a:p>
-        </p:txBody>
-      </p:sp>
-      <p:sp>
-        <p:nvSpPr>
-          <p:cNvPr id="44" name="Rectangle 43">
-            <a:extLst>
-              <a:ext uri="{FF2B5EF4-FFF2-40B4-BE49-F238E27FC236}">
-                <a16:creationId xmlns:a16="http://schemas.microsoft.com/office/drawing/2014/main" id="{2093B907-B63E-0C49-97BE-9D33456DDD2E}"/>
-              </a:ext>
-            </a:extLst>
-          </p:cNvPr>
-          <p:cNvSpPr/>
-          <p:nvPr userDrawn="1"/>
-        </p:nvSpPr>
-        <p:spPr>
-          <a:xfrm>
-            <a:off x="6349249" y="3618171"/>
-            <a:ext cx="819978" cy="276999"/>
-          </a:xfrm>
-          <a:prstGeom prst="rect">
-            <a:avLst/>
-          </a:prstGeom>
-        </p:spPr>
-        <p:txBody>
-          <a:bodyPr wrap="square">
-            <a:spAutoFit/>
-          </a:bodyPr>
-          <a:lstStyle/>
-          <a:p>
-            <a:pPr algn="ctr"/>
-            <a:r>
-              <a:rPr lang="zh-CN" altLang="en-US" sz="1200" dirty="0">
-                <a:solidFill>
-                  <a:srgbClr val="A78078">
-                    <a:alpha val="80000"/>
-                  </a:srgbClr>
-                </a:solidFill>
-                <a:latin typeface="PingFang SC Light" panose="020B0300000000000000" pitchFamily="34" charset="-122"/>
-                <a:ea typeface="PingFang SC Light" panose="020B0300000000000000" pitchFamily="34" charset="-122"/>
-              </a:rPr>
-              <a:t>动     词</a:t>
-            </a:r>
-            <a:endParaRPr lang="en-US" altLang="zh-CN" sz="1200" dirty="0">
-              <a:solidFill>
-                <a:srgbClr val="A78078">
-                  <a:alpha val="80000"/>
-                </a:srgbClr>
-              </a:solidFill>
-              <a:latin typeface="PingFang SC Light" panose="020B0300000000000000" pitchFamily="34" charset="-122"/>
-              <a:ea typeface="PingFang SC Light" panose="020B0300000000000000" pitchFamily="34" charset="-122"/>
-            </a:endParaRPr>
-          </a:p>
-        </p:txBody>
-      </p:sp>
-      <p:sp>
-        <p:nvSpPr>
-          <p:cNvPr id="45" name="Rounded Rectangle 44">
-            <a:extLst>
-              <a:ext uri="{FF2B5EF4-FFF2-40B4-BE49-F238E27FC236}">
-                <a16:creationId xmlns:a16="http://schemas.microsoft.com/office/drawing/2014/main" id="{EFADB95D-1829-EA4D-95DA-FDD26026CA51}"/>
-              </a:ext>
-            </a:extLst>
-          </p:cNvPr>
-          <p:cNvSpPr/>
-          <p:nvPr userDrawn="1"/>
-        </p:nvSpPr>
-        <p:spPr>
-          <a:xfrm>
-            <a:off x="6322841" y="4383222"/>
-            <a:ext cx="5101180" cy="368260"/>
-          </a:xfrm>
-          <a:prstGeom prst="roundRect">
-            <a:avLst>
-              <a:gd name="adj" fmla="val 15851"/>
-            </a:avLst>
-          </a:prstGeom>
-          <a:solidFill>
-            <a:srgbClr val="4B0707">
-              <a:alpha val="2000"/>
-            </a:srgbClr>
-          </a:solidFill>
-          <a:ln>
-            <a:noFill/>
-          </a:ln>
-        </p:spPr>
-        <p:style>
-          <a:lnRef idx="2">
-            <a:schemeClr val="accent1">
-              <a:shade val="50000"/>
-            </a:schemeClr>
-          </a:lnRef>
-          <a:fillRef idx="1">
-            <a:schemeClr val="accent1"/>
-          </a:fillRef>
-          <a:effectRef idx="0">
-            <a:schemeClr val="accent1"/>
-          </a:effectRef>
-          <a:fontRef idx="minor">
-            <a:schemeClr val="lt1"/>
-          </a:fontRef>
-        </p:style>
-        <p:txBody>
-          <a:bodyPr rtlCol="0" anchor="ctr"/>
-          <a:lstStyle/>
-          <a:p>
-            <a:endParaRPr lang="en-JP" sz="1400" dirty="0">
-              <a:solidFill>
-                <a:schemeClr val="accent3">
-                  <a:lumMod val="75000"/>
-                </a:schemeClr>
-              </a:solidFill>
-              <a:latin typeface="Roboto Medium" pitchFamily="2" charset="0"/>
-              <a:ea typeface="Roboto Medium" pitchFamily="2" charset="0"/>
-            </a:endParaRPr>
-          </a:p>
-        </p:txBody>
-      </p:sp>
-      <p:sp>
-        <p:nvSpPr>
-          <p:cNvPr id="46" name="Rectangle 45">
-            <a:extLst>
-              <a:ext uri="{FF2B5EF4-FFF2-40B4-BE49-F238E27FC236}">
-                <a16:creationId xmlns:a16="http://schemas.microsoft.com/office/drawing/2014/main" id="{7FDF1AB8-EFD2-0C41-80CE-72700487F000}"/>
-              </a:ext>
-            </a:extLst>
-          </p:cNvPr>
-          <p:cNvSpPr/>
-          <p:nvPr userDrawn="1"/>
-        </p:nvSpPr>
-        <p:spPr>
-          <a:xfrm>
-            <a:off x="6349691" y="4428853"/>
-            <a:ext cx="819979" cy="276999"/>
-          </a:xfrm>
-          <a:prstGeom prst="rect">
-            <a:avLst/>
-          </a:prstGeom>
-        </p:spPr>
-        <p:txBody>
-          <a:bodyPr wrap="square">
-            <a:spAutoFit/>
-          </a:bodyPr>
-          <a:lstStyle/>
-          <a:p>
-            <a:pPr algn="ctr"/>
-            <a:r>
-              <a:rPr lang="zh-CN" altLang="en-US" sz="1200" dirty="0">
-                <a:solidFill>
-                  <a:srgbClr val="A78078">
-                    <a:alpha val="80000"/>
-                  </a:srgbClr>
-                </a:solidFill>
-                <a:latin typeface="PingFang SC Light" panose="020B0300000000000000" pitchFamily="34" charset="-122"/>
-                <a:ea typeface="PingFang SC Light" panose="020B0300000000000000" pitchFamily="34" charset="-122"/>
-              </a:rPr>
-              <a:t>间接宾语 </a:t>
-            </a:r>
-            <a:endParaRPr lang="en-US" altLang="zh-CN" sz="1200" dirty="0">
-              <a:solidFill>
-                <a:srgbClr val="A78078">
-                  <a:alpha val="80000"/>
-                </a:srgbClr>
-              </a:solidFill>
-              <a:latin typeface="PingFang SC Light" panose="020B0300000000000000" pitchFamily="34" charset="-122"/>
-              <a:ea typeface="PingFang SC Light" panose="020B0300000000000000" pitchFamily="34" charset="-122"/>
-            </a:endParaRPr>
-          </a:p>
-        </p:txBody>
-      </p:sp>
-      <p:sp>
-        <p:nvSpPr>
-          <p:cNvPr id="47" name="Text Placeholder 13">
-            <a:extLst>
-              <a:ext uri="{FF2B5EF4-FFF2-40B4-BE49-F238E27FC236}">
-                <a16:creationId xmlns:a16="http://schemas.microsoft.com/office/drawing/2014/main" id="{680131E9-6B5F-5E48-A128-2E74ECC21824}"/>
-              </a:ext>
-            </a:extLst>
-          </p:cNvPr>
-          <p:cNvSpPr>
-            <a:spLocks noGrp="1"/>
-          </p:cNvSpPr>
-          <p:nvPr>
-            <p:ph type="body" sz="quarter" idx="19" hasCustomPrompt="1"/>
-          </p:nvPr>
-        </p:nvSpPr>
-        <p:spPr>
-          <a:xfrm>
-            <a:off x="7125928" y="3617787"/>
-            <a:ext cx="4297651" cy="276999"/>
-          </a:xfrm>
-          <a:prstGeom prst="rect">
-            <a:avLst/>
-          </a:prstGeom>
-        </p:spPr>
-        <p:txBody>
-          <a:bodyPr anchor="ctr"/>
-          <a:lstStyle>
-            <a:lvl1pPr marL="0" indent="0" algn="l">
-              <a:buNone/>
-              <a:defRPr sz="1200" b="0" i="0">
-                <a:solidFill>
-                  <a:srgbClr val="4B0707"/>
-                </a:solidFill>
-                <a:latin typeface="Roboto Medium" pitchFamily="2" charset="0"/>
-                <a:ea typeface="Roboto Medium" pitchFamily="2" charset="0"/>
-              </a:defRPr>
-            </a:lvl1pPr>
-          </a:lstStyle>
-          <a:p>
-            <a:pPr lvl="0"/>
-            <a:r>
-              <a:rPr lang="en-US" altLang="zh-CN" dirty="0"/>
-              <a:t>Verb</a:t>
-            </a:r>
-            <a:endParaRPr lang="en-JP" dirty="0"/>
-          </a:p>
-        </p:txBody>
-      </p:sp>
-      <p:sp>
-        <p:nvSpPr>
-          <p:cNvPr id="48" name="Text Placeholder 13">
-            <a:extLst>
-              <a:ext uri="{FF2B5EF4-FFF2-40B4-BE49-F238E27FC236}">
-                <a16:creationId xmlns:a16="http://schemas.microsoft.com/office/drawing/2014/main" id="{4F328381-27C5-934E-AFE6-A66E84A17A56}"/>
-              </a:ext>
-            </a:extLst>
-          </p:cNvPr>
-          <p:cNvSpPr>
-            <a:spLocks noGrp="1"/>
-          </p:cNvSpPr>
-          <p:nvPr>
-            <p:ph type="body" sz="quarter" idx="20" hasCustomPrompt="1"/>
-          </p:nvPr>
-        </p:nvSpPr>
-        <p:spPr>
-          <a:xfrm>
-            <a:off x="7125928" y="4023423"/>
-            <a:ext cx="4297651" cy="276999"/>
-          </a:xfrm>
-          <a:prstGeom prst="rect">
-            <a:avLst/>
-          </a:prstGeom>
-        </p:spPr>
-        <p:txBody>
-          <a:bodyPr anchor="ctr"/>
-          <a:lstStyle>
-            <a:lvl1pPr marL="0" indent="0" algn="l">
-              <a:buNone/>
-              <a:defRPr sz="1200" b="0" i="0">
-                <a:solidFill>
-                  <a:srgbClr val="4B0707"/>
-                </a:solidFill>
-                <a:latin typeface="Roboto Medium" pitchFamily="2" charset="0"/>
-                <a:ea typeface="Roboto Medium" pitchFamily="2" charset="0"/>
-              </a:defRPr>
-            </a:lvl1pPr>
-          </a:lstStyle>
-          <a:p>
-            <a:pPr lvl="0"/>
-            <a:r>
-              <a:rPr lang="en-US" altLang="zh-CN" dirty="0"/>
-              <a:t>Direct</a:t>
-            </a:r>
-            <a:r>
-              <a:rPr lang="zh-CN" altLang="en-US" dirty="0"/>
-              <a:t> </a:t>
-            </a:r>
-            <a:r>
-              <a:rPr lang="en-US" altLang="zh-CN" dirty="0"/>
-              <a:t>object</a:t>
-            </a:r>
-            <a:endParaRPr lang="en-JP" dirty="0"/>
-          </a:p>
-        </p:txBody>
-      </p:sp>
-      <p:sp>
-        <p:nvSpPr>
-          <p:cNvPr id="49" name="Text Placeholder 13">
-            <a:extLst>
-              <a:ext uri="{FF2B5EF4-FFF2-40B4-BE49-F238E27FC236}">
-                <a16:creationId xmlns:a16="http://schemas.microsoft.com/office/drawing/2014/main" id="{5FF932D6-7777-DF45-BEE2-6460BCDA497E}"/>
-              </a:ext>
-            </a:extLst>
-          </p:cNvPr>
-          <p:cNvSpPr>
-            <a:spLocks noGrp="1"/>
-          </p:cNvSpPr>
-          <p:nvPr>
-            <p:ph type="body" sz="quarter" idx="21" hasCustomPrompt="1"/>
-          </p:nvPr>
-        </p:nvSpPr>
-        <p:spPr>
-          <a:xfrm>
-            <a:off x="7125928" y="4429059"/>
-            <a:ext cx="4297651" cy="276999"/>
-          </a:xfrm>
-          <a:prstGeom prst="rect">
-            <a:avLst/>
-          </a:prstGeom>
-        </p:spPr>
-        <p:txBody>
-          <a:bodyPr anchor="ctr"/>
-          <a:lstStyle>
-            <a:lvl1pPr marL="0" indent="0" algn="l">
-              <a:buNone/>
-              <a:defRPr sz="1200" b="0" i="0">
-                <a:solidFill>
-                  <a:srgbClr val="4B0707"/>
-                </a:solidFill>
-                <a:latin typeface="Roboto Medium" pitchFamily="2" charset="0"/>
-                <a:ea typeface="Roboto Medium" pitchFamily="2" charset="0"/>
-              </a:defRPr>
-            </a:lvl1pPr>
-          </a:lstStyle>
-          <a:p>
-            <a:pPr lvl="0"/>
-            <a:r>
-              <a:rPr lang="en-US" altLang="zh-CN" dirty="0"/>
-              <a:t>Indirect</a:t>
-            </a:r>
-            <a:r>
-              <a:rPr lang="zh-CN" altLang="en-US" dirty="0"/>
-              <a:t> </a:t>
-            </a:r>
-            <a:r>
-              <a:rPr lang="en-US" altLang="zh-CN" dirty="0"/>
-              <a:t>object</a:t>
-            </a:r>
-            <a:endParaRPr lang="en-JP" dirty="0"/>
-          </a:p>
-        </p:txBody>
-      </p:sp>
-      <p:sp>
-        <p:nvSpPr>
-          <p:cNvPr id="50" name="Rounded Rectangle 49">
-            <a:extLst>
-              <a:ext uri="{FF2B5EF4-FFF2-40B4-BE49-F238E27FC236}">
-                <a16:creationId xmlns:a16="http://schemas.microsoft.com/office/drawing/2014/main" id="{A35E67CE-D6C8-7740-93C3-32C7B42A4DF5}"/>
-              </a:ext>
-            </a:extLst>
-          </p:cNvPr>
-          <p:cNvSpPr/>
-          <p:nvPr userDrawn="1"/>
-        </p:nvSpPr>
-        <p:spPr>
-          <a:xfrm>
-            <a:off x="761241" y="5378205"/>
-            <a:ext cx="1668254" cy="368260"/>
-          </a:xfrm>
-          <a:prstGeom prst="roundRect">
-            <a:avLst>
-              <a:gd name="adj" fmla="val 15851"/>
-            </a:avLst>
-          </a:prstGeom>
-          <a:solidFill>
-            <a:srgbClr val="4B0707">
-              <a:alpha val="2000"/>
-            </a:srgbClr>
-          </a:solidFill>
-          <a:ln>
-            <a:noFill/>
-          </a:ln>
-        </p:spPr>
-        <p:style>
-          <a:lnRef idx="2">
-            <a:schemeClr val="accent1">
-              <a:shade val="50000"/>
-            </a:schemeClr>
-          </a:lnRef>
-          <a:fillRef idx="1">
-            <a:schemeClr val="accent1"/>
-          </a:fillRef>
-          <a:effectRef idx="0">
-            <a:schemeClr val="accent1"/>
-          </a:effectRef>
-          <a:fontRef idx="minor">
-            <a:schemeClr val="lt1"/>
-          </a:fontRef>
-        </p:style>
-        <p:txBody>
-          <a:bodyPr rtlCol="0" anchor="ctr"/>
-          <a:lstStyle/>
-          <a:p>
-            <a:endParaRPr lang="en-JP" sz="1400" dirty="0">
-              <a:solidFill>
-                <a:schemeClr val="accent3">
-                  <a:lumMod val="75000"/>
-                </a:schemeClr>
-              </a:solidFill>
-              <a:latin typeface="Roboto Medium" pitchFamily="2" charset="0"/>
-              <a:ea typeface="Roboto Medium" pitchFamily="2" charset="0"/>
-            </a:endParaRPr>
-          </a:p>
-        </p:txBody>
-      </p:sp>
-      <p:sp>
-        <p:nvSpPr>
-          <p:cNvPr id="51" name="Rounded Rectangle 50">
-            <a:extLst>
-              <a:ext uri="{FF2B5EF4-FFF2-40B4-BE49-F238E27FC236}">
-                <a16:creationId xmlns:a16="http://schemas.microsoft.com/office/drawing/2014/main" id="{1CF489F4-77E5-7949-9692-7A49EEBED27B}"/>
-              </a:ext>
-            </a:extLst>
-          </p:cNvPr>
-          <p:cNvSpPr/>
-          <p:nvPr userDrawn="1"/>
-        </p:nvSpPr>
-        <p:spPr>
-          <a:xfrm>
-            <a:off x="2483871" y="5371371"/>
-            <a:ext cx="1668254" cy="368260"/>
-          </a:xfrm>
-          <a:prstGeom prst="roundRect">
-            <a:avLst>
-              <a:gd name="adj" fmla="val 15851"/>
-            </a:avLst>
-          </a:prstGeom>
-          <a:solidFill>
-            <a:srgbClr val="4B0707">
-              <a:alpha val="2000"/>
-            </a:srgbClr>
-          </a:solidFill>
-          <a:ln>
-            <a:noFill/>
-          </a:ln>
-        </p:spPr>
-        <p:style>
-          <a:lnRef idx="2">
-            <a:schemeClr val="accent1">
-              <a:shade val="50000"/>
-            </a:schemeClr>
-          </a:lnRef>
-          <a:fillRef idx="1">
-            <a:schemeClr val="accent1"/>
-          </a:fillRef>
-          <a:effectRef idx="0">
-            <a:schemeClr val="accent1"/>
-          </a:effectRef>
-          <a:fontRef idx="minor">
-            <a:schemeClr val="lt1"/>
-          </a:fontRef>
-        </p:style>
-        <p:txBody>
-          <a:bodyPr rtlCol="0" anchor="ctr"/>
-          <a:lstStyle/>
-          <a:p>
-            <a:endParaRPr lang="en-JP" sz="1400" dirty="0">
-              <a:solidFill>
-                <a:schemeClr val="accent3">
-                  <a:lumMod val="75000"/>
-                </a:schemeClr>
-              </a:solidFill>
-              <a:latin typeface="Roboto Medium" pitchFamily="2" charset="0"/>
-              <a:ea typeface="Roboto Medium" pitchFamily="2" charset="0"/>
-            </a:endParaRPr>
-          </a:p>
-        </p:txBody>
-      </p:sp>
-      <p:sp>
-        <p:nvSpPr>
-          <p:cNvPr id="52" name="Rounded Rectangle 51">
-            <a:extLst>
-              <a:ext uri="{FF2B5EF4-FFF2-40B4-BE49-F238E27FC236}">
-                <a16:creationId xmlns:a16="http://schemas.microsoft.com/office/drawing/2014/main" id="{DF1737F3-AB35-6F40-B348-2B68F87A43F7}"/>
-              </a:ext>
-            </a:extLst>
-          </p:cNvPr>
-          <p:cNvSpPr/>
-          <p:nvPr userDrawn="1"/>
-        </p:nvSpPr>
-        <p:spPr>
-          <a:xfrm>
-            <a:off x="4200334" y="5371371"/>
-            <a:ext cx="1668254" cy="368260"/>
-          </a:xfrm>
-          <a:prstGeom prst="roundRect">
-            <a:avLst>
-              <a:gd name="adj" fmla="val 15851"/>
-            </a:avLst>
-          </a:prstGeom>
-          <a:solidFill>
-            <a:srgbClr val="4B0707">
-              <a:alpha val="2000"/>
-            </a:srgbClr>
-          </a:solidFill>
-          <a:ln>
-            <a:noFill/>
-          </a:ln>
-        </p:spPr>
-        <p:style>
-          <a:lnRef idx="2">
-            <a:schemeClr val="accent1">
-              <a:shade val="50000"/>
-            </a:schemeClr>
-          </a:lnRef>
-          <a:fillRef idx="1">
-            <a:schemeClr val="accent1"/>
-          </a:fillRef>
-          <a:effectRef idx="0">
-            <a:schemeClr val="accent1"/>
-          </a:effectRef>
-          <a:fontRef idx="minor">
-            <a:schemeClr val="lt1"/>
-          </a:fontRef>
-        </p:style>
-        <p:txBody>
-          <a:bodyPr rtlCol="0" anchor="ctr"/>
-          <a:lstStyle/>
-          <a:p>
-            <a:endParaRPr lang="en-JP" sz="1400" dirty="0">
-              <a:solidFill>
-                <a:schemeClr val="accent3">
-                  <a:lumMod val="75000"/>
-                </a:schemeClr>
-              </a:solidFill>
-              <a:latin typeface="Roboto Medium" pitchFamily="2" charset="0"/>
-              <a:ea typeface="Roboto Medium" pitchFamily="2" charset="0"/>
-            </a:endParaRPr>
-          </a:p>
-        </p:txBody>
-      </p:sp>
-      <p:sp>
-        <p:nvSpPr>
-          <p:cNvPr id="53" name="Rounded Rectangle 52">
-            <a:extLst>
-              <a:ext uri="{FF2B5EF4-FFF2-40B4-BE49-F238E27FC236}">
-                <a16:creationId xmlns:a16="http://schemas.microsoft.com/office/drawing/2014/main" id="{4B917A68-5FA3-FE48-97E4-6FC4C8ECC96C}"/>
-              </a:ext>
-            </a:extLst>
-          </p:cNvPr>
-          <p:cNvSpPr/>
-          <p:nvPr userDrawn="1"/>
-        </p:nvSpPr>
-        <p:spPr>
-          <a:xfrm>
-            <a:off x="761241" y="5797592"/>
-            <a:ext cx="1668254" cy="368260"/>
-          </a:xfrm>
-          <a:prstGeom prst="roundRect">
-            <a:avLst>
-              <a:gd name="adj" fmla="val 15851"/>
-            </a:avLst>
-          </a:prstGeom>
-          <a:solidFill>
-            <a:srgbClr val="4B0707">
-              <a:alpha val="2000"/>
-            </a:srgbClr>
-          </a:solidFill>
-          <a:ln>
-            <a:noFill/>
-          </a:ln>
-        </p:spPr>
-        <p:style>
-          <a:lnRef idx="2">
-            <a:schemeClr val="accent1">
-              <a:shade val="50000"/>
-            </a:schemeClr>
-          </a:lnRef>
-          <a:fillRef idx="1">
-            <a:schemeClr val="accent1"/>
-          </a:fillRef>
-          <a:effectRef idx="0">
-            <a:schemeClr val="accent1"/>
-          </a:effectRef>
-          <a:fontRef idx="minor">
-            <a:schemeClr val="lt1"/>
-          </a:fontRef>
-        </p:style>
-        <p:txBody>
-          <a:bodyPr rtlCol="0" anchor="ctr"/>
-          <a:lstStyle/>
-          <a:p>
-            <a:endParaRPr lang="en-JP" sz="1400" dirty="0">
-              <a:solidFill>
-                <a:schemeClr val="accent3">
-                  <a:lumMod val="75000"/>
-                </a:schemeClr>
-              </a:solidFill>
-              <a:latin typeface="Roboto Medium" pitchFamily="2" charset="0"/>
-              <a:ea typeface="Roboto Medium" pitchFamily="2" charset="0"/>
-            </a:endParaRPr>
-          </a:p>
-        </p:txBody>
-      </p:sp>
-      <p:sp>
-        <p:nvSpPr>
-          <p:cNvPr id="54" name="Rounded Rectangle 53">
-            <a:extLst>
-              <a:ext uri="{FF2B5EF4-FFF2-40B4-BE49-F238E27FC236}">
-                <a16:creationId xmlns:a16="http://schemas.microsoft.com/office/drawing/2014/main" id="{5C2A9258-0081-1547-B847-EEC69F3BB0A4}"/>
-              </a:ext>
-            </a:extLst>
-          </p:cNvPr>
-          <p:cNvSpPr/>
-          <p:nvPr userDrawn="1"/>
-        </p:nvSpPr>
-        <p:spPr>
-          <a:xfrm>
-            <a:off x="2483871" y="5790758"/>
-            <a:ext cx="1668254" cy="368260"/>
-          </a:xfrm>
-          <a:prstGeom prst="roundRect">
-            <a:avLst>
-              <a:gd name="adj" fmla="val 15851"/>
-            </a:avLst>
-          </a:prstGeom>
-          <a:solidFill>
-            <a:srgbClr val="4B0707">
-              <a:alpha val="2000"/>
-            </a:srgbClr>
-          </a:solidFill>
-          <a:ln>
-            <a:noFill/>
-          </a:ln>
-        </p:spPr>
-        <p:style>
-          <a:lnRef idx="2">
-            <a:schemeClr val="accent1">
-              <a:shade val="50000"/>
-            </a:schemeClr>
-          </a:lnRef>
-          <a:fillRef idx="1">
-            <a:schemeClr val="accent1"/>
-          </a:fillRef>
-          <a:effectRef idx="0">
-            <a:schemeClr val="accent1"/>
-          </a:effectRef>
-          <a:fontRef idx="minor">
-            <a:schemeClr val="lt1"/>
-          </a:fontRef>
-        </p:style>
-        <p:txBody>
-          <a:bodyPr rtlCol="0" anchor="ctr"/>
-          <a:lstStyle/>
-          <a:p>
-            <a:endParaRPr lang="en-JP" sz="1400" dirty="0">
-              <a:solidFill>
-                <a:schemeClr val="accent3">
-                  <a:lumMod val="75000"/>
-                </a:schemeClr>
-              </a:solidFill>
-              <a:latin typeface="Roboto Medium" pitchFamily="2" charset="0"/>
-              <a:ea typeface="Roboto Medium" pitchFamily="2" charset="0"/>
-            </a:endParaRPr>
-          </a:p>
-        </p:txBody>
-      </p:sp>
-      <p:sp>
-        <p:nvSpPr>
-          <p:cNvPr id="55" name="Rounded Rectangle 54">
-            <a:extLst>
-              <a:ext uri="{FF2B5EF4-FFF2-40B4-BE49-F238E27FC236}">
-                <a16:creationId xmlns:a16="http://schemas.microsoft.com/office/drawing/2014/main" id="{85E277BD-B974-7543-9441-DF4C06685E41}"/>
-              </a:ext>
-            </a:extLst>
-          </p:cNvPr>
-          <p:cNvSpPr/>
-          <p:nvPr userDrawn="1"/>
-        </p:nvSpPr>
-        <p:spPr>
-          <a:xfrm>
-            <a:off x="4200334" y="5790758"/>
-            <a:ext cx="1668254" cy="368260"/>
-          </a:xfrm>
-          <a:prstGeom prst="roundRect">
-            <a:avLst>
-              <a:gd name="adj" fmla="val 15851"/>
-            </a:avLst>
-          </a:prstGeom>
-          <a:solidFill>
-            <a:srgbClr val="4B0707">
-              <a:alpha val="2000"/>
-            </a:srgbClr>
-          </a:solidFill>
-          <a:ln>
-            <a:noFill/>
-          </a:ln>
-        </p:spPr>
-        <p:style>
-          <a:lnRef idx="2">
-            <a:schemeClr val="accent1">
-              <a:shade val="50000"/>
-            </a:schemeClr>
-          </a:lnRef>
-          <a:fillRef idx="1">
-            <a:schemeClr val="accent1"/>
-          </a:fillRef>
-          <a:effectRef idx="0">
-            <a:schemeClr val="accent1"/>
-          </a:effectRef>
-          <a:fontRef idx="minor">
-            <a:schemeClr val="lt1"/>
-          </a:fontRef>
-        </p:style>
-        <p:txBody>
-          <a:bodyPr rtlCol="0" anchor="ctr"/>
-          <a:lstStyle/>
-          <a:p>
-            <a:endParaRPr lang="en-JP" sz="1400" dirty="0">
-              <a:solidFill>
-                <a:schemeClr val="accent3">
-                  <a:lumMod val="75000"/>
-                </a:schemeClr>
-              </a:solidFill>
-              <a:latin typeface="Roboto Medium" pitchFamily="2" charset="0"/>
-              <a:ea typeface="Roboto Medium" pitchFamily="2" charset="0"/>
-            </a:endParaRPr>
-          </a:p>
-        </p:txBody>
-      </p:sp>
-      <p:sp>
-        <p:nvSpPr>
-          <p:cNvPr id="56" name="Rounded Rectangle 55">
-            <a:extLst>
-              <a:ext uri="{FF2B5EF4-FFF2-40B4-BE49-F238E27FC236}">
-                <a16:creationId xmlns:a16="http://schemas.microsoft.com/office/drawing/2014/main" id="{AF8CD94C-2510-6B47-8197-B069E6F4B8AF}"/>
-              </a:ext>
-            </a:extLst>
-          </p:cNvPr>
-          <p:cNvSpPr/>
-          <p:nvPr userDrawn="1"/>
-        </p:nvSpPr>
-        <p:spPr>
-          <a:xfrm>
-            <a:off x="6322841" y="5378205"/>
-            <a:ext cx="1668254" cy="368260"/>
-          </a:xfrm>
-          <a:prstGeom prst="roundRect">
-            <a:avLst>
-              <a:gd name="adj" fmla="val 15851"/>
-            </a:avLst>
-          </a:prstGeom>
-          <a:solidFill>
-            <a:srgbClr val="4B0707">
-              <a:alpha val="2000"/>
-            </a:srgbClr>
-          </a:solidFill>
-          <a:ln>
-            <a:noFill/>
-          </a:ln>
-        </p:spPr>
-        <p:style>
-          <a:lnRef idx="2">
-            <a:schemeClr val="accent1">
-              <a:shade val="50000"/>
-            </a:schemeClr>
-          </a:lnRef>
-          <a:fillRef idx="1">
-            <a:schemeClr val="accent1"/>
-          </a:fillRef>
-          <a:effectRef idx="0">
-            <a:schemeClr val="accent1"/>
-          </a:effectRef>
-          <a:fontRef idx="minor">
-            <a:schemeClr val="lt1"/>
-          </a:fontRef>
-        </p:style>
-        <p:txBody>
-          <a:bodyPr rtlCol="0" anchor="ctr"/>
-          <a:lstStyle/>
-          <a:p>
-            <a:endParaRPr lang="en-JP" sz="1400" dirty="0">
-              <a:solidFill>
-                <a:schemeClr val="accent3">
-                  <a:lumMod val="75000"/>
-                </a:schemeClr>
-              </a:solidFill>
-              <a:latin typeface="Roboto Medium" pitchFamily="2" charset="0"/>
-              <a:ea typeface="Roboto Medium" pitchFamily="2" charset="0"/>
-            </a:endParaRPr>
-          </a:p>
-        </p:txBody>
-      </p:sp>
-      <p:sp>
-        <p:nvSpPr>
-          <p:cNvPr id="57" name="Rounded Rectangle 56">
-            <a:extLst>
-              <a:ext uri="{FF2B5EF4-FFF2-40B4-BE49-F238E27FC236}">
-                <a16:creationId xmlns:a16="http://schemas.microsoft.com/office/drawing/2014/main" id="{C81AF2A0-AD61-9442-8CD5-7ABED1A070A8}"/>
-              </a:ext>
-            </a:extLst>
-          </p:cNvPr>
-          <p:cNvSpPr/>
-          <p:nvPr userDrawn="1"/>
-        </p:nvSpPr>
-        <p:spPr>
-          <a:xfrm>
-            <a:off x="8045471" y="5371371"/>
-            <a:ext cx="1668254" cy="368260"/>
-          </a:xfrm>
-          <a:prstGeom prst="roundRect">
-            <a:avLst>
-              <a:gd name="adj" fmla="val 15851"/>
-            </a:avLst>
-          </a:prstGeom>
-          <a:solidFill>
-            <a:srgbClr val="4B0707">
-              <a:alpha val="2000"/>
-            </a:srgbClr>
-          </a:solidFill>
-          <a:ln>
-            <a:noFill/>
-          </a:ln>
-        </p:spPr>
-        <p:style>
-          <a:lnRef idx="2">
-            <a:schemeClr val="accent1">
-              <a:shade val="50000"/>
-            </a:schemeClr>
-          </a:lnRef>
-          <a:fillRef idx="1">
-            <a:schemeClr val="accent1"/>
-          </a:fillRef>
-          <a:effectRef idx="0">
-            <a:schemeClr val="accent1"/>
-          </a:effectRef>
-          <a:fontRef idx="minor">
-            <a:schemeClr val="lt1"/>
-          </a:fontRef>
-        </p:style>
-        <p:txBody>
-          <a:bodyPr rtlCol="0" anchor="ctr"/>
-          <a:lstStyle/>
-          <a:p>
-            <a:endParaRPr lang="en-JP" sz="1400" dirty="0">
-              <a:solidFill>
-                <a:schemeClr val="accent3">
-                  <a:lumMod val="75000"/>
-                </a:schemeClr>
-              </a:solidFill>
-              <a:latin typeface="Roboto Medium" pitchFamily="2" charset="0"/>
-              <a:ea typeface="Roboto Medium" pitchFamily="2" charset="0"/>
-            </a:endParaRPr>
-          </a:p>
-        </p:txBody>
-      </p:sp>
-      <p:sp>
-        <p:nvSpPr>
-          <p:cNvPr id="58" name="Rounded Rectangle 57">
-            <a:extLst>
-              <a:ext uri="{FF2B5EF4-FFF2-40B4-BE49-F238E27FC236}">
-                <a16:creationId xmlns:a16="http://schemas.microsoft.com/office/drawing/2014/main" id="{B52876EC-9D87-C040-9AF6-4128523AD830}"/>
-              </a:ext>
-            </a:extLst>
-          </p:cNvPr>
-          <p:cNvSpPr/>
-          <p:nvPr userDrawn="1"/>
-        </p:nvSpPr>
-        <p:spPr>
-          <a:xfrm>
-            <a:off x="9761934" y="5371371"/>
-            <a:ext cx="1668254" cy="368260"/>
-          </a:xfrm>
-          <a:prstGeom prst="roundRect">
-            <a:avLst>
-              <a:gd name="adj" fmla="val 15851"/>
-            </a:avLst>
-          </a:prstGeom>
-          <a:solidFill>
-            <a:srgbClr val="4B0707">
-              <a:alpha val="2000"/>
-            </a:srgbClr>
-          </a:solidFill>
-          <a:ln>
-            <a:noFill/>
-          </a:ln>
-        </p:spPr>
-        <p:style>
-          <a:lnRef idx="2">
-            <a:schemeClr val="accent1">
-              <a:shade val="50000"/>
-            </a:schemeClr>
-          </a:lnRef>
-          <a:fillRef idx="1">
-            <a:schemeClr val="accent1"/>
-          </a:fillRef>
-          <a:effectRef idx="0">
-            <a:schemeClr val="accent1"/>
-          </a:effectRef>
-          <a:fontRef idx="minor">
-            <a:schemeClr val="lt1"/>
-          </a:fontRef>
-        </p:style>
-        <p:txBody>
-          <a:bodyPr rtlCol="0" anchor="ctr"/>
-          <a:lstStyle/>
-          <a:p>
-            <a:endParaRPr lang="en-JP" sz="1400" dirty="0">
-              <a:solidFill>
-                <a:schemeClr val="accent3">
-                  <a:lumMod val="75000"/>
-                </a:schemeClr>
-              </a:solidFill>
-              <a:latin typeface="Roboto Medium" pitchFamily="2" charset="0"/>
-              <a:ea typeface="Roboto Medium" pitchFamily="2" charset="0"/>
-            </a:endParaRPr>
-          </a:p>
-        </p:txBody>
-      </p:sp>
-      <p:sp>
-        <p:nvSpPr>
-          <p:cNvPr id="59" name="Rounded Rectangle 58">
-            <a:extLst>
-              <a:ext uri="{FF2B5EF4-FFF2-40B4-BE49-F238E27FC236}">
-                <a16:creationId xmlns:a16="http://schemas.microsoft.com/office/drawing/2014/main" id="{C5D8C4EE-F7C3-BD48-B16C-332D1BB3A17D}"/>
-              </a:ext>
-            </a:extLst>
-          </p:cNvPr>
-          <p:cNvSpPr/>
-          <p:nvPr userDrawn="1"/>
-        </p:nvSpPr>
-        <p:spPr>
-          <a:xfrm>
-            <a:off x="6322841" y="5797592"/>
-            <a:ext cx="1668254" cy="368260"/>
-          </a:xfrm>
-          <a:prstGeom prst="roundRect">
-            <a:avLst>
-              <a:gd name="adj" fmla="val 15851"/>
-            </a:avLst>
-          </a:prstGeom>
-          <a:solidFill>
-            <a:srgbClr val="4B0707">
-              <a:alpha val="2000"/>
-            </a:srgbClr>
-          </a:solidFill>
-          <a:ln>
-            <a:noFill/>
-          </a:ln>
-        </p:spPr>
-        <p:style>
-          <a:lnRef idx="2">
-            <a:schemeClr val="accent1">
-              <a:shade val="50000"/>
-            </a:schemeClr>
-          </a:lnRef>
-          <a:fillRef idx="1">
-            <a:schemeClr val="accent1"/>
-          </a:fillRef>
-          <a:effectRef idx="0">
-            <a:schemeClr val="accent1"/>
-          </a:effectRef>
-          <a:fontRef idx="minor">
-            <a:schemeClr val="lt1"/>
-          </a:fontRef>
-        </p:style>
-        <p:txBody>
-          <a:bodyPr rtlCol="0" anchor="ctr"/>
-          <a:lstStyle/>
-          <a:p>
-            <a:endParaRPr lang="en-JP" sz="1400" dirty="0">
-              <a:solidFill>
-                <a:schemeClr val="accent3">
-                  <a:lumMod val="75000"/>
-                </a:schemeClr>
-              </a:solidFill>
-              <a:latin typeface="Roboto Medium" pitchFamily="2" charset="0"/>
-              <a:ea typeface="Roboto Medium" pitchFamily="2" charset="0"/>
-            </a:endParaRPr>
-          </a:p>
-        </p:txBody>
-      </p:sp>
-      <p:sp>
-        <p:nvSpPr>
-          <p:cNvPr id="60" name="Rounded Rectangle 59">
-            <a:extLst>
-              <a:ext uri="{FF2B5EF4-FFF2-40B4-BE49-F238E27FC236}">
-                <a16:creationId xmlns:a16="http://schemas.microsoft.com/office/drawing/2014/main" id="{B3C93BB2-3979-6741-86B0-A52EAEC08541}"/>
-              </a:ext>
-            </a:extLst>
-          </p:cNvPr>
-          <p:cNvSpPr/>
-          <p:nvPr userDrawn="1"/>
-        </p:nvSpPr>
-        <p:spPr>
-          <a:xfrm>
-            <a:off x="8045471" y="5790758"/>
-            <a:ext cx="1668254" cy="368260"/>
-          </a:xfrm>
-          <a:prstGeom prst="roundRect">
-            <a:avLst>
-              <a:gd name="adj" fmla="val 15851"/>
-            </a:avLst>
-          </a:prstGeom>
-          <a:solidFill>
-            <a:srgbClr val="4B0707">
-              <a:alpha val="2000"/>
-            </a:srgbClr>
-          </a:solidFill>
-          <a:ln>
-            <a:noFill/>
-          </a:ln>
-        </p:spPr>
-        <p:style>
-          <a:lnRef idx="2">
-            <a:schemeClr val="accent1">
-              <a:shade val="50000"/>
-            </a:schemeClr>
-          </a:lnRef>
-          <a:fillRef idx="1">
-            <a:schemeClr val="accent1"/>
-          </a:fillRef>
-          <a:effectRef idx="0">
-            <a:schemeClr val="accent1"/>
-          </a:effectRef>
-          <a:fontRef idx="minor">
-            <a:schemeClr val="lt1"/>
-          </a:fontRef>
-        </p:style>
-        <p:txBody>
-          <a:bodyPr rtlCol="0" anchor="ctr"/>
-          <a:lstStyle/>
-          <a:p>
-            <a:endParaRPr lang="en-JP" sz="1400" dirty="0">
-              <a:solidFill>
-                <a:schemeClr val="accent3">
-                  <a:lumMod val="75000"/>
-                </a:schemeClr>
-              </a:solidFill>
-              <a:latin typeface="Roboto Medium" pitchFamily="2" charset="0"/>
-              <a:ea typeface="Roboto Medium" pitchFamily="2" charset="0"/>
-            </a:endParaRPr>
-          </a:p>
-        </p:txBody>
-      </p:sp>
-      <p:sp>
-        <p:nvSpPr>
-          <p:cNvPr id="61" name="Rounded Rectangle 60">
-            <a:extLst>
-              <a:ext uri="{FF2B5EF4-FFF2-40B4-BE49-F238E27FC236}">
-                <a16:creationId xmlns:a16="http://schemas.microsoft.com/office/drawing/2014/main" id="{4EE062D4-A6D5-0A43-86AE-921995965ACD}"/>
-              </a:ext>
-            </a:extLst>
-          </p:cNvPr>
-          <p:cNvSpPr/>
-          <p:nvPr userDrawn="1"/>
-        </p:nvSpPr>
-        <p:spPr>
-          <a:xfrm>
-            <a:off x="9761934" y="5790758"/>
-            <a:ext cx="1668254" cy="368260"/>
-          </a:xfrm>
-          <a:prstGeom prst="roundRect">
-            <a:avLst>
-              <a:gd name="adj" fmla="val 15851"/>
-            </a:avLst>
-          </a:prstGeom>
-          <a:solidFill>
-            <a:srgbClr val="4B0707">
-              <a:alpha val="2000"/>
-            </a:srgbClr>
-          </a:solidFill>
-          <a:ln>
-            <a:noFill/>
-          </a:ln>
-        </p:spPr>
-        <p:style>
-          <a:lnRef idx="2">
-            <a:schemeClr val="accent1">
-              <a:shade val="50000"/>
-            </a:schemeClr>
-          </a:lnRef>
-          <a:fillRef idx="1">
-            <a:schemeClr val="accent1"/>
-          </a:fillRef>
-          <a:effectRef idx="0">
-            <a:schemeClr val="accent1"/>
-          </a:effectRef>
-          <a:fontRef idx="minor">
-            <a:schemeClr val="lt1"/>
-          </a:fontRef>
-        </p:style>
-        <p:txBody>
-          <a:bodyPr rtlCol="0" anchor="ctr"/>
-          <a:lstStyle/>
-          <a:p>
-            <a:endParaRPr lang="en-JP" sz="1400" dirty="0">
-              <a:solidFill>
-                <a:schemeClr val="accent3">
-                  <a:lumMod val="75000"/>
-                </a:schemeClr>
-              </a:solidFill>
-              <a:latin typeface="Roboto Medium" pitchFamily="2" charset="0"/>
-              <a:ea typeface="Roboto Medium" pitchFamily="2" charset="0"/>
-            </a:endParaRPr>
-          </a:p>
-        </p:txBody>
-      </p:sp>
-      <p:sp>
-        <p:nvSpPr>
-          <p:cNvPr id="62" name="Text Placeholder 13">
-            <a:extLst>
-              <a:ext uri="{FF2B5EF4-FFF2-40B4-BE49-F238E27FC236}">
-                <a16:creationId xmlns:a16="http://schemas.microsoft.com/office/drawing/2014/main" id="{9194A9DB-48A4-474C-94DE-DB4122E29868}"/>
-              </a:ext>
-            </a:extLst>
-          </p:cNvPr>
-          <p:cNvSpPr>
-            <a:spLocks noGrp="1"/>
-          </p:cNvSpPr>
-          <p:nvPr>
-            <p:ph type="body" sz="quarter" idx="22" hasCustomPrompt="1"/>
-          </p:nvPr>
-        </p:nvSpPr>
-        <p:spPr>
-          <a:xfrm>
-            <a:off x="761241" y="5409015"/>
-            <a:ext cx="1668254" cy="304700"/>
-          </a:xfrm>
-          <a:prstGeom prst="rect">
-            <a:avLst/>
-          </a:prstGeom>
-        </p:spPr>
-        <p:txBody>
-          <a:bodyPr anchor="ctr"/>
-          <a:lstStyle>
-            <a:lvl1pPr marL="0" indent="0" algn="l">
-              <a:buNone/>
-              <a:defRPr sz="1400" b="0" i="0">
-                <a:solidFill>
-                  <a:srgbClr val="F36F4F"/>
-                </a:solidFill>
-                <a:latin typeface="Roboto Medium" pitchFamily="2" charset="0"/>
-                <a:ea typeface="Roboto Medium" pitchFamily="2" charset="0"/>
-              </a:defRPr>
-            </a:lvl1pPr>
-          </a:lstStyle>
-          <a:p>
-            <a:pPr lvl="0"/>
-            <a:r>
-              <a:rPr lang="en-US" altLang="zh-CN" dirty="0"/>
-              <a:t>Verb</a:t>
-            </a:r>
-            <a:endParaRPr lang="en-JP" dirty="0"/>
-          </a:p>
-        </p:txBody>
-      </p:sp>
-      <p:sp>
-        <p:nvSpPr>
-          <p:cNvPr id="63" name="Text Placeholder 13">
-            <a:extLst>
-              <a:ext uri="{FF2B5EF4-FFF2-40B4-BE49-F238E27FC236}">
-                <a16:creationId xmlns:a16="http://schemas.microsoft.com/office/drawing/2014/main" id="{7CE67BF7-90C5-874E-AF34-C080417A031D}"/>
-              </a:ext>
-            </a:extLst>
-          </p:cNvPr>
-          <p:cNvSpPr>
-            <a:spLocks noGrp="1"/>
-          </p:cNvSpPr>
-          <p:nvPr>
-            <p:ph type="body" sz="quarter" idx="23" hasCustomPrompt="1"/>
-          </p:nvPr>
-        </p:nvSpPr>
-        <p:spPr>
-          <a:xfrm>
-            <a:off x="2495698" y="5409015"/>
-            <a:ext cx="1668254" cy="304700"/>
-          </a:xfrm>
-          <a:prstGeom prst="rect">
-            <a:avLst/>
-          </a:prstGeom>
-        </p:spPr>
-        <p:txBody>
-          <a:bodyPr anchor="ctr"/>
-          <a:lstStyle>
-            <a:lvl1pPr marL="0" indent="0" algn="l">
-              <a:buNone/>
-              <a:defRPr sz="1400" b="0" i="0">
-                <a:solidFill>
-                  <a:srgbClr val="4B0707"/>
-                </a:solidFill>
-                <a:latin typeface="Roboto Medium" pitchFamily="2" charset="0"/>
-                <a:ea typeface="Roboto Medium" pitchFamily="2" charset="0"/>
-              </a:defRPr>
-            </a:lvl1pPr>
-          </a:lstStyle>
-          <a:p>
-            <a:pPr lvl="0"/>
-            <a:r>
-              <a:rPr lang="en-US" altLang="zh-CN" dirty="0"/>
-              <a:t>Original</a:t>
-            </a:r>
-            <a:endParaRPr lang="en-JP" dirty="0"/>
-          </a:p>
-        </p:txBody>
-      </p:sp>
-      <p:sp>
-        <p:nvSpPr>
-          <p:cNvPr id="64" name="Text Placeholder 13">
-            <a:extLst>
-              <a:ext uri="{FF2B5EF4-FFF2-40B4-BE49-F238E27FC236}">
-                <a16:creationId xmlns:a16="http://schemas.microsoft.com/office/drawing/2014/main" id="{A90F7DDB-F3DA-AE42-A824-E57DDCAB5736}"/>
-              </a:ext>
-            </a:extLst>
-          </p:cNvPr>
-          <p:cNvSpPr>
-            <a:spLocks noGrp="1"/>
-          </p:cNvSpPr>
-          <p:nvPr>
-            <p:ph type="body" sz="quarter" idx="24" hasCustomPrompt="1"/>
-          </p:nvPr>
-        </p:nvSpPr>
-        <p:spPr>
-          <a:xfrm>
-            <a:off x="4215641" y="5409015"/>
-            <a:ext cx="1668254" cy="304700"/>
-          </a:xfrm>
-          <a:prstGeom prst="rect">
-            <a:avLst/>
-          </a:prstGeom>
-        </p:spPr>
-        <p:txBody>
-          <a:bodyPr anchor="ctr"/>
-          <a:lstStyle>
-            <a:lvl1pPr marL="0" indent="0" algn="l">
-              <a:buNone/>
-              <a:defRPr sz="1200" b="0" i="0">
-                <a:solidFill>
-                  <a:srgbClr val="4B0707"/>
-                </a:solidFill>
-                <a:latin typeface="PingFang SC" panose="020B0400000000000000" pitchFamily="34" charset="-122"/>
-                <a:ea typeface="PingFang SC" panose="020B0400000000000000" pitchFamily="34" charset="-122"/>
-              </a:defRPr>
-            </a:lvl1pPr>
-          </a:lstStyle>
-          <a:p>
-            <a:pPr lvl="0"/>
-            <a:r>
-              <a:rPr lang="zh-CN" altLang="en-US" dirty="0"/>
-              <a:t>变化</a:t>
-            </a:r>
-            <a:endParaRPr lang="en-JP" dirty="0"/>
-          </a:p>
-        </p:txBody>
-      </p:sp>
-      <p:sp>
-        <p:nvSpPr>
-          <p:cNvPr id="65" name="Text Placeholder 13">
-            <a:extLst>
-              <a:ext uri="{FF2B5EF4-FFF2-40B4-BE49-F238E27FC236}">
-                <a16:creationId xmlns:a16="http://schemas.microsoft.com/office/drawing/2014/main" id="{FD3EC42B-8FA4-844C-B57E-8850C08F3208}"/>
-              </a:ext>
-            </a:extLst>
-          </p:cNvPr>
-          <p:cNvSpPr>
-            <a:spLocks noGrp="1"/>
-          </p:cNvSpPr>
-          <p:nvPr>
-            <p:ph type="body" sz="quarter" idx="25" hasCustomPrompt="1"/>
-          </p:nvPr>
-        </p:nvSpPr>
-        <p:spPr>
-          <a:xfrm>
-            <a:off x="6330266" y="5409015"/>
-            <a:ext cx="1668254" cy="304700"/>
-          </a:xfrm>
-          <a:prstGeom prst="rect">
-            <a:avLst/>
-          </a:prstGeom>
-        </p:spPr>
-        <p:txBody>
-          <a:bodyPr anchor="ctr"/>
-          <a:lstStyle>
-            <a:lvl1pPr marL="0" indent="0" algn="l">
-              <a:buNone/>
-              <a:defRPr sz="1400" b="0" i="0">
-                <a:solidFill>
-                  <a:srgbClr val="F36F4F"/>
-                </a:solidFill>
-                <a:latin typeface="Roboto Medium" pitchFamily="2" charset="0"/>
-                <a:ea typeface="Roboto Medium" pitchFamily="2" charset="0"/>
-              </a:defRPr>
-            </a:lvl1pPr>
-          </a:lstStyle>
-          <a:p>
-            <a:pPr lvl="0"/>
-            <a:r>
-              <a:rPr lang="en-US" altLang="zh-CN" dirty="0"/>
-              <a:t>Verb</a:t>
-            </a:r>
-            <a:endParaRPr lang="en-JP" dirty="0"/>
-          </a:p>
-        </p:txBody>
-      </p:sp>
-      <p:sp>
-        <p:nvSpPr>
-          <p:cNvPr id="66" name="Text Placeholder 13">
-            <a:extLst>
-              <a:ext uri="{FF2B5EF4-FFF2-40B4-BE49-F238E27FC236}">
-                <a16:creationId xmlns:a16="http://schemas.microsoft.com/office/drawing/2014/main" id="{2515600D-8FBE-AA48-AB40-FBB24B309D02}"/>
-              </a:ext>
-            </a:extLst>
-          </p:cNvPr>
-          <p:cNvSpPr>
-            <a:spLocks noGrp="1"/>
-          </p:cNvSpPr>
-          <p:nvPr>
-            <p:ph type="body" sz="quarter" idx="26" hasCustomPrompt="1"/>
-          </p:nvPr>
-        </p:nvSpPr>
-        <p:spPr>
-          <a:xfrm>
-            <a:off x="8064723" y="5409015"/>
-            <a:ext cx="1668254" cy="304700"/>
-          </a:xfrm>
-          <a:prstGeom prst="rect">
-            <a:avLst/>
-          </a:prstGeom>
-        </p:spPr>
-        <p:txBody>
-          <a:bodyPr anchor="ctr"/>
-          <a:lstStyle>
-            <a:lvl1pPr marL="0" indent="0" algn="l">
-              <a:buNone/>
-              <a:defRPr sz="1400" b="0" i="0">
-                <a:solidFill>
-                  <a:srgbClr val="4B0707"/>
-                </a:solidFill>
-                <a:latin typeface="Roboto Medium" pitchFamily="2" charset="0"/>
-                <a:ea typeface="Roboto Medium" pitchFamily="2" charset="0"/>
-              </a:defRPr>
-            </a:lvl1pPr>
-          </a:lstStyle>
-          <a:p>
-            <a:pPr lvl="0"/>
-            <a:r>
-              <a:rPr lang="en-US" altLang="zh-CN" dirty="0"/>
-              <a:t>Original</a:t>
-            </a:r>
-            <a:endParaRPr lang="en-JP" dirty="0"/>
-          </a:p>
-        </p:txBody>
-      </p:sp>
-      <p:sp>
-        <p:nvSpPr>
-          <p:cNvPr id="67" name="Text Placeholder 13">
-            <a:extLst>
-              <a:ext uri="{FF2B5EF4-FFF2-40B4-BE49-F238E27FC236}">
-                <a16:creationId xmlns:a16="http://schemas.microsoft.com/office/drawing/2014/main" id="{6443CB1F-9C50-1847-9378-7382CCAA6923}"/>
-              </a:ext>
-            </a:extLst>
-          </p:cNvPr>
-          <p:cNvSpPr>
-            <a:spLocks noGrp="1"/>
-          </p:cNvSpPr>
-          <p:nvPr>
-            <p:ph type="body" sz="quarter" idx="27" hasCustomPrompt="1"/>
-          </p:nvPr>
-        </p:nvSpPr>
-        <p:spPr>
-          <a:xfrm>
-            <a:off x="9784666" y="5409015"/>
-            <a:ext cx="1668254" cy="304700"/>
-          </a:xfrm>
-          <a:prstGeom prst="rect">
-            <a:avLst/>
-          </a:prstGeom>
-        </p:spPr>
-        <p:txBody>
-          <a:bodyPr anchor="ctr"/>
-          <a:lstStyle>
-            <a:lvl1pPr marL="0" indent="0" algn="l">
-              <a:buNone/>
-              <a:defRPr sz="1200" b="0" i="0">
-                <a:solidFill>
-                  <a:srgbClr val="4B0707"/>
-                </a:solidFill>
-                <a:latin typeface="PingFang SC" panose="020B0400000000000000" pitchFamily="34" charset="-122"/>
-                <a:ea typeface="PingFang SC" panose="020B0400000000000000" pitchFamily="34" charset="-122"/>
-              </a:defRPr>
-            </a:lvl1pPr>
-          </a:lstStyle>
-          <a:p>
-            <a:pPr lvl="0"/>
-            <a:r>
-              <a:rPr lang="zh-CN" altLang="en-US" dirty="0"/>
-              <a:t>变化</a:t>
-            </a:r>
-            <a:endParaRPr lang="en-JP" dirty="0"/>
-          </a:p>
-        </p:txBody>
-      </p:sp>
-      <p:sp>
-        <p:nvSpPr>
-          <p:cNvPr id="68" name="Text Placeholder 13">
-            <a:extLst>
-              <a:ext uri="{FF2B5EF4-FFF2-40B4-BE49-F238E27FC236}">
-                <a16:creationId xmlns:a16="http://schemas.microsoft.com/office/drawing/2014/main" id="{EF848199-8182-CF4B-8FFA-1817992655E2}"/>
-              </a:ext>
-            </a:extLst>
-          </p:cNvPr>
-          <p:cNvSpPr>
-            <a:spLocks noGrp="1"/>
-          </p:cNvSpPr>
-          <p:nvPr>
-            <p:ph type="body" sz="quarter" idx="28" hasCustomPrompt="1"/>
-          </p:nvPr>
-        </p:nvSpPr>
-        <p:spPr>
-          <a:xfrm>
-            <a:off x="761241" y="5830342"/>
-            <a:ext cx="1668254" cy="304700"/>
-          </a:xfrm>
-          <a:prstGeom prst="rect">
-            <a:avLst/>
-          </a:prstGeom>
-        </p:spPr>
-        <p:txBody>
-          <a:bodyPr anchor="ctr"/>
-          <a:lstStyle>
-            <a:lvl1pPr marL="0" indent="0" algn="l">
-              <a:buNone/>
-              <a:defRPr sz="1400" b="0" i="0">
-                <a:solidFill>
-                  <a:srgbClr val="F36F4F"/>
-                </a:solidFill>
-                <a:latin typeface="Roboto Medium" pitchFamily="2" charset="0"/>
-                <a:ea typeface="Roboto Medium" pitchFamily="2" charset="0"/>
-              </a:defRPr>
-            </a:lvl1pPr>
-          </a:lstStyle>
-          <a:p>
-            <a:pPr lvl="0"/>
-            <a:r>
-              <a:rPr lang="en-US" altLang="zh-CN" dirty="0"/>
-              <a:t>Verb</a:t>
-            </a:r>
-            <a:endParaRPr lang="en-JP" dirty="0"/>
-          </a:p>
-        </p:txBody>
-      </p:sp>
-      <p:sp>
-        <p:nvSpPr>
-          <p:cNvPr id="69" name="Text Placeholder 13">
-            <a:extLst>
-              <a:ext uri="{FF2B5EF4-FFF2-40B4-BE49-F238E27FC236}">
-                <a16:creationId xmlns:a16="http://schemas.microsoft.com/office/drawing/2014/main" id="{847D1507-1526-BF48-9707-D105811AE02B}"/>
-              </a:ext>
-            </a:extLst>
-          </p:cNvPr>
-          <p:cNvSpPr>
-            <a:spLocks noGrp="1"/>
-          </p:cNvSpPr>
-          <p:nvPr>
-            <p:ph type="body" sz="quarter" idx="29" hasCustomPrompt="1"/>
-          </p:nvPr>
-        </p:nvSpPr>
-        <p:spPr>
-          <a:xfrm>
-            <a:off x="2495698" y="5830342"/>
-            <a:ext cx="1668254" cy="304700"/>
-          </a:xfrm>
-          <a:prstGeom prst="rect">
-            <a:avLst/>
-          </a:prstGeom>
-        </p:spPr>
-        <p:txBody>
-          <a:bodyPr anchor="ctr"/>
-          <a:lstStyle>
-            <a:lvl1pPr marL="0" indent="0" algn="l">
-              <a:buNone/>
-              <a:defRPr sz="1400" b="0" i="0">
-                <a:solidFill>
-                  <a:srgbClr val="4B0707"/>
-                </a:solidFill>
-                <a:latin typeface="Roboto Medium" pitchFamily="2" charset="0"/>
-                <a:ea typeface="Roboto Medium" pitchFamily="2" charset="0"/>
-              </a:defRPr>
-            </a:lvl1pPr>
-          </a:lstStyle>
-          <a:p>
-            <a:pPr lvl="0"/>
-            <a:r>
-              <a:rPr lang="en-US" altLang="zh-CN" dirty="0"/>
-              <a:t>Original</a:t>
-            </a:r>
-            <a:endParaRPr lang="en-JP" dirty="0"/>
-          </a:p>
-        </p:txBody>
-      </p:sp>
-      <p:sp>
-        <p:nvSpPr>
-          <p:cNvPr id="70" name="Text Placeholder 13">
-            <a:extLst>
-              <a:ext uri="{FF2B5EF4-FFF2-40B4-BE49-F238E27FC236}">
-                <a16:creationId xmlns:a16="http://schemas.microsoft.com/office/drawing/2014/main" id="{C74859CC-2FB9-B449-98B0-88F11E2BEB77}"/>
-              </a:ext>
-            </a:extLst>
-          </p:cNvPr>
-          <p:cNvSpPr>
-            <a:spLocks noGrp="1"/>
-          </p:cNvSpPr>
-          <p:nvPr>
-            <p:ph type="body" sz="quarter" idx="30" hasCustomPrompt="1"/>
-          </p:nvPr>
-        </p:nvSpPr>
-        <p:spPr>
-          <a:xfrm>
-            <a:off x="4215641" y="5830342"/>
-            <a:ext cx="1668254" cy="304700"/>
-          </a:xfrm>
-          <a:prstGeom prst="rect">
-            <a:avLst/>
-          </a:prstGeom>
-        </p:spPr>
-        <p:txBody>
-          <a:bodyPr anchor="ctr"/>
-          <a:lstStyle>
-            <a:lvl1pPr marL="0" indent="0" algn="l">
-              <a:buNone/>
-              <a:defRPr sz="1200" b="0" i="0">
-                <a:solidFill>
-                  <a:srgbClr val="4B0707"/>
-                </a:solidFill>
-                <a:latin typeface="PingFang SC" panose="020B0400000000000000" pitchFamily="34" charset="-122"/>
-                <a:ea typeface="PingFang SC" panose="020B0400000000000000" pitchFamily="34" charset="-122"/>
-              </a:defRPr>
-            </a:lvl1pPr>
-          </a:lstStyle>
-          <a:p>
-            <a:pPr lvl="0"/>
-            <a:r>
-              <a:rPr lang="zh-CN" altLang="en-US" dirty="0"/>
-              <a:t>变化</a:t>
-            </a:r>
-            <a:endParaRPr lang="en-JP" dirty="0"/>
-          </a:p>
-        </p:txBody>
-      </p:sp>
-      <p:sp>
-        <p:nvSpPr>
-          <p:cNvPr id="71" name="Text Placeholder 13">
-            <a:extLst>
-              <a:ext uri="{FF2B5EF4-FFF2-40B4-BE49-F238E27FC236}">
-                <a16:creationId xmlns:a16="http://schemas.microsoft.com/office/drawing/2014/main" id="{4D3092CF-FEAE-BB41-8E99-E593663065D0}"/>
-              </a:ext>
-            </a:extLst>
-          </p:cNvPr>
-          <p:cNvSpPr>
-            <a:spLocks noGrp="1"/>
-          </p:cNvSpPr>
-          <p:nvPr>
-            <p:ph type="body" sz="quarter" idx="31" hasCustomPrompt="1"/>
-          </p:nvPr>
-        </p:nvSpPr>
-        <p:spPr>
-          <a:xfrm>
-            <a:off x="6320213" y="5830342"/>
-            <a:ext cx="1668254" cy="304700"/>
-          </a:xfrm>
-          <a:prstGeom prst="rect">
-            <a:avLst/>
-          </a:prstGeom>
-        </p:spPr>
-        <p:txBody>
-          <a:bodyPr anchor="ctr"/>
-          <a:lstStyle>
-            <a:lvl1pPr marL="0" indent="0" algn="l">
-              <a:buNone/>
-              <a:defRPr sz="1400" b="0" i="0">
-                <a:solidFill>
-                  <a:srgbClr val="F36F4F"/>
-                </a:solidFill>
-                <a:latin typeface="Roboto Medium" pitchFamily="2" charset="0"/>
-                <a:ea typeface="Roboto Medium" pitchFamily="2" charset="0"/>
-              </a:defRPr>
-            </a:lvl1pPr>
-          </a:lstStyle>
-          <a:p>
-            <a:pPr lvl="0"/>
-            <a:r>
-              <a:rPr lang="en-US" altLang="zh-CN" dirty="0"/>
-              <a:t>Verb</a:t>
-            </a:r>
-            <a:endParaRPr lang="en-JP" dirty="0"/>
-          </a:p>
-        </p:txBody>
-      </p:sp>
-      <p:sp>
-        <p:nvSpPr>
-          <p:cNvPr id="72" name="Text Placeholder 13">
-            <a:extLst>
-              <a:ext uri="{FF2B5EF4-FFF2-40B4-BE49-F238E27FC236}">
-                <a16:creationId xmlns:a16="http://schemas.microsoft.com/office/drawing/2014/main" id="{0BD3E0D3-6960-B74A-B90A-2D8D27761172}"/>
-              </a:ext>
-            </a:extLst>
-          </p:cNvPr>
-          <p:cNvSpPr>
-            <a:spLocks noGrp="1"/>
-          </p:cNvSpPr>
-          <p:nvPr>
-            <p:ph type="body" sz="quarter" idx="32" hasCustomPrompt="1"/>
-          </p:nvPr>
-        </p:nvSpPr>
-        <p:spPr>
-          <a:xfrm>
-            <a:off x="8054670" y="5830342"/>
-            <a:ext cx="1668254" cy="304700"/>
-          </a:xfrm>
-          <a:prstGeom prst="rect">
-            <a:avLst/>
-          </a:prstGeom>
-        </p:spPr>
-        <p:txBody>
-          <a:bodyPr anchor="ctr"/>
-          <a:lstStyle>
-            <a:lvl1pPr marL="0" indent="0" algn="l">
-              <a:buNone/>
-              <a:defRPr sz="1400" b="0" i="0">
-                <a:solidFill>
-                  <a:srgbClr val="4B0707"/>
-                </a:solidFill>
-                <a:latin typeface="Roboto Medium" pitchFamily="2" charset="0"/>
-                <a:ea typeface="Roboto Medium" pitchFamily="2" charset="0"/>
-              </a:defRPr>
-            </a:lvl1pPr>
-          </a:lstStyle>
-          <a:p>
-            <a:pPr lvl="0"/>
-            <a:r>
-              <a:rPr lang="en-US" altLang="zh-CN" dirty="0"/>
-              <a:t>Original</a:t>
-            </a:r>
-            <a:endParaRPr lang="en-JP" dirty="0"/>
-          </a:p>
-        </p:txBody>
-      </p:sp>
-      <p:sp>
-        <p:nvSpPr>
-          <p:cNvPr id="73" name="Text Placeholder 13">
-            <a:extLst>
-              <a:ext uri="{FF2B5EF4-FFF2-40B4-BE49-F238E27FC236}">
-                <a16:creationId xmlns:a16="http://schemas.microsoft.com/office/drawing/2014/main" id="{7DC3698C-6773-A846-BBCE-7D3269341886}"/>
-              </a:ext>
-            </a:extLst>
-          </p:cNvPr>
-          <p:cNvSpPr>
-            <a:spLocks noGrp="1"/>
-          </p:cNvSpPr>
-          <p:nvPr>
-            <p:ph type="body" sz="quarter" idx="33" hasCustomPrompt="1"/>
-          </p:nvPr>
-        </p:nvSpPr>
-        <p:spPr>
-          <a:xfrm>
-            <a:off x="9774613" y="5830342"/>
-            <a:ext cx="1668254" cy="304700"/>
-          </a:xfrm>
-          <a:prstGeom prst="rect">
-            <a:avLst/>
-          </a:prstGeom>
-        </p:spPr>
-        <p:txBody>
-          <a:bodyPr anchor="ctr"/>
-          <a:lstStyle>
-            <a:lvl1pPr marL="0" indent="0" algn="l">
-              <a:buNone/>
-              <a:defRPr sz="1200" b="0" i="0">
-                <a:solidFill>
-                  <a:srgbClr val="4B0707"/>
-                </a:solidFill>
-                <a:latin typeface="PingFang SC" panose="020B0400000000000000" pitchFamily="34" charset="-122"/>
-                <a:ea typeface="PingFang SC" panose="020B0400000000000000" pitchFamily="34" charset="-122"/>
-              </a:defRPr>
-            </a:lvl1pPr>
-          </a:lstStyle>
-          <a:p>
-            <a:pPr lvl="0"/>
-            <a:r>
-              <a:rPr lang="zh-CN" altLang="en-US" dirty="0"/>
-              <a:t>变化</a:t>
-            </a:r>
-            <a:endParaRPr lang="en-JP" dirty="0"/>
-          </a:p>
-        </p:txBody>
-      </p:sp>
-    </p:spTree>
-    <p:extLst>
-      <p:ext uri="{BB962C8B-B14F-4D97-AF65-F5344CB8AC3E}">
-        <p14:creationId xmlns:p14="http://schemas.microsoft.com/office/powerpoint/2010/main" val="2446086430"/>
-      </p:ext>
-    </p:extLst>
-  </p:cSld>
-  <p:clrMapOvr>
-    <a:masterClrMapping/>
-  </p:clrMapOvr>
-</p:sldLayout>
-</file>
-
-<file path=ppt/slideLayouts/slideLayout6.xml><?xml version="1.0" encoding="utf-8"?>
-<p:sldLayout xmlns:a="http://schemas.openxmlformats.org/drawingml/2006/main" xmlns:r="http://schemas.openxmlformats.org/officeDocument/2006/relationships" xmlns:p="http://schemas.openxmlformats.org/presentationml/2006/main" preserve="1" userDrawn="1">
-  <p:cSld name="Three kinds of phrase">
-    <p:spTree>
-      <p:nvGrpSpPr>
-        <p:cNvPr id="1" name=""/>
-        <p:cNvGrpSpPr/>
-        <p:nvPr/>
-      </p:nvGrpSpPr>
-      <p:grpSpPr>
-        <a:xfrm>
-          <a:off x="0" y="0"/>
-          <a:ext cx="0" cy="0"/>
-          <a:chOff x="0" y="0"/>
-          <a:chExt cx="0" cy="0"/>
-        </a:xfrm>
-      </p:grpSpPr>
-      <p:sp>
-        <p:nvSpPr>
-          <p:cNvPr id="2" name="Rounded Rectangle 1">
-            <a:extLst>
-              <a:ext uri="{FF2B5EF4-FFF2-40B4-BE49-F238E27FC236}">
-                <a16:creationId xmlns:a16="http://schemas.microsoft.com/office/drawing/2014/main" id="{CD0F270A-6925-B44D-9741-79097D96F3C4}"/>
-              </a:ext>
-            </a:extLst>
-          </p:cNvPr>
-          <p:cNvSpPr/>
-          <p:nvPr userDrawn="1"/>
-        </p:nvSpPr>
-        <p:spPr>
-          <a:xfrm>
-            <a:off x="839416" y="2145394"/>
-            <a:ext cx="3446718" cy="369332"/>
-          </a:xfrm>
-          <a:prstGeom prst="roundRect">
-            <a:avLst>
-              <a:gd name="adj" fmla="val 15851"/>
-            </a:avLst>
-          </a:prstGeom>
-          <a:noFill/>
-          <a:ln>
-            <a:noFill/>
-          </a:ln>
-        </p:spPr>
-        <p:style>
-          <a:lnRef idx="2">
-            <a:schemeClr val="accent1">
-              <a:shade val="50000"/>
-            </a:schemeClr>
-          </a:lnRef>
-          <a:fillRef idx="1">
-            <a:schemeClr val="accent1"/>
-          </a:fillRef>
-          <a:effectRef idx="0">
-            <a:schemeClr val="accent1"/>
-          </a:effectRef>
-          <a:fontRef idx="minor">
-            <a:schemeClr val="lt1"/>
-          </a:fontRef>
-        </p:style>
-        <p:txBody>
-          <a:bodyPr rtlCol="0" anchor="ctr"/>
-          <a:lstStyle/>
-          <a:p>
-            <a:r>
-              <a:rPr lang="en-US" altLang="zh-CN" sz="1200" b="1" dirty="0">
-                <a:solidFill>
-                  <a:srgbClr val="A78078"/>
-                </a:solidFill>
-                <a:latin typeface="PingFang SC" panose="020B0400000000000000" pitchFamily="34" charset="-122"/>
-                <a:ea typeface="PingFang SC" panose="020B0400000000000000" pitchFamily="34" charset="-122"/>
-              </a:rPr>
-              <a:t>//</a:t>
-            </a:r>
-            <a:r>
-              <a:rPr lang="zh-CN" altLang="en-US" sz="1200" b="1" dirty="0">
-                <a:solidFill>
-                  <a:srgbClr val="A78078"/>
-                </a:solidFill>
-                <a:latin typeface="PingFang SC" panose="020B0400000000000000" pitchFamily="34" charset="-122"/>
-                <a:ea typeface="PingFang SC" panose="020B0400000000000000" pitchFamily="34" charset="-122"/>
-              </a:rPr>
-              <a:t> </a:t>
-            </a:r>
-            <a:r>
-              <a:rPr lang="zh-CN" altLang="en-JP" sz="1200" b="1" dirty="0">
-                <a:solidFill>
-                  <a:srgbClr val="A78078"/>
-                </a:solidFill>
-                <a:latin typeface="PingFang SC" panose="020B0400000000000000" pitchFamily="34" charset="-122"/>
-                <a:ea typeface="PingFang SC" panose="020B0400000000000000" pitchFamily="34" charset="-122"/>
-              </a:rPr>
-              <a:t>名词</a:t>
-            </a:r>
-            <a:r>
-              <a:rPr lang="zh-CN" altLang="en-US" sz="1200" b="1" dirty="0">
-                <a:solidFill>
-                  <a:srgbClr val="A78078"/>
-                </a:solidFill>
-                <a:latin typeface="PingFang SC" panose="020B0400000000000000" pitchFamily="34" charset="-122"/>
-                <a:ea typeface="PingFang SC" panose="020B0400000000000000" pitchFamily="34" charset="-122"/>
-              </a:rPr>
-              <a:t>短语</a:t>
-            </a:r>
-            <a:endParaRPr lang="en-JP" sz="1200" b="1" dirty="0">
-              <a:solidFill>
-                <a:srgbClr val="A78078"/>
-              </a:solidFill>
-              <a:latin typeface="PingFang SC" panose="020B0400000000000000" pitchFamily="34" charset="-122"/>
-              <a:ea typeface="PingFang SC" panose="020B0400000000000000" pitchFamily="34" charset="-122"/>
-            </a:endParaRPr>
-          </a:p>
-        </p:txBody>
-      </p:sp>
-      <p:cxnSp>
-        <p:nvCxnSpPr>
-          <p:cNvPr id="3" name="Straight Connector 2">
-            <a:extLst>
-              <a:ext uri="{FF2B5EF4-FFF2-40B4-BE49-F238E27FC236}">
-                <a16:creationId xmlns:a16="http://schemas.microsoft.com/office/drawing/2014/main" id="{A110541B-0762-AD40-85A6-0112C3E8AC0E}"/>
-              </a:ext>
-            </a:extLst>
-          </p:cNvPr>
-          <p:cNvCxnSpPr>
-            <a:cxnSpLocks/>
-          </p:cNvCxnSpPr>
-          <p:nvPr userDrawn="1"/>
-        </p:nvCxnSpPr>
-        <p:spPr>
-          <a:xfrm>
-            <a:off x="767408" y="2514726"/>
-            <a:ext cx="3518727" cy="0"/>
-          </a:xfrm>
-          <a:prstGeom prst="line">
-            <a:avLst/>
-          </a:prstGeom>
-          <a:ln w="12700">
-            <a:solidFill>
-              <a:schemeClr val="bg1">
-                <a:lumMod val="85000"/>
-              </a:schemeClr>
-            </a:solidFill>
-          </a:ln>
-        </p:spPr>
-        <p:style>
-          <a:lnRef idx="1">
-            <a:schemeClr val="accent1"/>
-          </a:lnRef>
-          <a:fillRef idx="0">
-            <a:schemeClr val="accent1"/>
-          </a:fillRef>
-          <a:effectRef idx="0">
-            <a:schemeClr val="accent1"/>
-          </a:effectRef>
-          <a:fontRef idx="minor">
-            <a:schemeClr val="tx1"/>
-          </a:fontRef>
-        </p:style>
-      </p:cxnSp>
-      <p:sp>
-        <p:nvSpPr>
-          <p:cNvPr id="4" name="Rounded Rectangle 3">
-            <a:extLst>
-              <a:ext uri="{FF2B5EF4-FFF2-40B4-BE49-F238E27FC236}">
-                <a16:creationId xmlns:a16="http://schemas.microsoft.com/office/drawing/2014/main" id="{C9113B77-3942-AB4F-8214-0E3DF0A81A5C}"/>
-              </a:ext>
-            </a:extLst>
-          </p:cNvPr>
-          <p:cNvSpPr/>
-          <p:nvPr userDrawn="1"/>
-        </p:nvSpPr>
-        <p:spPr>
-          <a:xfrm>
-            <a:off x="4408360" y="2138882"/>
-            <a:ext cx="3446718" cy="369332"/>
-          </a:xfrm>
-          <a:prstGeom prst="roundRect">
-            <a:avLst>
-              <a:gd name="adj" fmla="val 15851"/>
-            </a:avLst>
-          </a:prstGeom>
-          <a:noFill/>
-          <a:ln>
-            <a:noFill/>
-          </a:ln>
-        </p:spPr>
-        <p:style>
-          <a:lnRef idx="2">
-            <a:schemeClr val="accent1">
-              <a:shade val="50000"/>
-            </a:schemeClr>
-          </a:lnRef>
-          <a:fillRef idx="1">
-            <a:schemeClr val="accent1"/>
-          </a:fillRef>
-          <a:effectRef idx="0">
-            <a:schemeClr val="accent1"/>
-          </a:effectRef>
-          <a:fontRef idx="minor">
-            <a:schemeClr val="lt1"/>
-          </a:fontRef>
-        </p:style>
-        <p:txBody>
-          <a:bodyPr rtlCol="0" anchor="ctr"/>
-          <a:lstStyle/>
-          <a:p>
-            <a:r>
-              <a:rPr lang="en-US" altLang="zh-CN" sz="1200" b="1" dirty="0">
-                <a:solidFill>
-                  <a:srgbClr val="A78078"/>
-                </a:solidFill>
-                <a:latin typeface="PingFang SC" panose="020B0400000000000000" pitchFamily="34" charset="-122"/>
-                <a:ea typeface="PingFang SC" panose="020B0400000000000000" pitchFamily="34" charset="-122"/>
-              </a:rPr>
-              <a:t>//</a:t>
-            </a:r>
-            <a:r>
-              <a:rPr lang="zh-CN" altLang="en-US" sz="1200" b="1" dirty="0">
-                <a:solidFill>
-                  <a:srgbClr val="A78078"/>
-                </a:solidFill>
-                <a:latin typeface="PingFang SC" panose="020B0400000000000000" pitchFamily="34" charset="-122"/>
-                <a:ea typeface="PingFang SC" panose="020B0400000000000000" pitchFamily="34" charset="-122"/>
-              </a:rPr>
-              <a:t> 介词短语</a:t>
-            </a:r>
-            <a:endParaRPr lang="en-JP" sz="1200" b="1" dirty="0">
-              <a:solidFill>
-                <a:srgbClr val="A78078"/>
-              </a:solidFill>
-              <a:latin typeface="PingFang SC" panose="020B0400000000000000" pitchFamily="34" charset="-122"/>
-              <a:ea typeface="PingFang SC" panose="020B0400000000000000" pitchFamily="34" charset="-122"/>
-            </a:endParaRPr>
-          </a:p>
-        </p:txBody>
-      </p:sp>
-      <p:cxnSp>
-        <p:nvCxnSpPr>
-          <p:cNvPr id="5" name="Straight Connector 4">
-            <a:extLst>
-              <a:ext uri="{FF2B5EF4-FFF2-40B4-BE49-F238E27FC236}">
-                <a16:creationId xmlns:a16="http://schemas.microsoft.com/office/drawing/2014/main" id="{7D6FFE4C-54F4-4D40-9C4F-18489F1A1756}"/>
-              </a:ext>
-            </a:extLst>
-          </p:cNvPr>
-          <p:cNvCxnSpPr>
-            <a:cxnSpLocks/>
-          </p:cNvCxnSpPr>
-          <p:nvPr userDrawn="1"/>
-        </p:nvCxnSpPr>
-        <p:spPr>
-          <a:xfrm>
-            <a:off x="4408360" y="2508214"/>
-            <a:ext cx="3446718" cy="0"/>
-          </a:xfrm>
-          <a:prstGeom prst="line">
-            <a:avLst/>
-          </a:prstGeom>
-          <a:ln w="12700">
-            <a:solidFill>
-              <a:schemeClr val="bg1">
-                <a:lumMod val="85000"/>
-              </a:schemeClr>
-            </a:solidFill>
-          </a:ln>
-        </p:spPr>
-        <p:style>
-          <a:lnRef idx="1">
-            <a:schemeClr val="accent1"/>
-          </a:lnRef>
-          <a:fillRef idx="0">
-            <a:schemeClr val="accent1"/>
-          </a:fillRef>
-          <a:effectRef idx="0">
-            <a:schemeClr val="accent1"/>
-          </a:effectRef>
-          <a:fontRef idx="minor">
-            <a:schemeClr val="tx1"/>
-          </a:fontRef>
-        </p:style>
-      </p:cxnSp>
-      <p:sp>
-        <p:nvSpPr>
-          <p:cNvPr id="6" name="Rounded Rectangle 5">
-            <a:extLst>
-              <a:ext uri="{FF2B5EF4-FFF2-40B4-BE49-F238E27FC236}">
-                <a16:creationId xmlns:a16="http://schemas.microsoft.com/office/drawing/2014/main" id="{F97DED02-ECDC-E245-A531-A00DB2F31738}"/>
-              </a:ext>
-            </a:extLst>
-          </p:cNvPr>
-          <p:cNvSpPr/>
-          <p:nvPr userDrawn="1"/>
-        </p:nvSpPr>
-        <p:spPr>
-          <a:xfrm>
-            <a:off x="749272" y="548680"/>
-            <a:ext cx="10747327" cy="1420811"/>
-          </a:xfrm>
-          <a:prstGeom prst="roundRect">
-            <a:avLst>
-              <a:gd name="adj" fmla="val 4715"/>
-            </a:avLst>
-          </a:prstGeom>
-          <a:solidFill>
-            <a:schemeClr val="tx2">
-              <a:lumMod val="10000"/>
-              <a:lumOff val="90000"/>
-              <a:alpha val="42000"/>
-            </a:schemeClr>
-          </a:solidFill>
-          <a:ln>
-            <a:noFill/>
-          </a:ln>
-        </p:spPr>
-        <p:style>
-          <a:lnRef idx="2">
-            <a:schemeClr val="accent1">
-              <a:shade val="50000"/>
-            </a:schemeClr>
-          </a:lnRef>
-          <a:fillRef idx="1">
-            <a:schemeClr val="accent1"/>
-          </a:fillRef>
-          <a:effectRef idx="0">
-            <a:schemeClr val="accent1"/>
-          </a:effectRef>
-          <a:fontRef idx="minor">
-            <a:schemeClr val="lt1"/>
-          </a:fontRef>
-        </p:style>
-        <p:txBody>
-          <a:bodyPr rtlCol="0" anchor="ctr"/>
-          <a:lstStyle/>
-          <a:p>
-            <a:pPr algn="ctr"/>
-            <a:endParaRPr lang="en-JP"/>
-          </a:p>
-        </p:txBody>
-      </p:sp>
-      <p:sp>
-        <p:nvSpPr>
-          <p:cNvPr id="7" name="Text Placeholder 2">
-            <a:extLst>
-              <a:ext uri="{FF2B5EF4-FFF2-40B4-BE49-F238E27FC236}">
-                <a16:creationId xmlns:a16="http://schemas.microsoft.com/office/drawing/2014/main" id="{BEFA0DCE-5D8D-AF4F-B827-9829315F8BCB}"/>
-              </a:ext>
-            </a:extLst>
-          </p:cNvPr>
-          <p:cNvSpPr>
-            <a:spLocks noGrp="1"/>
-          </p:cNvSpPr>
-          <p:nvPr>
-            <p:ph type="body" sz="quarter" idx="10" hasCustomPrompt="1"/>
-          </p:nvPr>
-        </p:nvSpPr>
-        <p:spPr>
-          <a:xfrm>
-            <a:off x="839416" y="636298"/>
-            <a:ext cx="10584606" cy="720626"/>
-          </a:xfrm>
-          <a:prstGeom prst="rect">
-            <a:avLst/>
-          </a:prstGeom>
-        </p:spPr>
-        <p:txBody>
-          <a:bodyPr anchor="b"/>
-          <a:lstStyle>
-            <a:lvl1pPr marL="0" marR="0" indent="0" algn="ctr" defTabSz="457200" rtl="0" eaLnBrk="1" fontAlgn="auto" latinLnBrk="0" hangingPunct="1">
-              <a:lnSpc>
-                <a:spcPct val="100000"/>
-              </a:lnSpc>
-              <a:spcBef>
-                <a:spcPct val="20000"/>
-              </a:spcBef>
-              <a:spcAft>
-                <a:spcPts val="600"/>
-              </a:spcAft>
-              <a:buClr>
-                <a:schemeClr val="accent2"/>
-              </a:buClr>
-              <a:buSzPct val="92000"/>
-              <a:buFont typeface="Wingdings 2" panose="05020102010507070707" pitchFamily="18" charset="2"/>
-              <a:buNone/>
-              <a:tabLst/>
-              <a:defRPr sz="1800" b="0" i="0">
-                <a:solidFill>
-                  <a:srgbClr val="4B0707"/>
-                </a:solidFill>
-                <a:latin typeface="Roboto Medium" pitchFamily="2" charset="0"/>
-                <a:ea typeface="Roboto Medium" pitchFamily="2" charset="0"/>
-              </a:defRPr>
-            </a:lvl1pPr>
-            <a:lvl2pPr marL="324000" indent="0" algn="ctr">
-              <a:buNone/>
-              <a:defRPr sz="1800"/>
-            </a:lvl2pPr>
-            <a:lvl3pPr marL="630000" indent="0" algn="ctr">
-              <a:buNone/>
-              <a:defRPr sz="1800"/>
-            </a:lvl3pPr>
-            <a:lvl4pPr marL="1008000" indent="0" algn="ctr">
-              <a:buNone/>
-              <a:defRPr sz="1800"/>
-            </a:lvl4pPr>
-            <a:lvl5pPr marL="1368000" indent="0" algn="ctr">
-              <a:buNone/>
-              <a:defRPr sz="1800"/>
-            </a:lvl5pPr>
-          </a:lstStyle>
-          <a:p>
-            <a:pPr marL="0" marR="0" lvl="0" indent="0" algn="ctr" defTabSz="457200" rtl="0" eaLnBrk="1" fontAlgn="auto" latinLnBrk="0" hangingPunct="1">
-              <a:lnSpc>
-                <a:spcPct val="100000"/>
-              </a:lnSpc>
-              <a:spcBef>
-                <a:spcPct val="20000"/>
-              </a:spcBef>
-              <a:spcAft>
-                <a:spcPts val="600"/>
-              </a:spcAft>
-              <a:buClr>
-                <a:schemeClr val="accent2"/>
-              </a:buClr>
-              <a:buSzPct val="92000"/>
-              <a:buFont typeface="Wingdings 2" panose="05020102010507070707" pitchFamily="18" charset="2"/>
-              <a:buNone/>
-              <a:tabLst/>
-              <a:defRPr/>
-            </a:pPr>
-            <a:r>
-              <a:rPr lang="en-JP" altLang="zh-CN" dirty="0">
-                <a:solidFill>
-                  <a:schemeClr val="accent3">
-                    <a:lumMod val="75000"/>
-                  </a:schemeClr>
-                </a:solidFill>
-                <a:latin typeface="Roboto Medium" pitchFamily="2" charset="0"/>
-                <a:ea typeface="Roboto Medium" pitchFamily="2" charset="0"/>
-              </a:rPr>
-              <a:t>Sentence</a:t>
-            </a:r>
-            <a:endParaRPr lang="en-US" dirty="0">
-              <a:solidFill>
-                <a:schemeClr val="accent3">
-                  <a:lumMod val="75000"/>
-                </a:schemeClr>
-              </a:solidFill>
-              <a:latin typeface="Roboto Medium" pitchFamily="2" charset="0"/>
-              <a:ea typeface="Roboto Medium" pitchFamily="2" charset="0"/>
-            </a:endParaRPr>
-          </a:p>
-        </p:txBody>
-      </p:sp>
-      <p:sp>
-        <p:nvSpPr>
-          <p:cNvPr id="8" name="Text Placeholder 13">
-            <a:extLst>
-              <a:ext uri="{FF2B5EF4-FFF2-40B4-BE49-F238E27FC236}">
-                <a16:creationId xmlns:a16="http://schemas.microsoft.com/office/drawing/2014/main" id="{66A53A91-C94F-2F45-9A6A-177656428D6D}"/>
-              </a:ext>
-            </a:extLst>
-          </p:cNvPr>
-          <p:cNvSpPr>
-            <a:spLocks noGrp="1"/>
-          </p:cNvSpPr>
-          <p:nvPr>
-            <p:ph type="body" sz="quarter" idx="11" hasCustomPrompt="1"/>
-          </p:nvPr>
-        </p:nvSpPr>
-        <p:spPr>
-          <a:xfrm>
-            <a:off x="839416" y="1444542"/>
-            <a:ext cx="10584606" cy="412750"/>
-          </a:xfrm>
-          <a:prstGeom prst="rect">
-            <a:avLst/>
-          </a:prstGeom>
-        </p:spPr>
-        <p:txBody>
-          <a:bodyPr anchor="t"/>
-          <a:lstStyle>
-            <a:lvl1pPr marL="0" indent="0" algn="ctr">
-              <a:buNone/>
-              <a:defRPr sz="1600" b="0" i="0">
-                <a:solidFill>
-                  <a:srgbClr val="4B0707"/>
-                </a:solidFill>
-                <a:latin typeface="PingFang SC Light" panose="020B0300000000000000" pitchFamily="34" charset="-122"/>
-                <a:ea typeface="PingFang SC Light" panose="020B0300000000000000" pitchFamily="34" charset="-122"/>
-              </a:defRPr>
-            </a:lvl1pPr>
-          </a:lstStyle>
-          <a:p>
-            <a:pPr lvl="0"/>
-            <a:r>
-              <a:rPr lang="zh-CN" altLang="en-US" dirty="0"/>
-              <a:t>翻译</a:t>
-            </a:r>
-            <a:endParaRPr lang="en-JP" dirty="0"/>
-          </a:p>
-        </p:txBody>
-      </p:sp>
-      <p:sp>
-        <p:nvSpPr>
-          <p:cNvPr id="9" name="Text Placeholder 13">
-            <a:extLst>
-              <a:ext uri="{FF2B5EF4-FFF2-40B4-BE49-F238E27FC236}">
-                <a16:creationId xmlns:a16="http://schemas.microsoft.com/office/drawing/2014/main" id="{B220F01A-3A50-9F4B-8001-41A353B0BD44}"/>
-              </a:ext>
-            </a:extLst>
-          </p:cNvPr>
-          <p:cNvSpPr>
-            <a:spLocks noGrp="1"/>
-          </p:cNvSpPr>
-          <p:nvPr>
-            <p:ph type="body" sz="quarter" idx="12" hasCustomPrompt="1"/>
-          </p:nvPr>
-        </p:nvSpPr>
-        <p:spPr>
-          <a:xfrm>
-            <a:off x="839417" y="2736852"/>
-            <a:ext cx="3446718" cy="412750"/>
-          </a:xfrm>
-          <a:prstGeom prst="rect">
-            <a:avLst/>
-          </a:prstGeom>
-        </p:spPr>
-        <p:txBody>
-          <a:bodyPr anchor="b"/>
-          <a:lstStyle>
-            <a:lvl1pPr marL="0" indent="0" algn="l">
-              <a:buNone/>
-              <a:defRPr sz="1600" b="0" i="0">
-                <a:solidFill>
-                  <a:srgbClr val="F36F4F"/>
-                </a:solidFill>
-                <a:latin typeface="Roboto Medium" pitchFamily="2" charset="0"/>
-                <a:ea typeface="Roboto Medium" pitchFamily="2" charset="0"/>
-              </a:defRPr>
-            </a:lvl1pPr>
-          </a:lstStyle>
-          <a:p>
-            <a:pPr lvl="0"/>
-            <a:r>
-              <a:rPr lang="en-US" altLang="zh-CN" dirty="0"/>
-              <a:t>Phrase</a:t>
-            </a:r>
-            <a:r>
-              <a:rPr lang="zh-CN" altLang="en-US" dirty="0"/>
-              <a:t> </a:t>
-            </a:r>
-            <a:r>
-              <a:rPr lang="en-US" altLang="zh-CN" dirty="0"/>
-              <a:t>01</a:t>
-            </a:r>
-            <a:endParaRPr lang="en-JP" dirty="0"/>
-          </a:p>
-        </p:txBody>
-      </p:sp>
-      <p:sp>
-        <p:nvSpPr>
-          <p:cNvPr id="10" name="Text Placeholder 13">
-            <a:extLst>
-              <a:ext uri="{FF2B5EF4-FFF2-40B4-BE49-F238E27FC236}">
-                <a16:creationId xmlns:a16="http://schemas.microsoft.com/office/drawing/2014/main" id="{0E4B0038-9E33-F74F-82E0-4EEB5A4A544E}"/>
-              </a:ext>
-            </a:extLst>
-          </p:cNvPr>
-          <p:cNvSpPr>
-            <a:spLocks noGrp="1"/>
-          </p:cNvSpPr>
-          <p:nvPr>
-            <p:ph type="body" sz="quarter" idx="13" hasCustomPrompt="1"/>
-          </p:nvPr>
-        </p:nvSpPr>
-        <p:spPr>
-          <a:xfrm>
-            <a:off x="839417" y="3181352"/>
-            <a:ext cx="3446718" cy="412750"/>
-          </a:xfrm>
-          <a:prstGeom prst="rect">
-            <a:avLst/>
-          </a:prstGeom>
-        </p:spPr>
-        <p:txBody>
-          <a:bodyPr anchor="t"/>
-          <a:lstStyle>
-            <a:lvl1pPr marL="0" indent="0" algn="l">
-              <a:buNone/>
-              <a:defRPr sz="1400" b="0" i="0">
-                <a:solidFill>
-                  <a:srgbClr val="4B0707"/>
-                </a:solidFill>
-                <a:latin typeface="PingFang SC Light" panose="020B0300000000000000" pitchFamily="34" charset="-122"/>
-                <a:ea typeface="PingFang SC Light" panose="020B0300000000000000" pitchFamily="34" charset="-122"/>
-              </a:defRPr>
-            </a:lvl1pPr>
-          </a:lstStyle>
-          <a:p>
-            <a:pPr lvl="0"/>
-            <a:r>
-              <a:rPr lang="zh-CN" altLang="en-JP" dirty="0"/>
-              <a:t>翻译</a:t>
-            </a:r>
-            <a:endParaRPr lang="en-JP" dirty="0"/>
-          </a:p>
-        </p:txBody>
-      </p:sp>
-      <p:sp>
-        <p:nvSpPr>
-          <p:cNvPr id="11" name="Text Placeholder 13">
-            <a:extLst>
-              <a:ext uri="{FF2B5EF4-FFF2-40B4-BE49-F238E27FC236}">
-                <a16:creationId xmlns:a16="http://schemas.microsoft.com/office/drawing/2014/main" id="{A21757CA-2296-E647-AF8B-72E82402678F}"/>
-              </a:ext>
-            </a:extLst>
-          </p:cNvPr>
-          <p:cNvSpPr>
-            <a:spLocks noGrp="1"/>
-          </p:cNvSpPr>
-          <p:nvPr>
-            <p:ph type="body" sz="quarter" idx="14" hasCustomPrompt="1"/>
-          </p:nvPr>
-        </p:nvSpPr>
-        <p:spPr>
-          <a:xfrm>
-            <a:off x="839417" y="3752852"/>
-            <a:ext cx="3446718" cy="412750"/>
-          </a:xfrm>
-          <a:prstGeom prst="rect">
-            <a:avLst/>
-          </a:prstGeom>
-        </p:spPr>
-        <p:txBody>
-          <a:bodyPr anchor="b"/>
-          <a:lstStyle>
-            <a:lvl1pPr marL="0" indent="0" algn="l">
-              <a:buNone/>
-              <a:defRPr sz="1600" b="0" i="0">
-                <a:solidFill>
-                  <a:srgbClr val="F36F4F"/>
-                </a:solidFill>
-                <a:latin typeface="Roboto Medium" pitchFamily="2" charset="0"/>
-                <a:ea typeface="Roboto Medium" pitchFamily="2" charset="0"/>
-              </a:defRPr>
-            </a:lvl1pPr>
-          </a:lstStyle>
-          <a:p>
-            <a:pPr lvl="0"/>
-            <a:r>
-              <a:rPr lang="en-US" altLang="zh-CN" dirty="0"/>
-              <a:t>Phrase</a:t>
-            </a:r>
-            <a:r>
-              <a:rPr lang="zh-CN" altLang="en-US" dirty="0"/>
-              <a:t> </a:t>
-            </a:r>
-            <a:r>
-              <a:rPr lang="en-US" altLang="zh-CN" dirty="0"/>
-              <a:t>02</a:t>
-            </a:r>
-            <a:endParaRPr lang="en-JP" dirty="0"/>
-          </a:p>
-        </p:txBody>
-      </p:sp>
-      <p:sp>
-        <p:nvSpPr>
-          <p:cNvPr id="12" name="Text Placeholder 13">
-            <a:extLst>
-              <a:ext uri="{FF2B5EF4-FFF2-40B4-BE49-F238E27FC236}">
-                <a16:creationId xmlns:a16="http://schemas.microsoft.com/office/drawing/2014/main" id="{25F5A8A4-C69D-6940-9399-A01E4DE50D70}"/>
-              </a:ext>
-            </a:extLst>
-          </p:cNvPr>
-          <p:cNvSpPr>
-            <a:spLocks noGrp="1"/>
-          </p:cNvSpPr>
-          <p:nvPr>
-            <p:ph type="body" sz="quarter" idx="15" hasCustomPrompt="1"/>
-          </p:nvPr>
-        </p:nvSpPr>
-        <p:spPr>
-          <a:xfrm>
-            <a:off x="839417" y="4197352"/>
-            <a:ext cx="3446718" cy="412750"/>
-          </a:xfrm>
-          <a:prstGeom prst="rect">
-            <a:avLst/>
-          </a:prstGeom>
-        </p:spPr>
-        <p:txBody>
-          <a:bodyPr anchor="t"/>
-          <a:lstStyle>
-            <a:lvl1pPr marL="0" indent="0" algn="l">
-              <a:buNone/>
-              <a:defRPr sz="1400" b="0" i="0">
-                <a:solidFill>
-                  <a:srgbClr val="4B0707"/>
-                </a:solidFill>
-                <a:latin typeface="PingFang SC Light" panose="020B0300000000000000" pitchFamily="34" charset="-122"/>
-                <a:ea typeface="PingFang SC Light" panose="020B0300000000000000" pitchFamily="34" charset="-122"/>
-              </a:defRPr>
-            </a:lvl1pPr>
-          </a:lstStyle>
-          <a:p>
-            <a:pPr lvl="0"/>
-            <a:r>
-              <a:rPr lang="zh-CN" altLang="en-JP" dirty="0"/>
-              <a:t>翻译</a:t>
-            </a:r>
-            <a:endParaRPr lang="en-JP" dirty="0"/>
-          </a:p>
-        </p:txBody>
-      </p:sp>
-      <p:sp>
-        <p:nvSpPr>
-          <p:cNvPr id="13" name="Text Placeholder 13">
-            <a:extLst>
-              <a:ext uri="{FF2B5EF4-FFF2-40B4-BE49-F238E27FC236}">
-                <a16:creationId xmlns:a16="http://schemas.microsoft.com/office/drawing/2014/main" id="{90295AB8-DD2A-5B41-84E2-2902C65E9111}"/>
-              </a:ext>
-            </a:extLst>
-          </p:cNvPr>
-          <p:cNvSpPr>
-            <a:spLocks noGrp="1"/>
-          </p:cNvSpPr>
-          <p:nvPr>
-            <p:ph type="body" sz="quarter" idx="16" hasCustomPrompt="1"/>
-          </p:nvPr>
-        </p:nvSpPr>
-        <p:spPr>
-          <a:xfrm>
-            <a:off x="839417" y="4797152"/>
-            <a:ext cx="3446718" cy="412750"/>
-          </a:xfrm>
-          <a:prstGeom prst="rect">
-            <a:avLst/>
-          </a:prstGeom>
-        </p:spPr>
-        <p:txBody>
-          <a:bodyPr anchor="b"/>
-          <a:lstStyle>
-            <a:lvl1pPr marL="0" indent="0" algn="l">
-              <a:buNone/>
-              <a:defRPr sz="1600" b="0" i="0">
-                <a:solidFill>
-                  <a:srgbClr val="F36F4F"/>
-                </a:solidFill>
-                <a:latin typeface="Roboto Medium" pitchFamily="2" charset="0"/>
-                <a:ea typeface="Roboto Medium" pitchFamily="2" charset="0"/>
-              </a:defRPr>
-            </a:lvl1pPr>
-          </a:lstStyle>
-          <a:p>
-            <a:pPr lvl="0"/>
-            <a:r>
-              <a:rPr lang="en-US" altLang="zh-CN" dirty="0"/>
-              <a:t>Phrase</a:t>
-            </a:r>
-            <a:r>
-              <a:rPr lang="zh-CN" altLang="en-US" dirty="0"/>
-              <a:t> </a:t>
-            </a:r>
-            <a:r>
-              <a:rPr lang="en-US" altLang="zh-CN" dirty="0"/>
-              <a:t>03</a:t>
-            </a:r>
-            <a:endParaRPr lang="en-JP" dirty="0"/>
-          </a:p>
-        </p:txBody>
-      </p:sp>
-      <p:sp>
-        <p:nvSpPr>
-          <p:cNvPr id="14" name="Text Placeholder 13">
-            <a:extLst>
-              <a:ext uri="{FF2B5EF4-FFF2-40B4-BE49-F238E27FC236}">
-                <a16:creationId xmlns:a16="http://schemas.microsoft.com/office/drawing/2014/main" id="{0F4A16B5-93A0-174A-8EE9-A85ADC4997AE}"/>
-              </a:ext>
-            </a:extLst>
-          </p:cNvPr>
-          <p:cNvSpPr>
-            <a:spLocks noGrp="1"/>
-          </p:cNvSpPr>
-          <p:nvPr>
-            <p:ph type="body" sz="quarter" idx="17" hasCustomPrompt="1"/>
-          </p:nvPr>
-        </p:nvSpPr>
-        <p:spPr>
-          <a:xfrm>
-            <a:off x="839417" y="5241652"/>
-            <a:ext cx="3446718" cy="412750"/>
-          </a:xfrm>
-          <a:prstGeom prst="rect">
-            <a:avLst/>
-          </a:prstGeom>
-        </p:spPr>
-        <p:txBody>
-          <a:bodyPr anchor="t"/>
-          <a:lstStyle>
-            <a:lvl1pPr marL="0" indent="0" algn="l">
-              <a:buNone/>
-              <a:defRPr sz="1400" b="0" i="0">
-                <a:solidFill>
-                  <a:srgbClr val="4B0707"/>
-                </a:solidFill>
-                <a:latin typeface="PingFang SC Light" panose="020B0300000000000000" pitchFamily="34" charset="-122"/>
-                <a:ea typeface="PingFang SC Light" panose="020B0300000000000000" pitchFamily="34" charset="-122"/>
-              </a:defRPr>
-            </a:lvl1pPr>
-          </a:lstStyle>
-          <a:p>
-            <a:pPr lvl="0"/>
-            <a:r>
-              <a:rPr lang="zh-CN" altLang="en-JP" dirty="0"/>
-              <a:t>翻译</a:t>
-            </a:r>
-            <a:endParaRPr lang="en-JP" dirty="0"/>
-          </a:p>
-        </p:txBody>
-      </p:sp>
-      <p:sp>
-        <p:nvSpPr>
-          <p:cNvPr id="15" name="Text Placeholder 13">
-            <a:extLst>
-              <a:ext uri="{FF2B5EF4-FFF2-40B4-BE49-F238E27FC236}">
-                <a16:creationId xmlns:a16="http://schemas.microsoft.com/office/drawing/2014/main" id="{CD25C9A3-93B3-0243-AA16-831275F56834}"/>
-              </a:ext>
-            </a:extLst>
-          </p:cNvPr>
-          <p:cNvSpPr>
-            <a:spLocks noGrp="1"/>
-          </p:cNvSpPr>
-          <p:nvPr>
-            <p:ph type="body" sz="quarter" idx="18" hasCustomPrompt="1"/>
-          </p:nvPr>
-        </p:nvSpPr>
-        <p:spPr>
-          <a:xfrm>
-            <a:off x="4408360" y="2736852"/>
-            <a:ext cx="3446718" cy="412750"/>
-          </a:xfrm>
-          <a:prstGeom prst="rect">
-            <a:avLst/>
-          </a:prstGeom>
-        </p:spPr>
-        <p:txBody>
-          <a:bodyPr anchor="b"/>
-          <a:lstStyle>
-            <a:lvl1pPr marL="0" indent="0" algn="l">
-              <a:buNone/>
-              <a:defRPr sz="1600" b="0" i="0">
-                <a:solidFill>
-                  <a:srgbClr val="F36F4F"/>
-                </a:solidFill>
-                <a:latin typeface="Roboto Medium" pitchFamily="2" charset="0"/>
-                <a:ea typeface="Roboto Medium" pitchFamily="2" charset="0"/>
-              </a:defRPr>
-            </a:lvl1pPr>
-          </a:lstStyle>
-          <a:p>
-            <a:pPr lvl="0"/>
-            <a:r>
-              <a:rPr lang="en-US" altLang="zh-CN" dirty="0"/>
-              <a:t>Phrase</a:t>
-            </a:r>
-            <a:r>
-              <a:rPr lang="zh-CN" altLang="en-US" dirty="0"/>
-              <a:t> </a:t>
-            </a:r>
-            <a:r>
-              <a:rPr lang="en-US" altLang="zh-CN" dirty="0"/>
-              <a:t>01</a:t>
-            </a:r>
-            <a:endParaRPr lang="en-JP" dirty="0"/>
-          </a:p>
-        </p:txBody>
-      </p:sp>
-      <p:sp>
-        <p:nvSpPr>
-          <p:cNvPr id="16" name="Text Placeholder 13">
-            <a:extLst>
-              <a:ext uri="{FF2B5EF4-FFF2-40B4-BE49-F238E27FC236}">
-                <a16:creationId xmlns:a16="http://schemas.microsoft.com/office/drawing/2014/main" id="{F133000E-63F0-8B40-9209-B694B0EE1FD7}"/>
-              </a:ext>
-            </a:extLst>
-          </p:cNvPr>
-          <p:cNvSpPr>
-            <a:spLocks noGrp="1"/>
-          </p:cNvSpPr>
-          <p:nvPr>
-            <p:ph type="body" sz="quarter" idx="19" hasCustomPrompt="1"/>
-          </p:nvPr>
-        </p:nvSpPr>
-        <p:spPr>
-          <a:xfrm>
-            <a:off x="4408360" y="3181352"/>
-            <a:ext cx="3446718" cy="412750"/>
-          </a:xfrm>
-          <a:prstGeom prst="rect">
-            <a:avLst/>
-          </a:prstGeom>
-        </p:spPr>
-        <p:txBody>
-          <a:bodyPr anchor="t"/>
-          <a:lstStyle>
-            <a:lvl1pPr marL="0" indent="0" algn="l">
-              <a:buNone/>
-              <a:defRPr sz="1400" b="0" i="0">
-                <a:solidFill>
-                  <a:srgbClr val="4B0707"/>
-                </a:solidFill>
-                <a:latin typeface="PingFang SC Light" panose="020B0300000000000000" pitchFamily="34" charset="-122"/>
-                <a:ea typeface="PingFang SC Light" panose="020B0300000000000000" pitchFamily="34" charset="-122"/>
-              </a:defRPr>
-            </a:lvl1pPr>
-          </a:lstStyle>
-          <a:p>
-            <a:pPr lvl="0"/>
-            <a:r>
-              <a:rPr lang="zh-CN" altLang="en-JP" dirty="0"/>
-              <a:t>翻译</a:t>
-            </a:r>
-            <a:endParaRPr lang="en-JP" dirty="0"/>
-          </a:p>
-        </p:txBody>
-      </p:sp>
-      <p:sp>
-        <p:nvSpPr>
-          <p:cNvPr id="17" name="Text Placeholder 13">
-            <a:extLst>
-              <a:ext uri="{FF2B5EF4-FFF2-40B4-BE49-F238E27FC236}">
-                <a16:creationId xmlns:a16="http://schemas.microsoft.com/office/drawing/2014/main" id="{C845F74F-2ADD-A84D-96AE-948D6FD5F5FF}"/>
-              </a:ext>
-            </a:extLst>
-          </p:cNvPr>
-          <p:cNvSpPr>
-            <a:spLocks noGrp="1"/>
-          </p:cNvSpPr>
-          <p:nvPr>
-            <p:ph type="body" sz="quarter" idx="20" hasCustomPrompt="1"/>
-          </p:nvPr>
-        </p:nvSpPr>
-        <p:spPr>
-          <a:xfrm>
-            <a:off x="4408360" y="3752852"/>
-            <a:ext cx="3446718" cy="412750"/>
-          </a:xfrm>
-          <a:prstGeom prst="rect">
-            <a:avLst/>
-          </a:prstGeom>
-        </p:spPr>
-        <p:txBody>
-          <a:bodyPr anchor="b"/>
-          <a:lstStyle>
-            <a:lvl1pPr marL="0" indent="0" algn="l">
-              <a:buNone/>
-              <a:defRPr sz="1600" b="0" i="0">
-                <a:solidFill>
-                  <a:srgbClr val="F36F4F"/>
-                </a:solidFill>
-                <a:latin typeface="Roboto Medium" pitchFamily="2" charset="0"/>
-                <a:ea typeface="Roboto Medium" pitchFamily="2" charset="0"/>
-              </a:defRPr>
-            </a:lvl1pPr>
-          </a:lstStyle>
-          <a:p>
-            <a:pPr lvl="0"/>
-            <a:r>
-              <a:rPr lang="en-US" altLang="zh-CN" dirty="0"/>
-              <a:t>Phrase</a:t>
-            </a:r>
-            <a:r>
-              <a:rPr lang="zh-CN" altLang="en-US" dirty="0"/>
-              <a:t> </a:t>
-            </a:r>
-            <a:r>
-              <a:rPr lang="en-US" altLang="zh-CN" dirty="0"/>
-              <a:t>02</a:t>
-            </a:r>
-            <a:endParaRPr lang="en-JP" dirty="0"/>
-          </a:p>
-        </p:txBody>
-      </p:sp>
-      <p:sp>
-        <p:nvSpPr>
-          <p:cNvPr id="18" name="Text Placeholder 13">
-            <a:extLst>
-              <a:ext uri="{FF2B5EF4-FFF2-40B4-BE49-F238E27FC236}">
-                <a16:creationId xmlns:a16="http://schemas.microsoft.com/office/drawing/2014/main" id="{E0D0049E-C3E4-9A4E-8972-340FA318A3F8}"/>
-              </a:ext>
-            </a:extLst>
-          </p:cNvPr>
-          <p:cNvSpPr>
-            <a:spLocks noGrp="1"/>
-          </p:cNvSpPr>
-          <p:nvPr>
-            <p:ph type="body" sz="quarter" idx="21" hasCustomPrompt="1"/>
-          </p:nvPr>
-        </p:nvSpPr>
-        <p:spPr>
-          <a:xfrm>
-            <a:off x="4408360" y="4197352"/>
-            <a:ext cx="3446718" cy="412750"/>
-          </a:xfrm>
-          <a:prstGeom prst="rect">
-            <a:avLst/>
-          </a:prstGeom>
-        </p:spPr>
-        <p:txBody>
-          <a:bodyPr anchor="t"/>
-          <a:lstStyle>
-            <a:lvl1pPr marL="0" indent="0" algn="l">
-              <a:buNone/>
-              <a:defRPr sz="1400" b="0" i="0">
-                <a:solidFill>
-                  <a:srgbClr val="4B0707"/>
-                </a:solidFill>
-                <a:latin typeface="PingFang SC Light" panose="020B0300000000000000" pitchFamily="34" charset="-122"/>
-                <a:ea typeface="PingFang SC Light" panose="020B0300000000000000" pitchFamily="34" charset="-122"/>
-              </a:defRPr>
-            </a:lvl1pPr>
-          </a:lstStyle>
-          <a:p>
-            <a:pPr lvl="0"/>
-            <a:r>
-              <a:rPr lang="zh-CN" altLang="en-JP" dirty="0"/>
-              <a:t>翻译</a:t>
-            </a:r>
-            <a:endParaRPr lang="en-JP" dirty="0"/>
-          </a:p>
-        </p:txBody>
-      </p:sp>
-      <p:sp>
-        <p:nvSpPr>
-          <p:cNvPr id="19" name="Text Placeholder 13">
-            <a:extLst>
-              <a:ext uri="{FF2B5EF4-FFF2-40B4-BE49-F238E27FC236}">
-                <a16:creationId xmlns:a16="http://schemas.microsoft.com/office/drawing/2014/main" id="{43AF68F6-5670-F643-BF4F-D28DB3328C72}"/>
-              </a:ext>
-            </a:extLst>
-          </p:cNvPr>
-          <p:cNvSpPr>
-            <a:spLocks noGrp="1"/>
-          </p:cNvSpPr>
-          <p:nvPr>
-            <p:ph type="body" sz="quarter" idx="22" hasCustomPrompt="1"/>
-          </p:nvPr>
-        </p:nvSpPr>
-        <p:spPr>
-          <a:xfrm>
-            <a:off x="4408360" y="4797152"/>
-            <a:ext cx="3446718" cy="412750"/>
-          </a:xfrm>
-          <a:prstGeom prst="rect">
-            <a:avLst/>
-          </a:prstGeom>
-        </p:spPr>
-        <p:txBody>
-          <a:bodyPr anchor="b"/>
-          <a:lstStyle>
-            <a:lvl1pPr marL="0" indent="0" algn="l">
-              <a:buNone/>
-              <a:defRPr sz="1600" b="0" i="0">
-                <a:solidFill>
-                  <a:srgbClr val="F36F4F"/>
-                </a:solidFill>
-                <a:latin typeface="Roboto Medium" pitchFamily="2" charset="0"/>
-                <a:ea typeface="Roboto Medium" pitchFamily="2" charset="0"/>
-              </a:defRPr>
-            </a:lvl1pPr>
-          </a:lstStyle>
-          <a:p>
-            <a:pPr lvl="0"/>
-            <a:r>
-              <a:rPr lang="en-US" altLang="zh-CN" dirty="0"/>
-              <a:t>Phrase</a:t>
-            </a:r>
-            <a:r>
-              <a:rPr lang="zh-CN" altLang="en-US" dirty="0"/>
-              <a:t> </a:t>
-            </a:r>
-            <a:r>
-              <a:rPr lang="en-US" altLang="zh-CN" dirty="0"/>
-              <a:t>03</a:t>
-            </a:r>
-            <a:endParaRPr lang="en-JP" dirty="0"/>
-          </a:p>
-        </p:txBody>
-      </p:sp>
-      <p:sp>
-        <p:nvSpPr>
-          <p:cNvPr id="20" name="Text Placeholder 13">
-            <a:extLst>
-              <a:ext uri="{FF2B5EF4-FFF2-40B4-BE49-F238E27FC236}">
-                <a16:creationId xmlns:a16="http://schemas.microsoft.com/office/drawing/2014/main" id="{75329298-4260-9247-88DC-C35E0C2BFAB3}"/>
-              </a:ext>
-            </a:extLst>
-          </p:cNvPr>
-          <p:cNvSpPr>
-            <a:spLocks noGrp="1"/>
-          </p:cNvSpPr>
-          <p:nvPr>
-            <p:ph type="body" sz="quarter" idx="23" hasCustomPrompt="1"/>
-          </p:nvPr>
-        </p:nvSpPr>
-        <p:spPr>
-          <a:xfrm>
-            <a:off x="4408360" y="5241652"/>
-            <a:ext cx="3446718" cy="412750"/>
-          </a:xfrm>
-          <a:prstGeom prst="rect">
-            <a:avLst/>
-          </a:prstGeom>
-        </p:spPr>
-        <p:txBody>
-          <a:bodyPr anchor="t"/>
-          <a:lstStyle>
-            <a:lvl1pPr marL="0" indent="0" algn="l">
-              <a:buNone/>
-              <a:defRPr sz="1400" b="0" i="0">
-                <a:solidFill>
-                  <a:srgbClr val="4B0707"/>
-                </a:solidFill>
-                <a:latin typeface="PingFang SC Light" panose="020B0300000000000000" pitchFamily="34" charset="-122"/>
-                <a:ea typeface="PingFang SC Light" panose="020B0300000000000000" pitchFamily="34" charset="-122"/>
-              </a:defRPr>
-            </a:lvl1pPr>
-          </a:lstStyle>
-          <a:p>
-            <a:pPr lvl="0"/>
-            <a:r>
-              <a:rPr lang="zh-CN" altLang="en-JP" dirty="0"/>
-              <a:t>翻译</a:t>
-            </a:r>
-            <a:endParaRPr lang="en-JP" dirty="0"/>
-          </a:p>
-        </p:txBody>
-      </p:sp>
-      <p:sp>
-        <p:nvSpPr>
-          <p:cNvPr id="21" name="Text Placeholder 13">
-            <a:extLst>
-              <a:ext uri="{FF2B5EF4-FFF2-40B4-BE49-F238E27FC236}">
-                <a16:creationId xmlns:a16="http://schemas.microsoft.com/office/drawing/2014/main" id="{027F82AA-A308-D64B-94BD-2A863DF43E5C}"/>
-              </a:ext>
-            </a:extLst>
-          </p:cNvPr>
-          <p:cNvSpPr>
-            <a:spLocks noGrp="1"/>
-          </p:cNvSpPr>
-          <p:nvPr>
-            <p:ph type="body" sz="quarter" idx="24" hasCustomPrompt="1"/>
-          </p:nvPr>
-        </p:nvSpPr>
-        <p:spPr>
-          <a:xfrm>
-            <a:off x="7977304" y="2736852"/>
-            <a:ext cx="3446718" cy="412750"/>
-          </a:xfrm>
-          <a:prstGeom prst="rect">
-            <a:avLst/>
-          </a:prstGeom>
-        </p:spPr>
-        <p:txBody>
-          <a:bodyPr anchor="b"/>
-          <a:lstStyle>
-            <a:lvl1pPr marL="0" indent="0" algn="l">
-              <a:buNone/>
-              <a:defRPr sz="1600" b="0" i="0">
-                <a:solidFill>
-                  <a:srgbClr val="F36F4F"/>
-                </a:solidFill>
-                <a:latin typeface="Roboto Medium" pitchFamily="2" charset="0"/>
-                <a:ea typeface="Roboto Medium" pitchFamily="2" charset="0"/>
-              </a:defRPr>
-            </a:lvl1pPr>
-          </a:lstStyle>
-          <a:p>
-            <a:pPr lvl="0"/>
-            <a:r>
-              <a:rPr lang="en-US" altLang="zh-CN" dirty="0"/>
-              <a:t>Phrase</a:t>
-            </a:r>
-            <a:r>
-              <a:rPr lang="zh-CN" altLang="en-US" dirty="0"/>
-              <a:t> </a:t>
-            </a:r>
-            <a:r>
-              <a:rPr lang="en-US" altLang="zh-CN" dirty="0"/>
-              <a:t>01</a:t>
-            </a:r>
-            <a:endParaRPr lang="en-JP" dirty="0"/>
-          </a:p>
-        </p:txBody>
-      </p:sp>
-      <p:sp>
-        <p:nvSpPr>
-          <p:cNvPr id="22" name="Text Placeholder 13">
-            <a:extLst>
-              <a:ext uri="{FF2B5EF4-FFF2-40B4-BE49-F238E27FC236}">
-                <a16:creationId xmlns:a16="http://schemas.microsoft.com/office/drawing/2014/main" id="{FD875CA6-85D4-A542-A78C-EEE3D39483D4}"/>
-              </a:ext>
-            </a:extLst>
-          </p:cNvPr>
-          <p:cNvSpPr>
-            <a:spLocks noGrp="1"/>
-          </p:cNvSpPr>
-          <p:nvPr>
-            <p:ph type="body" sz="quarter" idx="25" hasCustomPrompt="1"/>
-          </p:nvPr>
-        </p:nvSpPr>
-        <p:spPr>
-          <a:xfrm>
-            <a:off x="7977304" y="3181352"/>
-            <a:ext cx="3446718" cy="412750"/>
-          </a:xfrm>
-          <a:prstGeom prst="rect">
-            <a:avLst/>
-          </a:prstGeom>
-        </p:spPr>
-        <p:txBody>
-          <a:bodyPr anchor="t"/>
-          <a:lstStyle>
-            <a:lvl1pPr marL="0" indent="0" algn="l">
-              <a:buNone/>
-              <a:defRPr sz="1400" b="0" i="0">
-                <a:solidFill>
-                  <a:srgbClr val="4B0707"/>
-                </a:solidFill>
-                <a:latin typeface="PingFang SC Light" panose="020B0300000000000000" pitchFamily="34" charset="-122"/>
-                <a:ea typeface="PingFang SC Light" panose="020B0300000000000000" pitchFamily="34" charset="-122"/>
-              </a:defRPr>
-            </a:lvl1pPr>
-          </a:lstStyle>
-          <a:p>
-            <a:pPr lvl="0"/>
-            <a:r>
-              <a:rPr lang="zh-CN" altLang="en-JP" dirty="0"/>
-              <a:t>翻译</a:t>
-            </a:r>
-            <a:endParaRPr lang="en-JP" dirty="0"/>
-          </a:p>
-        </p:txBody>
-      </p:sp>
-      <p:sp>
-        <p:nvSpPr>
-          <p:cNvPr id="23" name="Text Placeholder 13">
-            <a:extLst>
-              <a:ext uri="{FF2B5EF4-FFF2-40B4-BE49-F238E27FC236}">
-                <a16:creationId xmlns:a16="http://schemas.microsoft.com/office/drawing/2014/main" id="{A57D12F2-DC4A-B048-B546-469277B1E3A7}"/>
-              </a:ext>
-            </a:extLst>
-          </p:cNvPr>
-          <p:cNvSpPr>
-            <a:spLocks noGrp="1"/>
-          </p:cNvSpPr>
-          <p:nvPr>
-            <p:ph type="body" sz="quarter" idx="26" hasCustomPrompt="1"/>
-          </p:nvPr>
-        </p:nvSpPr>
-        <p:spPr>
-          <a:xfrm>
-            <a:off x="7977304" y="3752852"/>
-            <a:ext cx="3446718" cy="412750"/>
-          </a:xfrm>
-          <a:prstGeom prst="rect">
-            <a:avLst/>
-          </a:prstGeom>
-        </p:spPr>
-        <p:txBody>
-          <a:bodyPr anchor="b"/>
-          <a:lstStyle>
-            <a:lvl1pPr marL="0" indent="0" algn="l">
-              <a:buNone/>
-              <a:defRPr sz="1600" b="0" i="0">
-                <a:solidFill>
-                  <a:srgbClr val="F36F4F"/>
-                </a:solidFill>
-                <a:latin typeface="Roboto Medium" pitchFamily="2" charset="0"/>
-                <a:ea typeface="Roboto Medium" pitchFamily="2" charset="0"/>
-              </a:defRPr>
-            </a:lvl1pPr>
-          </a:lstStyle>
-          <a:p>
-            <a:pPr lvl="0"/>
-            <a:r>
-              <a:rPr lang="en-US" altLang="zh-CN" dirty="0"/>
-              <a:t>Phrase</a:t>
-            </a:r>
-            <a:r>
-              <a:rPr lang="zh-CN" altLang="en-US" dirty="0"/>
-              <a:t> </a:t>
-            </a:r>
-            <a:r>
-              <a:rPr lang="en-US" altLang="zh-CN" dirty="0"/>
-              <a:t>02</a:t>
-            </a:r>
-            <a:endParaRPr lang="en-JP" dirty="0"/>
-          </a:p>
-        </p:txBody>
-      </p:sp>
-      <p:sp>
-        <p:nvSpPr>
-          <p:cNvPr id="24" name="Text Placeholder 13">
-            <a:extLst>
-              <a:ext uri="{FF2B5EF4-FFF2-40B4-BE49-F238E27FC236}">
-                <a16:creationId xmlns:a16="http://schemas.microsoft.com/office/drawing/2014/main" id="{4E0526F5-51A5-7245-B382-1048DD55745D}"/>
-              </a:ext>
-            </a:extLst>
-          </p:cNvPr>
-          <p:cNvSpPr>
-            <a:spLocks noGrp="1"/>
-          </p:cNvSpPr>
-          <p:nvPr>
-            <p:ph type="body" sz="quarter" idx="27" hasCustomPrompt="1"/>
-          </p:nvPr>
-        </p:nvSpPr>
-        <p:spPr>
-          <a:xfrm>
-            <a:off x="7977304" y="4197352"/>
-            <a:ext cx="3446718" cy="412750"/>
-          </a:xfrm>
-          <a:prstGeom prst="rect">
-            <a:avLst/>
-          </a:prstGeom>
-        </p:spPr>
-        <p:txBody>
-          <a:bodyPr anchor="t"/>
-          <a:lstStyle>
-            <a:lvl1pPr marL="0" indent="0" algn="l">
-              <a:buNone/>
-              <a:defRPr sz="1400" b="0" i="0">
-                <a:solidFill>
-                  <a:srgbClr val="4B0707"/>
-                </a:solidFill>
-                <a:latin typeface="PingFang SC Light" panose="020B0300000000000000" pitchFamily="34" charset="-122"/>
-                <a:ea typeface="PingFang SC Light" panose="020B0300000000000000" pitchFamily="34" charset="-122"/>
-              </a:defRPr>
-            </a:lvl1pPr>
-          </a:lstStyle>
-          <a:p>
-            <a:pPr lvl="0"/>
-            <a:r>
-              <a:rPr lang="zh-CN" altLang="en-JP" dirty="0"/>
-              <a:t>翻译</a:t>
-            </a:r>
-            <a:endParaRPr lang="en-JP" dirty="0"/>
-          </a:p>
-        </p:txBody>
-      </p:sp>
-      <p:sp>
-        <p:nvSpPr>
-          <p:cNvPr id="25" name="Text Placeholder 13">
-            <a:extLst>
-              <a:ext uri="{FF2B5EF4-FFF2-40B4-BE49-F238E27FC236}">
-                <a16:creationId xmlns:a16="http://schemas.microsoft.com/office/drawing/2014/main" id="{70CC6A53-C6CB-2749-BF37-521F43D26104}"/>
-              </a:ext>
-            </a:extLst>
-          </p:cNvPr>
-          <p:cNvSpPr>
-            <a:spLocks noGrp="1"/>
-          </p:cNvSpPr>
-          <p:nvPr>
-            <p:ph type="body" sz="quarter" idx="28" hasCustomPrompt="1"/>
-          </p:nvPr>
-        </p:nvSpPr>
-        <p:spPr>
-          <a:xfrm>
-            <a:off x="7977304" y="4797152"/>
-            <a:ext cx="3446718" cy="412750"/>
-          </a:xfrm>
-          <a:prstGeom prst="rect">
-            <a:avLst/>
-          </a:prstGeom>
-        </p:spPr>
-        <p:txBody>
-          <a:bodyPr anchor="b"/>
-          <a:lstStyle>
-            <a:lvl1pPr marL="0" indent="0" algn="l">
-              <a:buNone/>
-              <a:defRPr sz="1600" b="0" i="0">
-                <a:solidFill>
-                  <a:srgbClr val="F36F4F"/>
-                </a:solidFill>
-                <a:latin typeface="Roboto Medium" pitchFamily="2" charset="0"/>
-                <a:ea typeface="Roboto Medium" pitchFamily="2" charset="0"/>
-              </a:defRPr>
-            </a:lvl1pPr>
-          </a:lstStyle>
-          <a:p>
-            <a:pPr lvl="0"/>
-            <a:r>
-              <a:rPr lang="en-US" altLang="zh-CN" dirty="0"/>
-              <a:t>Phrase</a:t>
-            </a:r>
-            <a:r>
-              <a:rPr lang="zh-CN" altLang="en-US" dirty="0"/>
-              <a:t> </a:t>
-            </a:r>
-            <a:r>
-              <a:rPr lang="en-US" altLang="zh-CN" dirty="0"/>
-              <a:t>03</a:t>
-            </a:r>
-            <a:endParaRPr lang="en-JP" dirty="0"/>
-          </a:p>
-        </p:txBody>
-      </p:sp>
-      <p:sp>
-        <p:nvSpPr>
-          <p:cNvPr id="26" name="Text Placeholder 13">
-            <a:extLst>
-              <a:ext uri="{FF2B5EF4-FFF2-40B4-BE49-F238E27FC236}">
-                <a16:creationId xmlns:a16="http://schemas.microsoft.com/office/drawing/2014/main" id="{8F7A420D-C760-754A-B988-CF7B02DFAA52}"/>
-              </a:ext>
-            </a:extLst>
-          </p:cNvPr>
-          <p:cNvSpPr>
-            <a:spLocks noGrp="1"/>
-          </p:cNvSpPr>
-          <p:nvPr>
-            <p:ph type="body" sz="quarter" idx="29" hasCustomPrompt="1"/>
-          </p:nvPr>
-        </p:nvSpPr>
-        <p:spPr>
-          <a:xfrm>
-            <a:off x="7977304" y="5241652"/>
-            <a:ext cx="3446718" cy="412750"/>
-          </a:xfrm>
-          <a:prstGeom prst="rect">
-            <a:avLst/>
-          </a:prstGeom>
-        </p:spPr>
-        <p:txBody>
-          <a:bodyPr anchor="t"/>
-          <a:lstStyle>
-            <a:lvl1pPr marL="0" indent="0" algn="l">
-              <a:buNone/>
-              <a:defRPr sz="1400" b="0" i="0">
-                <a:solidFill>
-                  <a:srgbClr val="4B0707"/>
-                </a:solidFill>
-                <a:latin typeface="PingFang SC Light" panose="020B0300000000000000" pitchFamily="34" charset="-122"/>
-                <a:ea typeface="PingFang SC Light" panose="020B0300000000000000" pitchFamily="34" charset="-122"/>
-              </a:defRPr>
-            </a:lvl1pPr>
-          </a:lstStyle>
-          <a:p>
-            <a:pPr lvl="0"/>
-            <a:r>
-              <a:rPr lang="zh-CN" altLang="en-JP" dirty="0"/>
-              <a:t>翻译</a:t>
-            </a:r>
-            <a:endParaRPr lang="en-JP" dirty="0"/>
-          </a:p>
-        </p:txBody>
-      </p:sp>
-      <p:cxnSp>
-        <p:nvCxnSpPr>
-          <p:cNvPr id="29" name="Straight Connector 28">
-            <a:extLst>
-              <a:ext uri="{FF2B5EF4-FFF2-40B4-BE49-F238E27FC236}">
-                <a16:creationId xmlns:a16="http://schemas.microsoft.com/office/drawing/2014/main" id="{209A201C-B6D6-DE40-A134-9901C2694368}"/>
-              </a:ext>
-            </a:extLst>
-          </p:cNvPr>
-          <p:cNvCxnSpPr>
-            <a:cxnSpLocks/>
-          </p:cNvCxnSpPr>
-          <p:nvPr userDrawn="1"/>
-        </p:nvCxnSpPr>
-        <p:spPr>
-          <a:xfrm>
-            <a:off x="7972442" y="2508214"/>
-            <a:ext cx="3446718" cy="0"/>
-          </a:xfrm>
-          <a:prstGeom prst="line">
-            <a:avLst/>
-          </a:prstGeom>
-          <a:ln w="12700">
-            <a:solidFill>
-              <a:schemeClr val="bg1">
-                <a:lumMod val="85000"/>
-              </a:schemeClr>
-            </a:solidFill>
-          </a:ln>
-        </p:spPr>
-        <p:style>
-          <a:lnRef idx="1">
-            <a:schemeClr val="accent1"/>
-          </a:lnRef>
-          <a:fillRef idx="0">
-            <a:schemeClr val="accent1"/>
-          </a:fillRef>
-          <a:effectRef idx="0">
-            <a:schemeClr val="accent1"/>
-          </a:effectRef>
-          <a:fontRef idx="minor">
-            <a:schemeClr val="tx1"/>
-          </a:fontRef>
-        </p:style>
-      </p:cxnSp>
-      <p:sp>
-        <p:nvSpPr>
-          <p:cNvPr id="30" name="Rounded Rectangle 29">
-            <a:extLst>
-              <a:ext uri="{FF2B5EF4-FFF2-40B4-BE49-F238E27FC236}">
-                <a16:creationId xmlns:a16="http://schemas.microsoft.com/office/drawing/2014/main" id="{89A28319-5535-6D44-971C-8732A207E2AB}"/>
-              </a:ext>
-            </a:extLst>
-          </p:cNvPr>
-          <p:cNvSpPr/>
-          <p:nvPr userDrawn="1"/>
-        </p:nvSpPr>
-        <p:spPr>
-          <a:xfrm>
-            <a:off x="7972442" y="2151017"/>
-            <a:ext cx="3446718" cy="369332"/>
-          </a:xfrm>
-          <a:prstGeom prst="roundRect">
-            <a:avLst>
-              <a:gd name="adj" fmla="val 15851"/>
-            </a:avLst>
-          </a:prstGeom>
-          <a:noFill/>
-          <a:ln>
-            <a:noFill/>
-          </a:ln>
-        </p:spPr>
-        <p:style>
-          <a:lnRef idx="2">
-            <a:schemeClr val="accent1">
-              <a:shade val="50000"/>
-            </a:schemeClr>
-          </a:lnRef>
-          <a:fillRef idx="1">
-            <a:schemeClr val="accent1"/>
-          </a:fillRef>
-          <a:effectRef idx="0">
-            <a:schemeClr val="accent1"/>
-          </a:effectRef>
-          <a:fontRef idx="minor">
-            <a:schemeClr val="lt1"/>
-          </a:fontRef>
-        </p:style>
-        <p:txBody>
-          <a:bodyPr rtlCol="0" anchor="ctr"/>
-          <a:lstStyle/>
-          <a:p>
-            <a:r>
-              <a:rPr lang="en-US" altLang="zh-CN" sz="1200" b="1" dirty="0">
-                <a:solidFill>
-                  <a:srgbClr val="A78078"/>
-                </a:solidFill>
-                <a:latin typeface="PingFang SC" panose="020B0400000000000000" pitchFamily="34" charset="-122"/>
-                <a:ea typeface="PingFang SC" panose="020B0400000000000000" pitchFamily="34" charset="-122"/>
-              </a:rPr>
-              <a:t>//</a:t>
-            </a:r>
-            <a:r>
-              <a:rPr lang="zh-CN" altLang="en-US" sz="1200" b="1" dirty="0">
-                <a:solidFill>
-                  <a:srgbClr val="A78078"/>
-                </a:solidFill>
-                <a:latin typeface="PingFang SC" panose="020B0400000000000000" pitchFamily="34" charset="-122"/>
-                <a:ea typeface="PingFang SC" panose="020B0400000000000000" pitchFamily="34" charset="-122"/>
-              </a:rPr>
-              <a:t> 动词短语</a:t>
-            </a:r>
-            <a:endParaRPr lang="en-JP" sz="1200" b="1" dirty="0">
-              <a:solidFill>
-                <a:srgbClr val="A78078"/>
-              </a:solidFill>
-              <a:latin typeface="PingFang SC" panose="020B0400000000000000" pitchFamily="34" charset="-122"/>
-              <a:ea typeface="PingFang SC" panose="020B0400000000000000" pitchFamily="34" charset="-122"/>
-            </a:endParaRPr>
-          </a:p>
-        </p:txBody>
-      </p:sp>
-    </p:spTree>
-    <p:extLst>
-      <p:ext uri="{BB962C8B-B14F-4D97-AF65-F5344CB8AC3E}">
-        <p14:creationId xmlns:p14="http://schemas.microsoft.com/office/powerpoint/2010/main" val="2378919930"/>
-      </p:ext>
-    </p:extLst>
-  </p:cSld>
-  <p:clrMapOvr>
-    <a:masterClrMapping/>
-  </p:clrMapOvr>
-</p:sldLayout>
-</file>
-
-<file path=ppt/slideLayouts/slideLayout7.xml><?xml version="1.0" encoding="utf-8"?>
-<p:sldLayout xmlns:a="http://schemas.openxmlformats.org/drawingml/2006/main" xmlns:r="http://schemas.openxmlformats.org/officeDocument/2006/relationships" xmlns:p="http://schemas.openxmlformats.org/presentationml/2006/main" preserve="1" userDrawn="1">
   <p:cSld name="Blank">
     <p:spTree>
       <p:nvGrpSpPr>
@@ -8926,7 +4249,7 @@
 </p:sldLayout>
 </file>
 
-<file path=ppt/slideLayouts/slideLayout8.xml><?xml version="1.0" encoding="utf-8"?>
+<file path=ppt/slideLayouts/slideLayout6.xml><?xml version="1.0" encoding="utf-8"?>
 <p:sldLayout xmlns:a="http://schemas.openxmlformats.org/drawingml/2006/main" xmlns:r="http://schemas.openxmlformats.org/officeDocument/2006/relationships" xmlns:p="http://schemas.openxmlformats.org/presentationml/2006/main" preserve="1" userDrawn="1">
   <p:cSld name="Thanks">
     <p:bg>
@@ -9390,10 +4713,8 @@
     <p:sldLayoutId id="2147483929" r:id="rId2"/>
     <p:sldLayoutId id="2147483933" r:id="rId3"/>
     <p:sldLayoutId id="2147483930" r:id="rId4"/>
-    <p:sldLayoutId id="2147483931" r:id="rId5"/>
-    <p:sldLayoutId id="2147483932" r:id="rId6"/>
-    <p:sldLayoutId id="2147483891" r:id="rId7"/>
-    <p:sldLayoutId id="2147483928" r:id="rId8"/>
+    <p:sldLayoutId id="2147483891" r:id="rId5"/>
+    <p:sldLayoutId id="2147483928" r:id="rId6"/>
   </p:sldLayoutIdLst>
   <p:hf sldNum="0" hdr="0" ftr="0" dt="0"/>
   <p:txStyles>

--- a/linguappt/es/templates/phrase_spanish_classic.pptx
+++ b/linguappt/es/templates/phrase_spanish_classic.pptx
@@ -197,7 +197,7 @@
           <a:p>
             <a:fld id="{49827307-2D32-1C49-A664-3E09AADAF8D1}" type="datetimeFigureOut">
               <a:rPr lang="en-CN" smtClean="0"/>
-              <a:t>2021/9/21</a:t>
+              <a:t>10/22/21</a:t>
             </a:fld>
             <a:endParaRPr lang="en-CN"/>
           </a:p>
@@ -1492,7 +1492,7 @@
         <p:txBody>
           <a:bodyPr anchor="b"/>
           <a:lstStyle>
-            <a:lvl1pPr marL="0" marR="0" indent="0" algn="ctr" defTabSz="457200" rtl="0" eaLnBrk="1" fontAlgn="auto" latinLnBrk="0" hangingPunct="1">
+            <a:lvl1pPr marL="0" marR="0" indent="0" algn="l" defTabSz="457200" rtl="0" eaLnBrk="1" fontAlgn="auto" latinLnBrk="0" hangingPunct="1">
               <a:lnSpc>
                 <a:spcPct val="100000"/>
               </a:lnSpc>
@@ -1509,12 +1509,15 @@
               <a:buFont typeface="Wingdings 2" panose="05020102010507070707" pitchFamily="18" charset="2"/>
               <a:buNone/>
               <a:tabLst/>
-              <a:defRPr sz="1800" b="0" i="0">
-                <a:solidFill>
-                  <a:srgbClr val="4B0707"/>
+              <a:defRPr lang="en-US" sz="1800" b="0" i="0" kern="1200" dirty="0">
+                <a:solidFill>
+                  <a:schemeClr val="accent3">
+                    <a:lumMod val="75000"/>
+                  </a:schemeClr>
                 </a:solidFill>
                 <a:latin typeface="Roboto Medium" pitchFamily="2" charset="0"/>
                 <a:ea typeface="Roboto Medium" pitchFamily="2" charset="0"/>
+                <a:cs typeface="+mn-cs"/>
               </a:defRPr>
             </a:lvl1pPr>
             <a:lvl2pPr marL="324000" indent="0" algn="ctr">
@@ -1535,7 +1538,7 @@
             </a:lvl5pPr>
           </a:lstStyle>
           <a:p>
-            <a:pPr marL="0" marR="0" lvl="0" indent="0" algn="ctr" defTabSz="457200" rtl="0" eaLnBrk="1" fontAlgn="auto" latinLnBrk="0" hangingPunct="1">
+            <a:pPr marL="0" marR="0" lvl="0" indent="0" algn="l" defTabSz="457200" rtl="0" eaLnBrk="1" fontAlgn="auto" latinLnBrk="0" hangingPunct="1">
               <a:lnSpc>
                 <a:spcPct val="100000"/>
               </a:lnSpc>
@@ -1606,7 +1609,7 @@
         <p:txBody>
           <a:bodyPr anchor="t"/>
           <a:lstStyle>
-            <a:lvl1pPr marL="0" indent="0" algn="ctr">
+            <a:lvl1pPr marL="0" indent="0" algn="l">
               <a:buNone/>
               <a:defRPr sz="1600" b="0" i="0">
                 <a:solidFill>
@@ -1655,7 +1658,7 @@
         <p:txBody>
           <a:bodyPr anchor="b"/>
           <a:lstStyle>
-            <a:lvl1pPr marL="0" indent="0" algn="ctr">
+            <a:lvl1pPr marL="0" indent="0" algn="l">
               <a:buNone/>
               <a:defRPr sz="1800" b="0" i="0">
                 <a:solidFill>
@@ -1712,7 +1715,7 @@
         <p:txBody>
           <a:bodyPr anchor="t"/>
           <a:lstStyle>
-            <a:lvl1pPr marL="0" indent="0" algn="ctr">
+            <a:lvl1pPr marL="0" indent="0" algn="l">
               <a:buNone/>
               <a:defRPr sz="1400" b="0" i="0">
                 <a:solidFill>
@@ -1761,7 +1764,7 @@
         <p:txBody>
           <a:bodyPr anchor="b"/>
           <a:lstStyle>
-            <a:lvl1pPr marL="0" indent="0" algn="ctr">
+            <a:lvl1pPr marL="0" indent="0" algn="l">
               <a:buNone/>
               <a:defRPr sz="1800" b="0" i="0">
                 <a:solidFill>
@@ -1818,7 +1821,7 @@
         <p:txBody>
           <a:bodyPr anchor="t"/>
           <a:lstStyle>
-            <a:lvl1pPr marL="0" indent="0" algn="ctr">
+            <a:lvl1pPr marL="0" indent="0" algn="l">
               <a:buNone/>
               <a:defRPr sz="1400" b="0" i="0">
                 <a:solidFill>
@@ -1867,7 +1870,7 @@
         <p:txBody>
           <a:bodyPr anchor="b"/>
           <a:lstStyle>
-            <a:lvl1pPr marL="0" indent="0" algn="ctr">
+            <a:lvl1pPr marL="0" indent="0" algn="l">
               <a:buNone/>
               <a:defRPr sz="1800" b="0" i="0">
                 <a:solidFill>
@@ -1924,7 +1927,7 @@
         <p:txBody>
           <a:bodyPr anchor="t"/>
           <a:lstStyle>
-            <a:lvl1pPr marL="0" indent="0" algn="ctr">
+            <a:lvl1pPr marL="0" indent="0" algn="l">
               <a:buNone/>
               <a:defRPr sz="1400" b="0" i="0">
                 <a:solidFill>
@@ -2059,7 +2062,7 @@
         <p:txBody>
           <a:bodyPr anchor="b"/>
           <a:lstStyle>
-            <a:lvl1pPr marL="0" marR="0" indent="0" algn="ctr" defTabSz="457200" rtl="0" eaLnBrk="1" fontAlgn="auto" latinLnBrk="0" hangingPunct="1">
+            <a:lvl1pPr marL="0" marR="0" indent="0" algn="l" defTabSz="457200" rtl="0" eaLnBrk="1" fontAlgn="auto" latinLnBrk="0" hangingPunct="1">
               <a:lnSpc>
                 <a:spcPct val="100000"/>
               </a:lnSpc>
@@ -2076,12 +2079,15 @@
               <a:buFont typeface="Wingdings 2" panose="05020102010507070707" pitchFamily="18" charset="2"/>
               <a:buNone/>
               <a:tabLst/>
-              <a:defRPr sz="1800" b="0" i="0">
-                <a:solidFill>
-                  <a:srgbClr val="4B0707"/>
+              <a:defRPr lang="en-US" sz="1800" b="0" i="0" kern="1200" dirty="0">
+                <a:solidFill>
+                  <a:schemeClr val="accent3">
+                    <a:lumMod val="75000"/>
+                  </a:schemeClr>
                 </a:solidFill>
                 <a:latin typeface="Roboto Medium" pitchFamily="2" charset="0"/>
                 <a:ea typeface="Roboto Medium" pitchFamily="2" charset="0"/>
+                <a:cs typeface="+mn-cs"/>
               </a:defRPr>
             </a:lvl1pPr>
             <a:lvl2pPr marL="324000" indent="0" algn="ctr">
@@ -2102,7 +2108,7 @@
             </a:lvl5pPr>
           </a:lstStyle>
           <a:p>
-            <a:pPr marL="0" marR="0" lvl="0" indent="0" algn="ctr" defTabSz="457200" rtl="0" eaLnBrk="1" fontAlgn="auto" latinLnBrk="0" hangingPunct="1">
+            <a:pPr marL="0" marR="0" lvl="0" indent="0" algn="l" defTabSz="457200" rtl="0" eaLnBrk="1" fontAlgn="auto" latinLnBrk="0" hangingPunct="1">
               <a:lnSpc>
                 <a:spcPct val="100000"/>
               </a:lnSpc>
@@ -2173,7 +2179,7 @@
         <p:txBody>
           <a:bodyPr anchor="t"/>
           <a:lstStyle>
-            <a:lvl1pPr marL="0" indent="0" algn="ctr">
+            <a:lvl1pPr marL="0" indent="0" algn="l">
               <a:buNone/>
               <a:defRPr sz="1600" b="0" i="0">
                 <a:solidFill>

--- a/linguappt/es/templates/phrase_spanish_classic.pptx
+++ b/linguappt/es/templates/phrase_spanish_classic.pptx
@@ -197,7 +197,7 @@
           <a:p>
             <a:fld id="{49827307-2D32-1C49-A664-3E09AADAF8D1}" type="datetimeFigureOut">
               <a:rPr lang="en-CN" smtClean="0"/>
-              <a:t>10/22/21</a:t>
+              <a:t>11/17/21</a:t>
             </a:fld>
             <a:endParaRPr lang="en-CN"/>
           </a:p>
@@ -467,13 +467,11 @@
 
 <file path=ppt/slideLayouts/slideLayout1.xml><?xml version="1.0" encoding="utf-8"?>
 <p:sldLayout xmlns:a="http://schemas.openxmlformats.org/drawingml/2006/main" xmlns:r="http://schemas.openxmlformats.org/officeDocument/2006/relationships" xmlns:p="http://schemas.openxmlformats.org/presentationml/2006/main" preserve="1" userDrawn="1">
-  <p:cSld name="Opening for chinese">
+  <p:cSld name="Opening">
     <p:bg>
       <p:bgPr>
         <a:solidFill>
-          <a:srgbClr val="E3A501">
-            <a:alpha val="10000"/>
-          </a:srgbClr>
+          <a:srgbClr val="FFF9F2"/>
         </a:solidFill>
         <a:effectLst/>
       </p:bgPr>
@@ -492,56 +490,26 @@
           <a:chExt cx="0" cy="0"/>
         </a:xfrm>
       </p:grpSpPr>
-      <p:pic>
-        <p:nvPicPr>
-          <p:cNvPr id="5" name="Picture 4">
-            <a:extLst>
-              <a:ext uri="{FF2B5EF4-FFF2-40B4-BE49-F238E27FC236}">
-                <a16:creationId xmlns:a16="http://schemas.microsoft.com/office/drawing/2014/main" id="{B71516F5-0FF8-4447-8AC2-D1781656E7BB}"/>
-              </a:ext>
-            </a:extLst>
-          </p:cNvPr>
-          <p:cNvPicPr>
-            <a:picLocks noChangeAspect="1"/>
-          </p:cNvPicPr>
-          <p:nvPr userDrawn="1"/>
-        </p:nvPicPr>
-        <p:blipFill>
-          <a:blip r:embed="rId2"/>
-          <a:stretch>
-            <a:fillRect/>
-          </a:stretch>
-        </p:blipFill>
-        <p:spPr>
-          <a:xfrm>
-            <a:off x="0" y="0"/>
-            <a:ext cx="12192000" cy="6858000"/>
-          </a:xfrm>
-          <a:prstGeom prst="rect">
-            <a:avLst/>
-          </a:prstGeom>
-        </p:spPr>
-      </p:pic>
-      <p:sp>
-        <p:nvSpPr>
-          <p:cNvPr id="91" name="Text Placeholder 6">
-            <a:extLst>
-              <a:ext uri="{FF2B5EF4-FFF2-40B4-BE49-F238E27FC236}">
-                <a16:creationId xmlns:a16="http://schemas.microsoft.com/office/drawing/2014/main" id="{24C3FF9E-7065-F74E-BBE4-40BDC1CA7B1F}"/>
+      <p:sp>
+        <p:nvSpPr>
+          <p:cNvPr id="6" name="Text Placeholder 6">
+            <a:extLst>
+              <a:ext uri="{FF2B5EF4-FFF2-40B4-BE49-F238E27FC236}">
+                <a16:creationId xmlns:a16="http://schemas.microsoft.com/office/drawing/2014/main" id="{39488A1C-A57A-534F-873C-50B5BAB6F74A}"/>
               </a:ext>
             </a:extLst>
           </p:cNvPr>
           <p:cNvSpPr>
             <a:spLocks noGrp="1"/>
           </p:cNvSpPr>
-          <p:nvPr userDrawn="1">
+          <p:nvPr>
             <p:ph type="body" sz="quarter" idx="10" hasCustomPrompt="1"/>
           </p:nvPr>
         </p:nvSpPr>
         <p:spPr>
           <a:xfrm>
-            <a:off x="774551" y="685760"/>
-            <a:ext cx="6997849" cy="2143125"/>
+            <a:off x="583482" y="561089"/>
+            <a:ext cx="6390523" cy="2143125"/>
           </a:xfrm>
           <a:prstGeom prst="rect">
             <a:avLst/>
@@ -550,13 +518,13 @@
         <p:txBody>
           <a:bodyPr vert="horz" anchor="b"/>
           <a:lstStyle>
-            <a:lvl1pPr marL="0" indent="0" algn="l">
+            <a:lvl1pPr marL="0" indent="0" algn="ctr">
               <a:buNone/>
-              <a:defRPr sz="6400" b="0" i="0">
+              <a:defRPr sz="4800" b="0" i="0" baseline="0">
                 <a:solidFill>
-                  <a:srgbClr val="4B0706"/>
+                  <a:schemeClr val="accent2"/>
                 </a:solidFill>
-                <a:latin typeface="PingFang SC" panose="020B0400000000000000" pitchFamily="34" charset="-122"/>
+                <a:latin typeface="Cambria" panose="02040503050406030204" pitchFamily="18" charset="0"/>
                 <a:ea typeface="PingFang SC" panose="020B0400000000000000" pitchFamily="34" charset="-122"/>
                 <a:cs typeface="Helvetica Neue Medium" panose="02000503000000020004" pitchFamily="2" charset="0"/>
               </a:defRPr>
@@ -634,24 +602,24 @@
       </p:sp>
       <p:sp>
         <p:nvSpPr>
-          <p:cNvPr id="92" name="Text Placeholder 6">
-            <a:extLst>
-              <a:ext uri="{FF2B5EF4-FFF2-40B4-BE49-F238E27FC236}">
-                <a16:creationId xmlns:a16="http://schemas.microsoft.com/office/drawing/2014/main" id="{F5CDB6B1-91C8-6B40-BBBD-7C6446BC9D7C}"/>
+          <p:cNvPr id="7" name="Text Placeholder 6">
+            <a:extLst>
+              <a:ext uri="{FF2B5EF4-FFF2-40B4-BE49-F238E27FC236}">
+                <a16:creationId xmlns:a16="http://schemas.microsoft.com/office/drawing/2014/main" id="{0A7A3E2E-9F6D-5F45-95C2-26EBCB5E595C}"/>
               </a:ext>
             </a:extLst>
           </p:cNvPr>
           <p:cNvSpPr>
             <a:spLocks noGrp="1"/>
           </p:cNvSpPr>
-          <p:nvPr userDrawn="1">
+          <p:nvPr>
             <p:ph type="body" sz="quarter" idx="11" hasCustomPrompt="1"/>
           </p:nvPr>
         </p:nvSpPr>
         <p:spPr>
           <a:xfrm>
-            <a:off x="774551" y="3335551"/>
-            <a:ext cx="6997849" cy="1131008"/>
+            <a:off x="583482" y="2778042"/>
+            <a:ext cx="6390523" cy="2143125"/>
           </a:xfrm>
           <a:prstGeom prst="rect">
             <a:avLst/>
@@ -660,13 +628,15 @@
         <p:txBody>
           <a:bodyPr vert="horz" anchor="t"/>
           <a:lstStyle>
-            <a:lvl1pPr marL="0" indent="0" algn="l">
+            <a:lvl1pPr marL="0" indent="0" algn="ctr">
               <a:buNone/>
-              <a:defRPr sz="3600" b="0" i="0" spc="300">
+              <a:defRPr sz="2800" b="1" i="0" spc="0" baseline="0">
                 <a:solidFill>
-                  <a:srgbClr val="4B0706"/>
+                  <a:schemeClr val="accent5">
+                    <a:lumMod val="75000"/>
+                  </a:schemeClr>
                 </a:solidFill>
-                <a:latin typeface="PingFang SC" panose="020B0400000000000000" pitchFamily="34" charset="-122"/>
+                <a:latin typeface="Calibri" panose="020F0502020204030204" pitchFamily="34" charset="0"/>
                 <a:ea typeface="PingFang SC" panose="020B0400000000000000" pitchFamily="34" charset="-122"/>
                 <a:cs typeface="Helvetica Neue" panose="02000503000000020004" pitchFamily="2" charset="0"/>
               </a:defRPr>
@@ -742,12 +712,102 @@
           </a:p>
         </p:txBody>
       </p:sp>
-      <p:sp>
-        <p:nvSpPr>
-          <p:cNvPr id="93" name="Rectangle 92">
-            <a:extLst>
-              <a:ext uri="{FF2B5EF4-FFF2-40B4-BE49-F238E27FC236}">
-                <a16:creationId xmlns:a16="http://schemas.microsoft.com/office/drawing/2014/main" id="{1AD5B537-5D39-554B-A1F8-4FCE13B53844}"/>
+      <p:pic>
+        <p:nvPicPr>
+          <p:cNvPr id="12" name="Picture 11">
+            <a:extLst>
+              <a:ext uri="{FF2B5EF4-FFF2-40B4-BE49-F238E27FC236}">
+                <a16:creationId xmlns:a16="http://schemas.microsoft.com/office/drawing/2014/main" id="{0B6175AA-159C-0D49-94BD-28FE445DCF3C}"/>
+              </a:ext>
+            </a:extLst>
+          </p:cNvPr>
+          <p:cNvPicPr>
+            <a:picLocks noChangeAspect="1"/>
+          </p:cNvPicPr>
+          <p:nvPr userDrawn="1"/>
+        </p:nvPicPr>
+        <p:blipFill>
+          <a:blip r:embed="rId2"/>
+          <a:stretch>
+            <a:fillRect/>
+          </a:stretch>
+        </p:blipFill>
+        <p:spPr>
+          <a:xfrm>
+            <a:off x="3328743" y="5396911"/>
+            <a:ext cx="900000" cy="900000"/>
+          </a:xfrm>
+          <a:prstGeom prst="rect">
+            <a:avLst/>
+          </a:prstGeom>
+        </p:spPr>
+      </p:pic>
+      <p:pic>
+        <p:nvPicPr>
+          <p:cNvPr id="13" name="Picture 12">
+            <a:extLst>
+              <a:ext uri="{FF2B5EF4-FFF2-40B4-BE49-F238E27FC236}">
+                <a16:creationId xmlns:a16="http://schemas.microsoft.com/office/drawing/2014/main" id="{08D38B44-4A1F-CD42-B31A-6AFF4956B974}"/>
+              </a:ext>
+            </a:extLst>
+          </p:cNvPr>
+          <p:cNvPicPr>
+            <a:picLocks noChangeAspect="1"/>
+          </p:cNvPicPr>
+          <p:nvPr userDrawn="1"/>
+        </p:nvPicPr>
+        <p:blipFill>
+          <a:blip r:embed="rId3"/>
+          <a:stretch>
+            <a:fillRect/>
+          </a:stretch>
+        </p:blipFill>
+        <p:spPr>
+          <a:xfrm>
+            <a:off x="7463654" y="561089"/>
+            <a:ext cx="4144864" cy="5735822"/>
+          </a:xfrm>
+          <a:prstGeom prst="rect">
+            <a:avLst/>
+          </a:prstGeom>
+        </p:spPr>
+      </p:pic>
+    </p:spTree>
+    <p:extLst>
+      <p:ext uri="{BB962C8B-B14F-4D97-AF65-F5344CB8AC3E}">
+        <p14:creationId xmlns:p14="http://schemas.microsoft.com/office/powerpoint/2010/main" val="3853228183"/>
+      </p:ext>
+    </p:extLst>
+  </p:cSld>
+  <p:clrMapOvr>
+    <a:masterClrMapping/>
+  </p:clrMapOvr>
+</p:sldLayout>
+</file>
+
+<file path=ppt/slideLayouts/slideLayout2.xml><?xml version="1.0" encoding="utf-8"?>
+<p:sldLayout xmlns:a="http://schemas.openxmlformats.org/drawingml/2006/main" xmlns:r="http://schemas.openxmlformats.org/officeDocument/2006/relationships" xmlns:p="http://schemas.openxmlformats.org/presentationml/2006/main" preserve="1" userDrawn="1">
+  <p:cSld name="Default">
+    <p:spTree>
+      <p:nvGrpSpPr>
+        <p:cNvPr id="1" name=""/>
+        <p:cNvGrpSpPr/>
+        <p:nvPr/>
+      </p:nvGrpSpPr>
+      <p:grpSpPr>
+        <a:xfrm>
+          <a:off x="0" y="0"/>
+          <a:ext cx="0" cy="0"/>
+          <a:chOff x="0" y="0"/>
+          <a:chExt cx="0" cy="0"/>
+        </a:xfrm>
+      </p:grpSpPr>
+      <p:sp>
+        <p:nvSpPr>
+          <p:cNvPr id="2" name="Rounded Rectangle 1">
+            <a:extLst>
+              <a:ext uri="{FF2B5EF4-FFF2-40B4-BE49-F238E27FC236}">
+                <a16:creationId xmlns:a16="http://schemas.microsoft.com/office/drawing/2014/main" id="{CD0F270A-6925-B44D-9741-79097D96F3C4}"/>
               </a:ext>
             </a:extLst>
           </p:cNvPr>
@@ -756,15 +816,15 @@
         </p:nvSpPr>
         <p:spPr>
           <a:xfrm>
-            <a:off x="882157" y="3055652"/>
-            <a:ext cx="1080000" cy="72000"/>
-          </a:xfrm>
-          <a:prstGeom prst="rect">
-            <a:avLst/>
-          </a:prstGeom>
-          <a:solidFill>
-            <a:srgbClr val="E9473F"/>
-          </a:solidFill>
+            <a:off x="767407" y="2145394"/>
+            <a:ext cx="10656613" cy="369332"/>
+          </a:xfrm>
+          <a:prstGeom prst="roundRect">
+            <a:avLst>
+              <a:gd name="adj" fmla="val 0"/>
+            </a:avLst>
+          </a:prstGeom>
+          <a:noFill/>
           <a:ln>
             <a:noFill/>
           </a:ln>
@@ -789,367 +849,97 @@
           <a:bodyPr rtlCol="0" anchor="ctr"/>
           <a:lstStyle/>
           <a:p>
-            <a:pPr algn="ctr"/>
-            <a:endParaRPr lang="en-CN"/>
-          </a:p>
-        </p:txBody>
-      </p:sp>
-      <p:pic>
-        <p:nvPicPr>
-          <p:cNvPr id="4" name="Picture 3">
-            <a:extLst>
-              <a:ext uri="{FF2B5EF4-FFF2-40B4-BE49-F238E27FC236}">
-                <a16:creationId xmlns:a16="http://schemas.microsoft.com/office/drawing/2014/main" id="{A080AA85-60DF-D54E-B3FB-C69C7412560E}"/>
-              </a:ext>
-            </a:extLst>
-          </p:cNvPr>
-          <p:cNvPicPr>
-            <a:picLocks noChangeAspect="1"/>
-          </p:cNvPicPr>
-          <p:nvPr userDrawn="1"/>
-        </p:nvPicPr>
-        <p:blipFill>
-          <a:blip r:embed="rId3"/>
-          <a:stretch>
-            <a:fillRect/>
-          </a:stretch>
-        </p:blipFill>
-        <p:spPr>
-          <a:xfrm>
-            <a:off x="9103116" y="2612922"/>
-            <a:ext cx="2206727" cy="2206727"/>
-          </a:xfrm>
-          <a:prstGeom prst="rect">
-            <a:avLst/>
-          </a:prstGeom>
-        </p:spPr>
-      </p:pic>
-      <p:pic>
-        <p:nvPicPr>
-          <p:cNvPr id="7" name="Picture 6">
-            <a:extLst>
-              <a:ext uri="{FF2B5EF4-FFF2-40B4-BE49-F238E27FC236}">
-                <a16:creationId xmlns:a16="http://schemas.microsoft.com/office/drawing/2014/main" id="{02320B6E-0A86-7D46-9DC1-C104E9730708}"/>
-              </a:ext>
-            </a:extLst>
-          </p:cNvPr>
-          <p:cNvPicPr>
-            <a:picLocks noChangeAspect="1"/>
-          </p:cNvPicPr>
-          <p:nvPr userDrawn="1"/>
-        </p:nvPicPr>
-        <p:blipFill>
-          <a:blip r:embed="rId4"/>
-          <a:stretch>
-            <a:fillRect/>
-          </a:stretch>
-        </p:blipFill>
-        <p:spPr>
-          <a:xfrm>
-            <a:off x="774551" y="5611950"/>
-            <a:ext cx="900000" cy="900000"/>
-          </a:xfrm>
-          <a:prstGeom prst="rect">
-            <a:avLst/>
-          </a:prstGeom>
-        </p:spPr>
-      </p:pic>
-    </p:spTree>
-    <p:extLst>
-      <p:ext uri="{BB962C8B-B14F-4D97-AF65-F5344CB8AC3E}">
-        <p14:creationId xmlns:p14="http://schemas.microsoft.com/office/powerpoint/2010/main" val="205283214"/>
-      </p:ext>
-    </p:extLst>
-  </p:cSld>
-  <p:clrMapOvr>
-    <a:masterClrMapping/>
-  </p:clrMapOvr>
-</p:sldLayout>
-</file>
-
-<file path=ppt/slideLayouts/slideLayout2.xml><?xml version="1.0" encoding="utf-8"?>
-<p:sldLayout xmlns:a="http://schemas.openxmlformats.org/drawingml/2006/main" xmlns:r="http://schemas.openxmlformats.org/officeDocument/2006/relationships" xmlns:p="http://schemas.openxmlformats.org/presentationml/2006/main" preserve="1" userDrawn="1">
-  <p:cSld name="Opening for spanish">
-    <p:bg>
-      <p:bgPr>
-        <a:solidFill>
-          <a:srgbClr val="E3A501">
-            <a:alpha val="10000"/>
-          </a:srgbClr>
-        </a:solidFill>
-        <a:effectLst/>
-      </p:bgPr>
-    </p:bg>
-    <p:spTree>
-      <p:nvGrpSpPr>
-        <p:cNvPr id="1" name=""/>
-        <p:cNvGrpSpPr/>
-        <p:nvPr/>
-      </p:nvGrpSpPr>
-      <p:grpSpPr>
-        <a:xfrm>
-          <a:off x="0" y="0"/>
-          <a:ext cx="0" cy="0"/>
-          <a:chOff x="0" y="0"/>
-          <a:chExt cx="0" cy="0"/>
-        </a:xfrm>
-      </p:grpSpPr>
-      <p:pic>
-        <p:nvPicPr>
-          <p:cNvPr id="5" name="Picture 4">
-            <a:extLst>
-              <a:ext uri="{FF2B5EF4-FFF2-40B4-BE49-F238E27FC236}">
-                <a16:creationId xmlns:a16="http://schemas.microsoft.com/office/drawing/2014/main" id="{B71516F5-0FF8-4447-8AC2-D1781656E7BB}"/>
-              </a:ext>
-            </a:extLst>
-          </p:cNvPr>
-          <p:cNvPicPr>
-            <a:picLocks noChangeAspect="1"/>
-          </p:cNvPicPr>
-          <p:nvPr userDrawn="1"/>
-        </p:nvPicPr>
-        <p:blipFill>
-          <a:blip r:embed="rId2"/>
-          <a:stretch>
-            <a:fillRect/>
-          </a:stretch>
-        </p:blipFill>
-        <p:spPr>
-          <a:xfrm>
-            <a:off x="0" y="0"/>
-            <a:ext cx="12192000" cy="6858000"/>
-          </a:xfrm>
-          <a:prstGeom prst="rect">
-            <a:avLst/>
-          </a:prstGeom>
-        </p:spPr>
-      </p:pic>
-      <p:sp>
-        <p:nvSpPr>
-          <p:cNvPr id="91" name="Text Placeholder 6">
-            <a:extLst>
-              <a:ext uri="{FF2B5EF4-FFF2-40B4-BE49-F238E27FC236}">
-                <a16:creationId xmlns:a16="http://schemas.microsoft.com/office/drawing/2014/main" id="{24C3FF9E-7065-F74E-BBE4-40BDC1CA7B1F}"/>
-              </a:ext>
-            </a:extLst>
-          </p:cNvPr>
-          <p:cNvSpPr>
-            <a:spLocks noGrp="1"/>
-          </p:cNvSpPr>
-          <p:nvPr userDrawn="1">
-            <p:ph type="body" sz="quarter" idx="10" hasCustomPrompt="1"/>
-          </p:nvPr>
-        </p:nvSpPr>
-        <p:spPr>
-          <a:xfrm>
-            <a:off x="774551" y="685760"/>
-            <a:ext cx="6997849" cy="2143125"/>
-          </a:xfrm>
-          <a:prstGeom prst="rect">
-            <a:avLst/>
-          </a:prstGeom>
-        </p:spPr>
-        <p:txBody>
-          <a:bodyPr vert="horz" anchor="b"/>
-          <a:lstStyle>
-            <a:lvl1pPr marL="0" indent="0" algn="l">
-              <a:buNone/>
-              <a:defRPr sz="4000" b="0" i="0">
+            <a:r>
+              <a:rPr lang="en-US" altLang="zh-CN" sz="1600" b="1" dirty="0">
                 <a:solidFill>
-                  <a:srgbClr val="4B0706"/>
-                </a:solidFill>
-                <a:latin typeface="Roboto Black" pitchFamily="2" charset="0"/>
-                <a:ea typeface="Roboto Black" pitchFamily="2" charset="0"/>
-                <a:cs typeface="Helvetica Neue Medium" panose="02000503000000020004" pitchFamily="2" charset="0"/>
-              </a:defRPr>
-            </a:lvl1pPr>
-            <a:lvl2pPr>
-              <a:defRPr>
-                <a:solidFill>
-                  <a:schemeClr val="tx1">
-                    <a:lumMod val="95000"/>
-                    <a:lumOff val="5000"/>
+                  <a:schemeClr val="accent6">
+                    <a:lumMod val="40000"/>
+                    <a:lumOff val="60000"/>
                   </a:schemeClr>
                 </a:solidFill>
-                <a:latin typeface="Helvetica Neue" panose="02000503000000020004" pitchFamily="2" charset="0"/>
-                <a:ea typeface="Helvetica Neue" panose="02000503000000020004" pitchFamily="2" charset="0"/>
-                <a:cs typeface="Helvetica Neue" panose="02000503000000020004" pitchFamily="2" charset="0"/>
-              </a:defRPr>
-            </a:lvl2pPr>
-            <a:lvl3pPr>
-              <a:defRPr>
+                <a:latin typeface="+mj-lt"/>
+                <a:ea typeface="PingFang SC" panose="020B0400000000000000" pitchFamily="34" charset="-122"/>
+              </a:rPr>
+              <a:t>//</a:t>
+            </a:r>
+            <a:r>
+              <a:rPr lang="zh-CN" altLang="en-US" sz="1600" b="1" dirty="0">
                 <a:solidFill>
-                  <a:schemeClr val="tx1">
-                    <a:lumMod val="95000"/>
-                    <a:lumOff val="5000"/>
+                  <a:schemeClr val="accent6">
+                    <a:lumMod val="40000"/>
+                    <a:lumOff val="60000"/>
                   </a:schemeClr>
                 </a:solidFill>
-                <a:latin typeface="Helvetica Neue" panose="02000503000000020004" pitchFamily="2" charset="0"/>
-                <a:ea typeface="Helvetica Neue" panose="02000503000000020004" pitchFamily="2" charset="0"/>
-                <a:cs typeface="Helvetica Neue" panose="02000503000000020004" pitchFamily="2" charset="0"/>
-              </a:defRPr>
-            </a:lvl3pPr>
-            <a:lvl4pPr>
-              <a:defRPr>
-                <a:solidFill>
-                  <a:schemeClr val="tx1">
-                    <a:lumMod val="95000"/>
-                    <a:lumOff val="5000"/>
-                  </a:schemeClr>
-                </a:solidFill>
-                <a:latin typeface="Helvetica Neue" panose="02000503000000020004" pitchFamily="2" charset="0"/>
-                <a:ea typeface="Helvetica Neue" panose="02000503000000020004" pitchFamily="2" charset="0"/>
-                <a:cs typeface="Helvetica Neue" panose="02000503000000020004" pitchFamily="2" charset="0"/>
-              </a:defRPr>
-            </a:lvl4pPr>
-            <a:lvl5pPr>
-              <a:defRPr>
-                <a:solidFill>
-                  <a:schemeClr val="tx1">
-                    <a:lumMod val="95000"/>
-                    <a:lumOff val="5000"/>
-                  </a:schemeClr>
-                </a:solidFill>
-                <a:latin typeface="Helvetica Neue" panose="02000503000000020004" pitchFamily="2" charset="0"/>
-                <a:ea typeface="Helvetica Neue" panose="02000503000000020004" pitchFamily="2" charset="0"/>
-                <a:cs typeface="Helvetica Neue" panose="02000503000000020004" pitchFamily="2" charset="0"/>
-              </a:defRPr>
-            </a:lvl5pPr>
-          </a:lstStyle>
-          <a:p>
-            <a:pPr lvl="0"/>
-            <a:r>
-              <a:rPr lang="en-US" dirty="0"/>
-              <a:t>Presentation</a:t>
-            </a:r>
-            <a:r>
-              <a:rPr lang="zh-CN" altLang="en-US" dirty="0"/>
-              <a:t> </a:t>
-            </a:r>
-            <a:r>
-              <a:rPr lang="en-US" altLang="zh-CN" dirty="0"/>
-              <a:t>Title</a:t>
-            </a:r>
-            <a:endParaRPr lang="en-US" dirty="0"/>
-          </a:p>
-        </p:txBody>
-      </p:sp>
-      <p:sp>
-        <p:nvSpPr>
-          <p:cNvPr id="92" name="Text Placeholder 6">
-            <a:extLst>
-              <a:ext uri="{FF2B5EF4-FFF2-40B4-BE49-F238E27FC236}">
-                <a16:creationId xmlns:a16="http://schemas.microsoft.com/office/drawing/2014/main" id="{F5CDB6B1-91C8-6B40-BBBD-7C6446BC9D7C}"/>
-              </a:ext>
-            </a:extLst>
-          </p:cNvPr>
-          <p:cNvSpPr>
-            <a:spLocks noGrp="1"/>
-          </p:cNvSpPr>
-          <p:nvPr userDrawn="1">
-            <p:ph type="body" sz="quarter" idx="11" hasCustomPrompt="1"/>
-          </p:nvPr>
-        </p:nvSpPr>
-        <p:spPr>
-          <a:xfrm>
-            <a:off x="774551" y="3335551"/>
-            <a:ext cx="6997849" cy="1131008"/>
-          </a:xfrm>
-          <a:prstGeom prst="rect">
+                <a:latin typeface="+mj-lt"/>
+                <a:ea typeface="PingFang SC" panose="020B0400000000000000" pitchFamily="34" charset="-122"/>
+              </a:rPr>
+              <a:t> 短语</a:t>
+            </a:r>
+            <a:endParaRPr lang="en-JP" sz="1600" b="1" dirty="0">
+              <a:solidFill>
+                <a:schemeClr val="accent6">
+                  <a:lumMod val="40000"/>
+                  <a:lumOff val="60000"/>
+                </a:schemeClr>
+              </a:solidFill>
+              <a:latin typeface="+mj-lt"/>
+              <a:ea typeface="PingFang SC" panose="020B0400000000000000" pitchFamily="34" charset="-122"/>
+            </a:endParaRPr>
+          </a:p>
+        </p:txBody>
+      </p:sp>
+      <p:cxnSp>
+        <p:nvCxnSpPr>
+          <p:cNvPr id="3" name="Straight Connector 2">
+            <a:extLst>
+              <a:ext uri="{FF2B5EF4-FFF2-40B4-BE49-F238E27FC236}">
+                <a16:creationId xmlns:a16="http://schemas.microsoft.com/office/drawing/2014/main" id="{A110541B-0762-AD40-85A6-0112C3E8AC0E}"/>
+              </a:ext>
+            </a:extLst>
+          </p:cNvPr>
+          <p:cNvCxnSpPr>
+            <a:cxnSpLocks/>
+          </p:cNvCxnSpPr>
+          <p:nvPr userDrawn="1"/>
+        </p:nvCxnSpPr>
+        <p:spPr>
+          <a:xfrm>
+            <a:off x="767408" y="2514726"/>
+            <a:ext cx="10656613" cy="0"/>
+          </a:xfrm>
+          <a:prstGeom prst="line">
             <a:avLst/>
           </a:prstGeom>
-        </p:spPr>
-        <p:txBody>
-          <a:bodyPr vert="horz" anchor="t"/>
-          <a:lstStyle>
-            <a:lvl1pPr marL="0" indent="0" algn="l">
-              <a:buNone/>
-              <a:defRPr sz="2400" b="1" i="0" spc="0">
-                <a:solidFill>
-                  <a:srgbClr val="4B0706"/>
-                </a:solidFill>
-                <a:latin typeface="Roboto" pitchFamily="2" charset="0"/>
-                <a:ea typeface="Roboto" pitchFamily="2" charset="0"/>
-                <a:cs typeface="Helvetica Neue" panose="02000503000000020004" pitchFamily="2" charset="0"/>
-              </a:defRPr>
-            </a:lvl1pPr>
-            <a:lvl2pPr>
-              <a:defRPr>
-                <a:solidFill>
-                  <a:schemeClr val="tx1">
-                    <a:lumMod val="95000"/>
-                    <a:lumOff val="5000"/>
-                  </a:schemeClr>
-                </a:solidFill>
-                <a:latin typeface="Helvetica Neue" panose="02000503000000020004" pitchFamily="2" charset="0"/>
-                <a:ea typeface="Helvetica Neue" panose="02000503000000020004" pitchFamily="2" charset="0"/>
-                <a:cs typeface="Helvetica Neue" panose="02000503000000020004" pitchFamily="2" charset="0"/>
-              </a:defRPr>
-            </a:lvl2pPr>
-            <a:lvl3pPr>
-              <a:defRPr>
-                <a:solidFill>
-                  <a:schemeClr val="tx1">
-                    <a:lumMod val="95000"/>
-                    <a:lumOff val="5000"/>
-                  </a:schemeClr>
-                </a:solidFill>
-                <a:latin typeface="Helvetica Neue" panose="02000503000000020004" pitchFamily="2" charset="0"/>
-                <a:ea typeface="Helvetica Neue" panose="02000503000000020004" pitchFamily="2" charset="0"/>
-                <a:cs typeface="Helvetica Neue" panose="02000503000000020004" pitchFamily="2" charset="0"/>
-              </a:defRPr>
-            </a:lvl3pPr>
-            <a:lvl4pPr>
-              <a:defRPr>
-                <a:solidFill>
-                  <a:schemeClr val="tx1">
-                    <a:lumMod val="95000"/>
-                    <a:lumOff val="5000"/>
-                  </a:schemeClr>
-                </a:solidFill>
-                <a:latin typeface="Helvetica Neue" panose="02000503000000020004" pitchFamily="2" charset="0"/>
-                <a:ea typeface="Helvetica Neue" panose="02000503000000020004" pitchFamily="2" charset="0"/>
-                <a:cs typeface="Helvetica Neue" panose="02000503000000020004" pitchFamily="2" charset="0"/>
-              </a:defRPr>
-            </a:lvl4pPr>
-            <a:lvl5pPr>
-              <a:defRPr>
-                <a:solidFill>
-                  <a:schemeClr val="tx1">
-                    <a:lumMod val="95000"/>
-                    <a:lumOff val="5000"/>
-                  </a:schemeClr>
-                </a:solidFill>
-                <a:latin typeface="Helvetica Neue" panose="02000503000000020004" pitchFamily="2" charset="0"/>
-                <a:ea typeface="Helvetica Neue" panose="02000503000000020004" pitchFamily="2" charset="0"/>
-                <a:cs typeface="Helvetica Neue" panose="02000503000000020004" pitchFamily="2" charset="0"/>
-              </a:defRPr>
-            </a:lvl5pPr>
-          </a:lstStyle>
-          <a:p>
-            <a:pPr lvl="0"/>
-            <a:r>
-              <a:rPr lang="en-US" dirty="0"/>
-              <a:t>Presentation</a:t>
-            </a:r>
-            <a:r>
-              <a:rPr lang="zh-CN" altLang="en-US" dirty="0"/>
-              <a:t> </a:t>
-            </a:r>
-            <a:r>
-              <a:rPr lang="en-US" altLang="zh-CN" dirty="0"/>
-              <a:t>Subtitle</a:t>
-            </a:r>
-            <a:endParaRPr lang="en-US" dirty="0"/>
-          </a:p>
-        </p:txBody>
-      </p:sp>
-      <p:sp>
-        <p:nvSpPr>
-          <p:cNvPr id="93" name="Rectangle 92">
-            <a:extLst>
-              <a:ext uri="{FF2B5EF4-FFF2-40B4-BE49-F238E27FC236}">
-                <a16:creationId xmlns:a16="http://schemas.microsoft.com/office/drawing/2014/main" id="{1AD5B537-5D39-554B-A1F8-4FCE13B53844}"/>
+          <a:ln w="12700">
+            <a:solidFill>
+              <a:schemeClr val="accent6">
+                <a:lumMod val="20000"/>
+                <a:lumOff val="80000"/>
+              </a:schemeClr>
+            </a:solidFill>
+          </a:ln>
+        </p:spPr>
+        <p:style>
+          <a:lnRef idx="1">
+            <a:schemeClr val="accent1"/>
+          </a:lnRef>
+          <a:fillRef idx="0">
+            <a:schemeClr val="accent1"/>
+          </a:fillRef>
+          <a:effectRef idx="0">
+            <a:schemeClr val="accent1"/>
+          </a:effectRef>
+          <a:fontRef idx="minor">
+            <a:schemeClr val="tx1"/>
+          </a:fontRef>
+        </p:style>
+      </p:cxnSp>
+      <p:sp>
+        <p:nvSpPr>
+          <p:cNvPr id="6" name="Rounded Rectangle 5">
+            <a:extLst>
+              <a:ext uri="{FF2B5EF4-FFF2-40B4-BE49-F238E27FC236}">
+                <a16:creationId xmlns:a16="http://schemas.microsoft.com/office/drawing/2014/main" id="{F97DED02-ECDC-E245-A531-A00DB2F31738}"/>
               </a:ext>
             </a:extLst>
           </p:cNvPr>
@@ -1158,14 +948,20 @@
         </p:nvSpPr>
         <p:spPr>
           <a:xfrm>
-            <a:off x="882157" y="3055652"/>
-            <a:ext cx="1080000" cy="72000"/>
-          </a:xfrm>
-          <a:prstGeom prst="rect">
-            <a:avLst/>
+            <a:off x="749272" y="548680"/>
+            <a:ext cx="10747327" cy="1420811"/>
+          </a:xfrm>
+          <a:prstGeom prst="roundRect">
+            <a:avLst>
+              <a:gd name="adj" fmla="val 4715"/>
+            </a:avLst>
           </a:prstGeom>
           <a:solidFill>
-            <a:srgbClr val="E9473F"/>
+            <a:schemeClr val="accent6">
+              <a:lumMod val="20000"/>
+              <a:lumOff val="80000"/>
+              <a:alpha val="30000"/>
+            </a:schemeClr>
           </a:solidFill>
           <a:ln>
             <a:noFill/>
@@ -1192,275 +988,14 @@
           <a:lstStyle/>
           <a:p>
             <a:pPr algn="ctr"/>
-            <a:endParaRPr lang="en-CN"/>
-          </a:p>
-        </p:txBody>
-      </p:sp>
-      <p:pic>
-        <p:nvPicPr>
-          <p:cNvPr id="4" name="Picture 3">
-            <a:extLst>
-              <a:ext uri="{FF2B5EF4-FFF2-40B4-BE49-F238E27FC236}">
-                <a16:creationId xmlns:a16="http://schemas.microsoft.com/office/drawing/2014/main" id="{A080AA85-60DF-D54E-B3FB-C69C7412560E}"/>
-              </a:ext>
-            </a:extLst>
-          </p:cNvPr>
-          <p:cNvPicPr>
-            <a:picLocks noChangeAspect="1"/>
-          </p:cNvPicPr>
-          <p:nvPr userDrawn="1"/>
-        </p:nvPicPr>
-        <p:blipFill>
-          <a:blip r:embed="rId3"/>
-          <a:stretch>
-            <a:fillRect/>
-          </a:stretch>
-        </p:blipFill>
-        <p:spPr>
-          <a:xfrm>
-            <a:off x="9103116" y="2612922"/>
-            <a:ext cx="2206727" cy="2206727"/>
-          </a:xfrm>
-          <a:prstGeom prst="rect">
-            <a:avLst/>
-          </a:prstGeom>
-        </p:spPr>
-      </p:pic>
-      <p:pic>
-        <p:nvPicPr>
-          <p:cNvPr id="7" name="Picture 6">
-            <a:extLst>
-              <a:ext uri="{FF2B5EF4-FFF2-40B4-BE49-F238E27FC236}">
-                <a16:creationId xmlns:a16="http://schemas.microsoft.com/office/drawing/2014/main" id="{02320B6E-0A86-7D46-9DC1-C104E9730708}"/>
-              </a:ext>
-            </a:extLst>
-          </p:cNvPr>
-          <p:cNvPicPr>
-            <a:picLocks noChangeAspect="1"/>
-          </p:cNvPicPr>
-          <p:nvPr userDrawn="1"/>
-        </p:nvPicPr>
-        <p:blipFill>
-          <a:blip r:embed="rId4"/>
-          <a:stretch>
-            <a:fillRect/>
-          </a:stretch>
-        </p:blipFill>
-        <p:spPr>
-          <a:xfrm>
-            <a:off x="774551" y="5611950"/>
-            <a:ext cx="900000" cy="900000"/>
-          </a:xfrm>
-          <a:prstGeom prst="rect">
-            <a:avLst/>
-          </a:prstGeom>
-        </p:spPr>
-      </p:pic>
-    </p:spTree>
-    <p:extLst>
-      <p:ext uri="{BB962C8B-B14F-4D97-AF65-F5344CB8AC3E}">
-        <p14:creationId xmlns:p14="http://schemas.microsoft.com/office/powerpoint/2010/main" val="3853228183"/>
-      </p:ext>
-    </p:extLst>
-  </p:cSld>
-  <p:clrMapOvr>
-    <a:masterClrMapping/>
-  </p:clrMapOvr>
-</p:sldLayout>
-</file>
-
-<file path=ppt/slideLayouts/slideLayout3.xml><?xml version="1.0" encoding="utf-8"?>
-<p:sldLayout xmlns:a="http://schemas.openxmlformats.org/drawingml/2006/main" xmlns:r="http://schemas.openxmlformats.org/officeDocument/2006/relationships" xmlns:p="http://schemas.openxmlformats.org/presentationml/2006/main" preserve="1" userDrawn="1">
-  <p:cSld name="Default">
-    <p:spTree>
-      <p:nvGrpSpPr>
-        <p:cNvPr id="1" name=""/>
-        <p:cNvGrpSpPr/>
-        <p:nvPr/>
-      </p:nvGrpSpPr>
-      <p:grpSpPr>
-        <a:xfrm>
-          <a:off x="0" y="0"/>
-          <a:ext cx="0" cy="0"/>
-          <a:chOff x="0" y="0"/>
-          <a:chExt cx="0" cy="0"/>
-        </a:xfrm>
-      </p:grpSpPr>
-      <p:sp>
-        <p:nvSpPr>
-          <p:cNvPr id="2" name="Rounded Rectangle 1">
-            <a:extLst>
-              <a:ext uri="{FF2B5EF4-FFF2-40B4-BE49-F238E27FC236}">
-                <a16:creationId xmlns:a16="http://schemas.microsoft.com/office/drawing/2014/main" id="{CD0F270A-6925-B44D-9741-79097D96F3C4}"/>
-              </a:ext>
-            </a:extLst>
-          </p:cNvPr>
-          <p:cNvSpPr/>
-          <p:nvPr userDrawn="1"/>
-        </p:nvSpPr>
-        <p:spPr>
-          <a:xfrm>
-            <a:off x="839416" y="2145394"/>
-            <a:ext cx="3446718" cy="369332"/>
-          </a:xfrm>
-          <a:prstGeom prst="roundRect">
-            <a:avLst>
-              <a:gd name="adj" fmla="val 15851"/>
-            </a:avLst>
-          </a:prstGeom>
-          <a:noFill/>
-          <a:ln>
-            <a:noFill/>
-          </a:ln>
-        </p:spPr>
-        <p:style>
-          <a:lnRef idx="2">
-            <a:schemeClr val="accent1">
-              <a:shade val="50000"/>
-            </a:schemeClr>
-          </a:lnRef>
-          <a:fillRef idx="1">
-            <a:schemeClr val="accent1"/>
-          </a:fillRef>
-          <a:effectRef idx="0">
-            <a:schemeClr val="accent1"/>
-          </a:effectRef>
-          <a:fontRef idx="minor">
-            <a:schemeClr val="lt1"/>
-          </a:fontRef>
-        </p:style>
-        <p:txBody>
-          <a:bodyPr rtlCol="0" anchor="ctr"/>
-          <a:lstStyle/>
-          <a:p>
-            <a:r>
-              <a:rPr lang="en-US" altLang="zh-CN" sz="1200" b="1" dirty="0">
-                <a:solidFill>
-                  <a:srgbClr val="A78078"/>
-                </a:solidFill>
-                <a:latin typeface="PingFang SC" panose="020B0400000000000000" pitchFamily="34" charset="-122"/>
-                <a:ea typeface="PingFang SC" panose="020B0400000000000000" pitchFamily="34" charset="-122"/>
-              </a:rPr>
-              <a:t>//</a:t>
-            </a:r>
-            <a:r>
-              <a:rPr lang="zh-CN" altLang="en-US" sz="1200" b="1" dirty="0">
-                <a:solidFill>
-                  <a:srgbClr val="A78078"/>
-                </a:solidFill>
-                <a:latin typeface="PingFang SC" panose="020B0400000000000000" pitchFamily="34" charset="-122"/>
-                <a:ea typeface="PingFang SC" panose="020B0400000000000000" pitchFamily="34" charset="-122"/>
-              </a:rPr>
-              <a:t> 短语</a:t>
-            </a:r>
-            <a:endParaRPr lang="en-JP" sz="1200" b="1" dirty="0">
+            <a:endParaRPr lang="en-JP">
               <a:solidFill>
-                <a:srgbClr val="A78078"/>
+                <a:schemeClr val="accent6">
+                  <a:lumMod val="40000"/>
+                  <a:lumOff val="60000"/>
+                </a:schemeClr>
               </a:solidFill>
-              <a:latin typeface="PingFang SC" panose="020B0400000000000000" pitchFamily="34" charset="-122"/>
-              <a:ea typeface="PingFang SC" panose="020B0400000000000000" pitchFamily="34" charset="-122"/>
             </a:endParaRPr>
-          </a:p>
-        </p:txBody>
-      </p:sp>
-      <p:cxnSp>
-        <p:nvCxnSpPr>
-          <p:cNvPr id="3" name="Straight Connector 2">
-            <a:extLst>
-              <a:ext uri="{FF2B5EF4-FFF2-40B4-BE49-F238E27FC236}">
-                <a16:creationId xmlns:a16="http://schemas.microsoft.com/office/drawing/2014/main" id="{A110541B-0762-AD40-85A6-0112C3E8AC0E}"/>
-              </a:ext>
-            </a:extLst>
-          </p:cNvPr>
-          <p:cNvCxnSpPr>
-            <a:cxnSpLocks/>
-          </p:cNvCxnSpPr>
-          <p:nvPr userDrawn="1"/>
-        </p:nvCxnSpPr>
-        <p:spPr>
-          <a:xfrm>
-            <a:off x="767408" y="2514726"/>
-            <a:ext cx="10656613" cy="0"/>
-          </a:xfrm>
-          <a:prstGeom prst="line">
-            <a:avLst/>
-          </a:prstGeom>
-          <a:ln w="12700">
-            <a:solidFill>
-              <a:schemeClr val="bg1">
-                <a:lumMod val="85000"/>
-              </a:schemeClr>
-            </a:solidFill>
-          </a:ln>
-        </p:spPr>
-        <p:style>
-          <a:lnRef idx="1">
-            <a:schemeClr val="accent1"/>
-          </a:lnRef>
-          <a:fillRef idx="0">
-            <a:schemeClr val="accent1"/>
-          </a:fillRef>
-          <a:effectRef idx="0">
-            <a:schemeClr val="accent1"/>
-          </a:effectRef>
-          <a:fontRef idx="minor">
-            <a:schemeClr val="tx1"/>
-          </a:fontRef>
-        </p:style>
-      </p:cxnSp>
-      <p:sp>
-        <p:nvSpPr>
-          <p:cNvPr id="6" name="Rounded Rectangle 5">
-            <a:extLst>
-              <a:ext uri="{FF2B5EF4-FFF2-40B4-BE49-F238E27FC236}">
-                <a16:creationId xmlns:a16="http://schemas.microsoft.com/office/drawing/2014/main" id="{F97DED02-ECDC-E245-A531-A00DB2F31738}"/>
-              </a:ext>
-            </a:extLst>
-          </p:cNvPr>
-          <p:cNvSpPr/>
-          <p:nvPr userDrawn="1"/>
-        </p:nvSpPr>
-        <p:spPr>
-          <a:xfrm>
-            <a:off x="749272" y="548680"/>
-            <a:ext cx="10747327" cy="1420811"/>
-          </a:xfrm>
-          <a:prstGeom prst="roundRect">
-            <a:avLst>
-              <a:gd name="adj" fmla="val 4715"/>
-            </a:avLst>
-          </a:prstGeom>
-          <a:solidFill>
-            <a:srgbClr val="4B0707">
-              <a:alpha val="2000"/>
-            </a:srgbClr>
-          </a:solidFill>
-          <a:ln>
-            <a:noFill/>
-          </a:ln>
-        </p:spPr>
-        <p:style>
-          <a:lnRef idx="2">
-            <a:schemeClr val="accent1">
-              <a:shade val="50000"/>
-            </a:schemeClr>
-          </a:lnRef>
-          <a:fillRef idx="1">
-            <a:schemeClr val="accent1"/>
-          </a:fillRef>
-          <a:effectRef idx="0">
-            <a:schemeClr val="accent1"/>
-          </a:effectRef>
-          <a:fontRef idx="minor">
-            <a:schemeClr val="lt1"/>
-          </a:fontRef>
-        </p:style>
-        <p:txBody>
-          <a:bodyPr rtlCol="0" anchor="ctr"/>
-          <a:lstStyle/>
-          <a:p>
-            <a:pPr algn="ctr"/>
-            <a:endParaRPr lang="en-JP"/>
           </a:p>
         </p:txBody>
       </p:sp>
@@ -1509,13 +1044,13 @@
               <a:buFont typeface="Wingdings 2" panose="05020102010507070707" pitchFamily="18" charset="2"/>
               <a:buNone/>
               <a:tabLst/>
-              <a:defRPr lang="en-US" sz="1800" b="0" i="0" kern="1200" dirty="0">
+              <a:defRPr lang="en-US" sz="1800" b="1" i="0" kern="1200" dirty="0">
                 <a:solidFill>
-                  <a:schemeClr val="accent3">
+                  <a:schemeClr val="accent1">
                     <a:lumMod val="75000"/>
                   </a:schemeClr>
                 </a:solidFill>
-                <a:latin typeface="Roboto Medium" pitchFamily="2" charset="0"/>
+                <a:latin typeface="+mj-lt"/>
                 <a:ea typeface="Roboto Medium" pitchFamily="2" charset="0"/>
                 <a:cs typeface="+mn-cs"/>
               </a:defRPr>
@@ -1613,9 +1148,11 @@
               <a:buNone/>
               <a:defRPr sz="1600" b="0" i="0">
                 <a:solidFill>
-                  <a:srgbClr val="4B0707"/>
+                  <a:schemeClr val="accent1">
+                    <a:lumMod val="75000"/>
+                  </a:schemeClr>
                 </a:solidFill>
-                <a:latin typeface="PingFang SC Light" panose="020B0300000000000000" pitchFamily="34" charset="-122"/>
+                <a:latin typeface="+mj-lt"/>
                 <a:ea typeface="PingFang SC Light" panose="020B0300000000000000" pitchFamily="34" charset="-122"/>
               </a:defRPr>
             </a:lvl1pPr>
@@ -1660,11 +1197,14 @@
           <a:lstStyle>
             <a:lvl1pPr marL="0" indent="0" algn="l">
               <a:buNone/>
-              <a:defRPr sz="1800" b="0" i="0">
+              <a:defRPr sz="1800" b="1" i="0">
                 <a:solidFill>
-                  <a:srgbClr val="F36F4F"/>
+                  <a:schemeClr val="accent1">
+                    <a:lumMod val="60000"/>
+                    <a:lumOff val="40000"/>
+                  </a:schemeClr>
                 </a:solidFill>
-                <a:latin typeface="Roboto Medium" pitchFamily="2" charset="0"/>
+                <a:latin typeface="+mj-lt"/>
                 <a:ea typeface="Roboto Medium" pitchFamily="2" charset="0"/>
               </a:defRPr>
             </a:lvl1pPr>
@@ -1719,9 +1259,11 @@
               <a:buNone/>
               <a:defRPr sz="1400" b="0" i="0">
                 <a:solidFill>
-                  <a:srgbClr val="4B0707"/>
+                  <a:schemeClr val="accent1">
+                    <a:lumMod val="75000"/>
+                  </a:schemeClr>
                 </a:solidFill>
-                <a:latin typeface="PingFang SC Light" panose="020B0300000000000000" pitchFamily="34" charset="-122"/>
+                <a:latin typeface="+mj-lt"/>
                 <a:ea typeface="PingFang SC Light" panose="020B0300000000000000" pitchFamily="34" charset="-122"/>
               </a:defRPr>
             </a:lvl1pPr>
@@ -1766,11 +1308,14 @@
           <a:lstStyle>
             <a:lvl1pPr marL="0" indent="0" algn="l">
               <a:buNone/>
-              <a:defRPr sz="1800" b="0" i="0">
+              <a:defRPr sz="1800" b="1" i="0">
                 <a:solidFill>
-                  <a:srgbClr val="F36F4F"/>
+                  <a:schemeClr val="accent1">
+                    <a:lumMod val="60000"/>
+                    <a:lumOff val="40000"/>
+                  </a:schemeClr>
                 </a:solidFill>
-                <a:latin typeface="Roboto Medium" pitchFamily="2" charset="0"/>
+                <a:latin typeface="+mj-lt"/>
                 <a:ea typeface="Roboto Medium" pitchFamily="2" charset="0"/>
               </a:defRPr>
             </a:lvl1pPr>
@@ -1825,9 +1370,11 @@
               <a:buNone/>
               <a:defRPr sz="1400" b="0" i="0">
                 <a:solidFill>
-                  <a:srgbClr val="4B0707"/>
+                  <a:schemeClr val="accent1">
+                    <a:lumMod val="75000"/>
+                  </a:schemeClr>
                 </a:solidFill>
-                <a:latin typeface="PingFang SC Light" panose="020B0300000000000000" pitchFamily="34" charset="-122"/>
+                <a:latin typeface="+mj-lt"/>
                 <a:ea typeface="PingFang SC Light" panose="020B0300000000000000" pitchFamily="34" charset="-122"/>
               </a:defRPr>
             </a:lvl1pPr>
@@ -1872,11 +1419,14 @@
           <a:lstStyle>
             <a:lvl1pPr marL="0" indent="0" algn="l">
               <a:buNone/>
-              <a:defRPr sz="1800" b="0" i="0">
+              <a:defRPr sz="1800" b="1" i="0">
                 <a:solidFill>
-                  <a:srgbClr val="F36F4F"/>
+                  <a:schemeClr val="accent1">
+                    <a:lumMod val="60000"/>
+                    <a:lumOff val="40000"/>
+                  </a:schemeClr>
                 </a:solidFill>
-                <a:latin typeface="Roboto Medium" pitchFamily="2" charset="0"/>
+                <a:latin typeface="+mj-lt"/>
                 <a:ea typeface="Roboto Medium" pitchFamily="2" charset="0"/>
               </a:defRPr>
             </a:lvl1pPr>
@@ -1931,9 +1481,11 @@
               <a:buNone/>
               <a:defRPr sz="1400" b="0" i="0">
                 <a:solidFill>
-                  <a:srgbClr val="4B0707"/>
+                  <a:schemeClr val="accent1">
+                    <a:lumMod val="75000"/>
+                  </a:schemeClr>
                 </a:solidFill>
-                <a:latin typeface="PingFang SC Light" panose="020B0300000000000000" pitchFamily="34" charset="-122"/>
+                <a:latin typeface="+mj-lt"/>
                 <a:ea typeface="PingFang SC Light" panose="020B0300000000000000" pitchFamily="34" charset="-122"/>
               </a:defRPr>
             </a:lvl1pPr>
@@ -1961,7 +1513,7 @@
 </p:sldLayout>
 </file>
 
-<file path=ppt/slideLayouts/slideLayout4.xml><?xml version="1.0" encoding="utf-8"?>
+<file path=ppt/slideLayouts/slideLayout3.xml><?xml version="1.0" encoding="utf-8"?>
 <p:sldLayout xmlns:a="http://schemas.openxmlformats.org/drawingml/2006/main" xmlns:r="http://schemas.openxmlformats.org/officeDocument/2006/relationships" xmlns:p="http://schemas.openxmlformats.org/presentationml/2006/main" preserve="1" userDrawn="1">
   <p:cSld name="Phrase and verb">
     <p:spTree>
@@ -2001,9 +1553,11 @@
             </a:avLst>
           </a:prstGeom>
           <a:solidFill>
-            <a:srgbClr val="4B0707">
-              <a:alpha val="2000"/>
-            </a:srgbClr>
+            <a:schemeClr val="accent6">
+              <a:lumMod val="20000"/>
+              <a:lumOff val="80000"/>
+              <a:alpha val="30000"/>
+            </a:schemeClr>
           </a:solidFill>
           <a:ln>
             <a:noFill/>
@@ -2079,13 +1633,13 @@
               <a:buFont typeface="Wingdings 2" panose="05020102010507070707" pitchFamily="18" charset="2"/>
               <a:buNone/>
               <a:tabLst/>
-              <a:defRPr lang="en-US" sz="1800" b="0" i="0" kern="1200" dirty="0">
+              <a:defRPr lang="en-US" sz="1800" b="1" i="0" kern="1200" dirty="0">
                 <a:solidFill>
-                  <a:schemeClr val="accent3">
+                  <a:schemeClr val="accent1">
                     <a:lumMod val="75000"/>
                   </a:schemeClr>
                 </a:solidFill>
-                <a:latin typeface="Roboto Medium" pitchFamily="2" charset="0"/>
+                <a:latin typeface="+mj-lt"/>
                 <a:ea typeface="Roboto Medium" pitchFamily="2" charset="0"/>
                 <a:cs typeface="+mn-cs"/>
               </a:defRPr>
@@ -2183,9 +1737,11 @@
               <a:buNone/>
               <a:defRPr sz="1600" b="0" i="0">
                 <a:solidFill>
-                  <a:srgbClr val="4B0707"/>
+                  <a:schemeClr val="accent1">
+                    <a:lumMod val="75000"/>
+                  </a:schemeClr>
                 </a:solidFill>
-                <a:latin typeface="PingFang SC Light" panose="020B0300000000000000" pitchFamily="34" charset="-122"/>
+                <a:latin typeface="+mj-lt"/>
                 <a:ea typeface="PingFang SC Light" panose="020B0300000000000000" pitchFamily="34" charset="-122"/>
               </a:defRPr>
             </a:lvl1pPr>
@@ -2214,8 +1770,8 @@
         </p:nvSpPr>
         <p:spPr>
           <a:xfrm>
-            <a:off x="767408" y="2145394"/>
-            <a:ext cx="5101180" cy="369332"/>
+            <a:off x="767407" y="2145394"/>
+            <a:ext cx="10724058" cy="369332"/>
           </a:xfrm>
           <a:prstGeom prst="roundRect">
             <a:avLst>
@@ -2247,31 +1803,41 @@
           <a:bodyPr rtlCol="0" anchor="ctr"/>
           <a:lstStyle/>
           <a:p>
-            <a:r>
-              <a:rPr lang="en-US" altLang="zh-CN" sz="1200" b="1" dirty="0">
+            <a:pPr lvl="0"/>
+            <a:r>
+              <a:rPr lang="en-US" altLang="zh-CN" sz="1600" b="1" dirty="0">
                 <a:solidFill>
-                  <a:srgbClr val="A78078"/>
+                  <a:schemeClr val="accent6">
+                    <a:lumMod val="40000"/>
+                    <a:lumOff val="60000"/>
+                  </a:schemeClr>
                 </a:solidFill>
-                <a:latin typeface="PingFang SC" panose="020B0400000000000000" pitchFamily="34" charset="-122"/>
+                <a:latin typeface="+mj-lt"/>
                 <a:ea typeface="PingFang SC" panose="020B0400000000000000" pitchFamily="34" charset="-122"/>
               </a:rPr>
               <a:t>//</a:t>
             </a:r>
             <a:r>
-              <a:rPr lang="zh-CN" altLang="en-US" sz="1200" b="1" dirty="0">
+              <a:rPr lang="zh-CN" altLang="en-US" sz="1600" b="1" dirty="0">
                 <a:solidFill>
-                  <a:srgbClr val="A78078"/>
+                  <a:schemeClr val="accent6">
+                    <a:lumMod val="40000"/>
+                    <a:lumOff val="60000"/>
+                  </a:schemeClr>
                 </a:solidFill>
-                <a:latin typeface="PingFang SC" panose="020B0400000000000000" pitchFamily="34" charset="-122"/>
+                <a:latin typeface="+mj-lt"/>
                 <a:ea typeface="PingFang SC" panose="020B0400000000000000" pitchFamily="34" charset="-122"/>
               </a:rPr>
               <a:t> 短语</a:t>
             </a:r>
-            <a:endParaRPr lang="en-JP" sz="1200" b="1" dirty="0">
+            <a:endParaRPr lang="en-JP" sz="1600" b="1" dirty="0">
               <a:solidFill>
-                <a:srgbClr val="A78078"/>
+                <a:schemeClr val="accent6">
+                  <a:lumMod val="40000"/>
+                  <a:lumOff val="60000"/>
+                </a:schemeClr>
               </a:solidFill>
-              <a:latin typeface="PingFang SC" panose="020B0400000000000000" pitchFamily="34" charset="-122"/>
+              <a:latin typeface="+mj-lt"/>
               <a:ea typeface="PingFang SC" panose="020B0400000000000000" pitchFamily="34" charset="-122"/>
             </a:endParaRPr>
           </a:p>
@@ -2301,8 +1867,9 @@
           </a:prstGeom>
           <a:ln w="12700">
             <a:solidFill>
-              <a:schemeClr val="bg1">
-                <a:lumMod val="85000"/>
+              <a:schemeClr val="accent6">
+                <a:lumMod val="20000"/>
+                <a:lumOff val="80000"/>
               </a:schemeClr>
             </a:solidFill>
           </a:ln>
@@ -2352,11 +1919,14 @@
           <a:lstStyle>
             <a:lvl1pPr marL="0" indent="0" algn="l">
               <a:buNone/>
-              <a:defRPr sz="1600" b="0" i="0">
+              <a:defRPr sz="1600" b="1" i="0">
                 <a:solidFill>
-                  <a:srgbClr val="F36F4F"/>
+                  <a:schemeClr val="accent1">
+                    <a:lumMod val="60000"/>
+                    <a:lumOff val="40000"/>
+                  </a:schemeClr>
                 </a:solidFill>
-                <a:latin typeface="Roboto Medium" pitchFamily="2" charset="0"/>
+                <a:latin typeface="+mj-lt"/>
                 <a:ea typeface="Roboto Medium" pitchFamily="2" charset="0"/>
               </a:defRPr>
             </a:lvl1pPr>
@@ -2411,9 +1981,11 @@
               <a:buNone/>
               <a:defRPr sz="1400" b="0" i="0">
                 <a:solidFill>
-                  <a:srgbClr val="4B0707"/>
+                  <a:schemeClr val="accent1">
+                    <a:lumMod val="75000"/>
+                  </a:schemeClr>
                 </a:solidFill>
-                <a:latin typeface="PingFang SC Light" panose="020B0300000000000000" pitchFamily="34" charset="-122"/>
+                <a:latin typeface="+mj-lt"/>
                 <a:ea typeface="PingFang SC Light" panose="020B0300000000000000" pitchFamily="34" charset="-122"/>
               </a:defRPr>
             </a:lvl1pPr>
@@ -2458,11 +2030,14 @@
           <a:lstStyle>
             <a:lvl1pPr marL="0" indent="0" algn="l">
               <a:buNone/>
-              <a:defRPr sz="1600" b="0" i="0">
+              <a:defRPr sz="1600" b="1" i="0">
                 <a:solidFill>
-                  <a:srgbClr val="F36F4F"/>
+                  <a:schemeClr val="accent1">
+                    <a:lumMod val="60000"/>
+                    <a:lumOff val="40000"/>
+                  </a:schemeClr>
                 </a:solidFill>
-                <a:latin typeface="Roboto Medium" pitchFamily="2" charset="0"/>
+                <a:latin typeface="+mj-lt"/>
                 <a:ea typeface="Roboto Medium" pitchFamily="2" charset="0"/>
               </a:defRPr>
             </a:lvl1pPr>
@@ -2517,9 +2092,11 @@
               <a:buNone/>
               <a:defRPr sz="1400" b="0" i="0">
                 <a:solidFill>
-                  <a:srgbClr val="4B0707"/>
+                  <a:schemeClr val="accent1">
+                    <a:lumMod val="75000"/>
+                  </a:schemeClr>
                 </a:solidFill>
-                <a:latin typeface="PingFang SC Light" panose="020B0300000000000000" pitchFamily="34" charset="-122"/>
+                <a:latin typeface="+mj-lt"/>
                 <a:ea typeface="PingFang SC Light" panose="020B0300000000000000" pitchFamily="34" charset="-122"/>
               </a:defRPr>
             </a:lvl1pPr>
@@ -2564,11 +2141,14 @@
           <a:lstStyle>
             <a:lvl1pPr marL="0" indent="0" algn="l">
               <a:buNone/>
-              <a:defRPr sz="1600" b="0" i="0">
+              <a:defRPr sz="1600" b="1" i="0">
                 <a:solidFill>
-                  <a:srgbClr val="F36F4F"/>
+                  <a:schemeClr val="accent1">
+                    <a:lumMod val="60000"/>
+                    <a:lumOff val="40000"/>
+                  </a:schemeClr>
                 </a:solidFill>
-                <a:latin typeface="Roboto Medium" pitchFamily="2" charset="0"/>
+                <a:latin typeface="+mj-lt"/>
                 <a:ea typeface="Roboto Medium" pitchFamily="2" charset="0"/>
               </a:defRPr>
             </a:lvl1pPr>
@@ -2623,9 +2203,11 @@
               <a:buNone/>
               <a:defRPr sz="1400" b="0" i="0">
                 <a:solidFill>
-                  <a:srgbClr val="4B0707"/>
+                  <a:schemeClr val="accent1">
+                    <a:lumMod val="75000"/>
+                  </a:schemeClr>
                 </a:solidFill>
-                <a:latin typeface="PingFang SC Light" panose="020B0300000000000000" pitchFamily="34" charset="-122"/>
+                <a:latin typeface="+mj-lt"/>
                 <a:ea typeface="PingFang SC Light" panose="020B0300000000000000" pitchFamily="34" charset="-122"/>
               </a:defRPr>
             </a:lvl1pPr>
@@ -2670,11 +2252,14 @@
           <a:lstStyle>
             <a:lvl1pPr marL="0" indent="0" algn="l">
               <a:buNone/>
-              <a:defRPr sz="1600" b="0" i="0">
+              <a:defRPr sz="1600" b="1" i="0">
                 <a:solidFill>
-                  <a:srgbClr val="F36F4F"/>
+                  <a:schemeClr val="accent1">
+                    <a:lumMod val="60000"/>
+                    <a:lumOff val="40000"/>
+                  </a:schemeClr>
                 </a:solidFill>
-                <a:latin typeface="Roboto Medium" pitchFamily="2" charset="0"/>
+                <a:latin typeface="+mj-lt"/>
                 <a:ea typeface="Roboto Medium" pitchFamily="2" charset="0"/>
               </a:defRPr>
             </a:lvl1pPr>
@@ -2729,9 +2314,11 @@
               <a:buNone/>
               <a:defRPr sz="1400" b="0" i="0">
                 <a:solidFill>
-                  <a:srgbClr val="4B0707"/>
+                  <a:schemeClr val="accent1">
+                    <a:lumMod val="75000"/>
+                  </a:schemeClr>
                 </a:solidFill>
-                <a:latin typeface="PingFang SC Light" panose="020B0300000000000000" pitchFamily="34" charset="-122"/>
+                <a:latin typeface="+mj-lt"/>
                 <a:ea typeface="PingFang SC Light" panose="020B0300000000000000" pitchFamily="34" charset="-122"/>
               </a:defRPr>
             </a:lvl1pPr>
@@ -2793,31 +2380,41 @@
           <a:bodyPr rtlCol="0" anchor="ctr"/>
           <a:lstStyle/>
           <a:p>
-            <a:r>
-              <a:rPr lang="en-US" altLang="zh-CN" sz="1200" b="1" dirty="0">
+            <a:pPr lvl="0"/>
+            <a:r>
+              <a:rPr lang="en-US" altLang="zh-CN" sz="1600" b="1" dirty="0">
                 <a:solidFill>
-                  <a:srgbClr val="A78078"/>
+                  <a:schemeClr val="accent6">
+                    <a:lumMod val="40000"/>
+                    <a:lumOff val="60000"/>
+                  </a:schemeClr>
                 </a:solidFill>
-                <a:latin typeface="PingFang SC" panose="020B0400000000000000" pitchFamily="34" charset="-122"/>
+                <a:latin typeface="+mj-lt"/>
                 <a:ea typeface="PingFang SC" panose="020B0400000000000000" pitchFamily="34" charset="-122"/>
               </a:rPr>
               <a:t>//</a:t>
             </a:r>
             <a:r>
-              <a:rPr lang="zh-CN" altLang="en-US" sz="1200" b="1" dirty="0">
+              <a:rPr lang="zh-CN" altLang="en-US" sz="1600" b="1" dirty="0">
                 <a:solidFill>
-                  <a:srgbClr val="A78078"/>
+                  <a:schemeClr val="accent6">
+                    <a:lumMod val="40000"/>
+                    <a:lumOff val="60000"/>
+                  </a:schemeClr>
                 </a:solidFill>
-                <a:latin typeface="PingFang SC" panose="020B0400000000000000" pitchFamily="34" charset="-122"/>
+                <a:latin typeface="+mj-lt"/>
                 <a:ea typeface="PingFang SC" panose="020B0400000000000000" pitchFamily="34" charset="-122"/>
               </a:rPr>
               <a:t> 动词介绍</a:t>
             </a:r>
-            <a:endParaRPr lang="en-JP" sz="1200" b="1" dirty="0">
+            <a:endParaRPr lang="en-JP" sz="1600" b="1" dirty="0">
               <a:solidFill>
-                <a:srgbClr val="A78078"/>
+                <a:schemeClr val="accent6">
+                  <a:lumMod val="40000"/>
+                  <a:lumOff val="60000"/>
+                </a:schemeClr>
               </a:solidFill>
-              <a:latin typeface="PingFang SC" panose="020B0400000000000000" pitchFamily="34" charset="-122"/>
+              <a:latin typeface="+mj-lt"/>
               <a:ea typeface="PingFang SC" panose="020B0400000000000000" pitchFamily="34" charset="-122"/>
             </a:endParaRPr>
           </a:p>
@@ -2847,8 +2444,9 @@
           </a:prstGeom>
           <a:ln w="12700">
             <a:solidFill>
-              <a:schemeClr val="bg1">
-                <a:lumMod val="85000"/>
+              <a:schemeClr val="accent6">
+                <a:lumMod val="20000"/>
+                <a:lumOff val="80000"/>
               </a:schemeClr>
             </a:solidFill>
           </a:ln>
@@ -2882,7 +2480,7 @@
         </p:nvSpPr>
         <p:spPr>
           <a:xfrm>
-            <a:off x="2483871" y="5054742"/>
+            <a:off x="2509997" y="5054742"/>
             <a:ext cx="1668254" cy="470078"/>
           </a:xfrm>
           <a:prstGeom prst="roundRect">
@@ -2891,9 +2489,11 @@
             </a:avLst>
           </a:prstGeom>
           <a:solidFill>
-            <a:srgbClr val="4B0707">
-              <a:alpha val="2000"/>
-            </a:srgbClr>
+            <a:schemeClr val="accent6">
+              <a:lumMod val="20000"/>
+              <a:lumOff val="80000"/>
+              <a:alpha val="30000"/>
+            </a:schemeClr>
           </a:solidFill>
           <a:ln>
             <a:noFill/>
@@ -2954,9 +2554,11 @@
             </a:avLst>
           </a:prstGeom>
           <a:solidFill>
-            <a:srgbClr val="4B0707">
-              <a:alpha val="2000"/>
-            </a:srgbClr>
+            <a:schemeClr val="accent6">
+              <a:lumMod val="20000"/>
+              <a:lumOff val="80000"/>
+              <a:alpha val="30000"/>
+            </a:schemeClr>
           </a:solidFill>
           <a:ln>
             <a:noFill/>
@@ -3008,7 +2610,7 @@
         </p:nvSpPr>
         <p:spPr>
           <a:xfrm>
-            <a:off x="761241" y="5054742"/>
+            <a:off x="787367" y="5054742"/>
             <a:ext cx="1668254" cy="470078"/>
           </a:xfrm>
           <a:prstGeom prst="roundRect">
@@ -3017,9 +2619,11 @@
             </a:avLst>
           </a:prstGeom>
           <a:solidFill>
-            <a:srgbClr val="4B0707">
-              <a:alpha val="2000"/>
-            </a:srgbClr>
+            <a:schemeClr val="accent6">
+              <a:lumMod val="20000"/>
+              <a:lumOff val="80000"/>
+              <a:alpha val="30000"/>
+            </a:schemeClr>
           </a:solidFill>
           <a:ln>
             <a:noFill/>
@@ -3080,9 +2684,11 @@
             </a:avLst>
           </a:prstGeom>
           <a:solidFill>
-            <a:srgbClr val="4B0707">
-              <a:alpha val="2000"/>
-            </a:srgbClr>
+            <a:schemeClr val="accent6">
+              <a:lumMod val="20000"/>
+              <a:lumOff val="80000"/>
+              <a:alpha val="30000"/>
+            </a:schemeClr>
           </a:solidFill>
           <a:ln>
             <a:noFill/>
@@ -3143,9 +2749,11 @@
             </a:avLst>
           </a:prstGeom>
           <a:solidFill>
-            <a:srgbClr val="4B0707">
-              <a:alpha val="2000"/>
-            </a:srgbClr>
+            <a:schemeClr val="accent6">
+              <a:lumMod val="20000"/>
+              <a:lumOff val="80000"/>
+              <a:alpha val="30000"/>
+            </a:schemeClr>
           </a:solidFill>
           <a:ln>
             <a:noFill/>
@@ -3206,9 +2814,11 @@
             </a:avLst>
           </a:prstGeom>
           <a:solidFill>
-            <a:srgbClr val="4B0707">
-              <a:alpha val="2000"/>
-            </a:srgbClr>
+            <a:schemeClr val="accent6">
+              <a:lumMod val="20000"/>
+              <a:lumOff val="80000"/>
+              <a:alpha val="30000"/>
+            </a:schemeClr>
           </a:solidFill>
           <a:ln>
             <a:noFill/>
@@ -3260,7 +2870,7 @@
         </p:nvSpPr>
         <p:spPr>
           <a:xfrm>
-            <a:off x="2483871" y="5595069"/>
+            <a:off x="2509997" y="5595069"/>
             <a:ext cx="1668254" cy="470078"/>
           </a:xfrm>
           <a:prstGeom prst="roundRect">
@@ -3269,9 +2879,11 @@
             </a:avLst>
           </a:prstGeom>
           <a:solidFill>
-            <a:srgbClr val="4B0707">
-              <a:alpha val="2000"/>
-            </a:srgbClr>
+            <a:schemeClr val="accent6">
+              <a:lumMod val="20000"/>
+              <a:lumOff val="80000"/>
+              <a:alpha val="30000"/>
+            </a:schemeClr>
           </a:solidFill>
           <a:ln>
             <a:noFill/>
@@ -3332,9 +2944,11 @@
             </a:avLst>
           </a:prstGeom>
           <a:solidFill>
-            <a:srgbClr val="4B0707">
-              <a:alpha val="2000"/>
-            </a:srgbClr>
+            <a:schemeClr val="accent6">
+              <a:lumMod val="20000"/>
+              <a:lumOff val="80000"/>
+              <a:alpha val="30000"/>
+            </a:schemeClr>
           </a:solidFill>
           <a:ln>
             <a:noFill/>
@@ -3386,7 +3000,7 @@
         </p:nvSpPr>
         <p:spPr>
           <a:xfrm>
-            <a:off x="761241" y="5595069"/>
+            <a:off x="787367" y="5595069"/>
             <a:ext cx="1668254" cy="470078"/>
           </a:xfrm>
           <a:prstGeom prst="roundRect">
@@ -3395,9 +3009,11 @@
             </a:avLst>
           </a:prstGeom>
           <a:solidFill>
-            <a:srgbClr val="4B0707">
-              <a:alpha val="2000"/>
-            </a:srgbClr>
+            <a:schemeClr val="accent6">
+              <a:lumMod val="20000"/>
+              <a:lumOff val="80000"/>
+              <a:alpha val="30000"/>
+            </a:schemeClr>
           </a:solidFill>
           <a:ln>
             <a:noFill/>
@@ -3458,9 +3074,11 @@
             </a:avLst>
           </a:prstGeom>
           <a:solidFill>
-            <a:srgbClr val="4B0707">
-              <a:alpha val="2000"/>
-            </a:srgbClr>
+            <a:schemeClr val="accent6">
+              <a:lumMod val="20000"/>
+              <a:lumOff val="80000"/>
+              <a:alpha val="30000"/>
+            </a:schemeClr>
           </a:solidFill>
           <a:ln>
             <a:noFill/>
@@ -3488,7 +3106,7 @@
           <a:p>
             <a:endParaRPr lang="en-JP" sz="1400" dirty="0">
               <a:solidFill>
-                <a:schemeClr val="accent3">
+                <a:schemeClr val="accent1">
                   <a:lumMod val="75000"/>
                 </a:schemeClr>
               </a:solidFill>
@@ -3521,9 +3139,11 @@
             </a:avLst>
           </a:prstGeom>
           <a:solidFill>
-            <a:srgbClr val="4B0707">
-              <a:alpha val="2000"/>
-            </a:srgbClr>
+            <a:schemeClr val="accent6">
+              <a:lumMod val="20000"/>
+              <a:lumOff val="80000"/>
+              <a:alpha val="30000"/>
+            </a:schemeClr>
           </a:solidFill>
           <a:ln>
             <a:noFill/>
@@ -3584,9 +3204,11 @@
             </a:avLst>
           </a:prstGeom>
           <a:solidFill>
-            <a:srgbClr val="4B0707">
-              <a:alpha val="2000"/>
-            </a:srgbClr>
+            <a:schemeClr val="accent6">
+              <a:lumMod val="20000"/>
+              <a:lumOff val="80000"/>
+              <a:alpha val="30000"/>
+            </a:schemeClr>
           </a:solidFill>
           <a:ln>
             <a:noFill/>
@@ -3642,7 +3264,7 @@
         </p:nvSpPr>
         <p:spPr>
           <a:xfrm>
-            <a:off x="771973" y="5083406"/>
+            <a:off x="798099" y="5083406"/>
             <a:ext cx="1657522" cy="412750"/>
           </a:xfrm>
           <a:prstGeom prst="rect">
@@ -3654,11 +3276,14 @@
           <a:lstStyle>
             <a:lvl1pPr marL="0" indent="0" algn="l">
               <a:buNone/>
-              <a:defRPr sz="1600" b="0" i="0">
+              <a:defRPr sz="1600" b="1" i="0">
                 <a:solidFill>
-                  <a:srgbClr val="F36F4F"/>
+                  <a:schemeClr val="accent1">
+                    <a:lumMod val="60000"/>
+                    <a:lumOff val="40000"/>
+                  </a:schemeClr>
                 </a:solidFill>
-                <a:latin typeface="Roboto Medium" pitchFamily="2" charset="0"/>
+                <a:latin typeface="+mj-lt"/>
                 <a:ea typeface="Roboto Medium" pitchFamily="2" charset="0"/>
               </a:defRPr>
             </a:lvl1pPr>
@@ -3691,7 +3316,469 @@
         </p:nvSpPr>
         <p:spPr>
           <a:xfrm>
-            <a:off x="2477704" y="5083406"/>
+            <a:off x="2503830" y="5083406"/>
+            <a:ext cx="1657522" cy="412750"/>
+          </a:xfrm>
+          <a:prstGeom prst="rect">
+            <a:avLst/>
+          </a:prstGeom>
+        </p:spPr>
+        <p:txBody>
+          <a:bodyPr anchor="ctr"/>
+          <a:lstStyle>
+            <a:lvl1pPr marL="0" indent="0" algn="l">
+              <a:buNone/>
+              <a:defRPr sz="1400" b="0" i="0">
+                <a:solidFill>
+                  <a:schemeClr val="accent1">
+                    <a:lumMod val="75000"/>
+                  </a:schemeClr>
+                </a:solidFill>
+                <a:latin typeface="+mj-lt"/>
+                <a:ea typeface="Roboto Medium" pitchFamily="2" charset="0"/>
+              </a:defRPr>
+            </a:lvl1pPr>
+          </a:lstStyle>
+          <a:p>
+            <a:pPr lvl="0"/>
+            <a:r>
+              <a:rPr lang="en-US" altLang="zh-CN" dirty="0"/>
+              <a:t>Original</a:t>
+            </a:r>
+            <a:endParaRPr lang="en-JP" dirty="0"/>
+          </a:p>
+        </p:txBody>
+      </p:sp>
+      <p:sp>
+        <p:nvSpPr>
+          <p:cNvPr id="107" name="Text Placeholder 13">
+            <a:extLst>
+              <a:ext uri="{FF2B5EF4-FFF2-40B4-BE49-F238E27FC236}">
+                <a16:creationId xmlns:a16="http://schemas.microsoft.com/office/drawing/2014/main" id="{69A649F8-614E-A14D-ACCD-E110E7793CB2}"/>
+              </a:ext>
+            </a:extLst>
+          </p:cNvPr>
+          <p:cNvSpPr>
+            <a:spLocks noGrp="1"/>
+          </p:cNvSpPr>
+          <p:nvPr>
+            <p:ph type="body" sz="quarter" idx="22" hasCustomPrompt="1"/>
+          </p:nvPr>
+        </p:nvSpPr>
+        <p:spPr>
+          <a:xfrm>
+            <a:off x="4211066" y="5083406"/>
+            <a:ext cx="1657522" cy="412750"/>
+          </a:xfrm>
+          <a:prstGeom prst="rect">
+            <a:avLst/>
+          </a:prstGeom>
+        </p:spPr>
+        <p:txBody>
+          <a:bodyPr anchor="ctr"/>
+          <a:lstStyle>
+            <a:lvl1pPr marL="0" indent="0" algn="l">
+              <a:buNone/>
+              <a:defRPr sz="1400" b="0" i="0">
+                <a:solidFill>
+                  <a:schemeClr val="accent1">
+                    <a:lumMod val="75000"/>
+                  </a:schemeClr>
+                </a:solidFill>
+                <a:latin typeface="+mj-lt"/>
+                <a:ea typeface="PingFang SC Light" panose="020B0300000000000000" pitchFamily="34" charset="-122"/>
+              </a:defRPr>
+            </a:lvl1pPr>
+          </a:lstStyle>
+          <a:p>
+            <a:pPr lvl="0"/>
+            <a:r>
+              <a:rPr lang="zh-CN" altLang="en-US" dirty="0"/>
+              <a:t>变化</a:t>
+            </a:r>
+            <a:endParaRPr lang="en-JP" dirty="0"/>
+          </a:p>
+        </p:txBody>
+      </p:sp>
+      <p:sp>
+        <p:nvSpPr>
+          <p:cNvPr id="108" name="Text Placeholder 13">
+            <a:extLst>
+              <a:ext uri="{FF2B5EF4-FFF2-40B4-BE49-F238E27FC236}">
+                <a16:creationId xmlns:a16="http://schemas.microsoft.com/office/drawing/2014/main" id="{6E3C5FE5-D2AB-8949-96B7-DA699AEF9856}"/>
+              </a:ext>
+            </a:extLst>
+          </p:cNvPr>
+          <p:cNvSpPr>
+            <a:spLocks noGrp="1"/>
+          </p:cNvSpPr>
+          <p:nvPr>
+            <p:ph type="body" sz="quarter" idx="23" hasCustomPrompt="1"/>
+          </p:nvPr>
+        </p:nvSpPr>
+        <p:spPr>
+          <a:xfrm>
+            <a:off x="6394850" y="5083406"/>
+            <a:ext cx="1657522" cy="412750"/>
+          </a:xfrm>
+          <a:prstGeom prst="rect">
+            <a:avLst/>
+          </a:prstGeom>
+        </p:spPr>
+        <p:txBody>
+          <a:bodyPr anchor="ctr"/>
+          <a:lstStyle>
+            <a:lvl1pPr marL="0" indent="0" algn="l">
+              <a:buNone/>
+              <a:defRPr sz="1600" b="1" i="0">
+                <a:solidFill>
+                  <a:schemeClr val="accent1">
+                    <a:lumMod val="60000"/>
+                    <a:lumOff val="40000"/>
+                  </a:schemeClr>
+                </a:solidFill>
+                <a:latin typeface="+mj-lt"/>
+                <a:ea typeface="Roboto Medium" pitchFamily="2" charset="0"/>
+              </a:defRPr>
+            </a:lvl1pPr>
+          </a:lstStyle>
+          <a:p>
+            <a:pPr lvl="0"/>
+            <a:r>
+              <a:rPr lang="en-US" altLang="zh-CN" dirty="0"/>
+              <a:t>Verb</a:t>
+            </a:r>
+            <a:endParaRPr lang="en-JP" dirty="0"/>
+          </a:p>
+        </p:txBody>
+      </p:sp>
+      <p:sp>
+        <p:nvSpPr>
+          <p:cNvPr id="109" name="Text Placeholder 13">
+            <a:extLst>
+              <a:ext uri="{FF2B5EF4-FFF2-40B4-BE49-F238E27FC236}">
+                <a16:creationId xmlns:a16="http://schemas.microsoft.com/office/drawing/2014/main" id="{F5A0ABD0-6236-AC4B-BCDC-39F5909A2D7A}"/>
+              </a:ext>
+            </a:extLst>
+          </p:cNvPr>
+          <p:cNvSpPr>
+            <a:spLocks noGrp="1"/>
+          </p:cNvSpPr>
+          <p:nvPr>
+            <p:ph type="body" sz="quarter" idx="24" hasCustomPrompt="1"/>
+          </p:nvPr>
+        </p:nvSpPr>
+        <p:spPr>
+          <a:xfrm>
+            <a:off x="8100581" y="5083406"/>
+            <a:ext cx="1657522" cy="412750"/>
+          </a:xfrm>
+          <a:prstGeom prst="rect">
+            <a:avLst/>
+          </a:prstGeom>
+        </p:spPr>
+        <p:txBody>
+          <a:bodyPr anchor="ctr"/>
+          <a:lstStyle>
+            <a:lvl1pPr marL="0" indent="0" algn="l">
+              <a:buNone/>
+              <a:defRPr sz="1400" b="0" i="0">
+                <a:solidFill>
+                  <a:schemeClr val="accent1">
+                    <a:lumMod val="75000"/>
+                  </a:schemeClr>
+                </a:solidFill>
+                <a:latin typeface="+mj-lt"/>
+                <a:ea typeface="Roboto Medium" pitchFamily="2" charset="0"/>
+              </a:defRPr>
+            </a:lvl1pPr>
+          </a:lstStyle>
+          <a:p>
+            <a:pPr lvl="0"/>
+            <a:r>
+              <a:rPr lang="en-US" altLang="zh-CN" dirty="0"/>
+              <a:t>Original</a:t>
+            </a:r>
+            <a:endParaRPr lang="en-JP" dirty="0"/>
+          </a:p>
+        </p:txBody>
+      </p:sp>
+      <p:sp>
+        <p:nvSpPr>
+          <p:cNvPr id="110" name="Text Placeholder 13">
+            <a:extLst>
+              <a:ext uri="{FF2B5EF4-FFF2-40B4-BE49-F238E27FC236}">
+                <a16:creationId xmlns:a16="http://schemas.microsoft.com/office/drawing/2014/main" id="{62B3C664-D50F-4F49-B408-333D6C26DCA4}"/>
+              </a:ext>
+            </a:extLst>
+          </p:cNvPr>
+          <p:cNvSpPr>
+            <a:spLocks noGrp="1"/>
+          </p:cNvSpPr>
+          <p:nvPr>
+            <p:ph type="body" sz="quarter" idx="25" hasCustomPrompt="1"/>
+          </p:nvPr>
+        </p:nvSpPr>
+        <p:spPr>
+          <a:xfrm>
+            <a:off x="9833943" y="5083406"/>
+            <a:ext cx="1657522" cy="412750"/>
+          </a:xfrm>
+          <a:prstGeom prst="rect">
+            <a:avLst/>
+          </a:prstGeom>
+        </p:spPr>
+        <p:txBody>
+          <a:bodyPr anchor="ctr"/>
+          <a:lstStyle>
+            <a:lvl1pPr marL="0" indent="0" algn="l">
+              <a:buNone/>
+              <a:defRPr sz="1400" b="0" i="0">
+                <a:solidFill>
+                  <a:schemeClr val="accent1">
+                    <a:lumMod val="75000"/>
+                  </a:schemeClr>
+                </a:solidFill>
+                <a:latin typeface="+mj-lt"/>
+                <a:ea typeface="PingFang SC Light" panose="020B0300000000000000" pitchFamily="34" charset="-122"/>
+              </a:defRPr>
+            </a:lvl1pPr>
+          </a:lstStyle>
+          <a:p>
+            <a:pPr lvl="0"/>
+            <a:r>
+              <a:rPr lang="zh-CN" altLang="en-US" dirty="0"/>
+              <a:t>变化</a:t>
+            </a:r>
+            <a:endParaRPr lang="en-JP" dirty="0"/>
+          </a:p>
+        </p:txBody>
+      </p:sp>
+      <p:sp>
+        <p:nvSpPr>
+          <p:cNvPr id="111" name="Text Placeholder 13">
+            <a:extLst>
+              <a:ext uri="{FF2B5EF4-FFF2-40B4-BE49-F238E27FC236}">
+                <a16:creationId xmlns:a16="http://schemas.microsoft.com/office/drawing/2014/main" id="{B099B5BA-59EF-B243-9426-9A4F2FF26870}"/>
+              </a:ext>
+            </a:extLst>
+          </p:cNvPr>
+          <p:cNvSpPr>
+            <a:spLocks noGrp="1"/>
+          </p:cNvSpPr>
+          <p:nvPr>
+            <p:ph type="body" sz="quarter" idx="26" hasCustomPrompt="1"/>
+          </p:nvPr>
+        </p:nvSpPr>
+        <p:spPr>
+          <a:xfrm>
+            <a:off x="798099" y="5621886"/>
+            <a:ext cx="1657522" cy="412750"/>
+          </a:xfrm>
+          <a:prstGeom prst="rect">
+            <a:avLst/>
+          </a:prstGeom>
+        </p:spPr>
+        <p:txBody>
+          <a:bodyPr anchor="ctr"/>
+          <a:lstStyle>
+            <a:lvl1pPr marL="0" indent="0" algn="l">
+              <a:buNone/>
+              <a:defRPr sz="1600" b="1" i="0">
+                <a:solidFill>
+                  <a:schemeClr val="accent1">
+                    <a:lumMod val="60000"/>
+                    <a:lumOff val="40000"/>
+                  </a:schemeClr>
+                </a:solidFill>
+                <a:latin typeface="+mj-lt"/>
+                <a:ea typeface="Roboto Medium" pitchFamily="2" charset="0"/>
+              </a:defRPr>
+            </a:lvl1pPr>
+          </a:lstStyle>
+          <a:p>
+            <a:pPr lvl="0"/>
+            <a:r>
+              <a:rPr lang="en-US" altLang="zh-CN" dirty="0"/>
+              <a:t>Verb</a:t>
+            </a:r>
+            <a:endParaRPr lang="en-JP" dirty="0"/>
+          </a:p>
+        </p:txBody>
+      </p:sp>
+      <p:sp>
+        <p:nvSpPr>
+          <p:cNvPr id="112" name="Text Placeholder 13">
+            <a:extLst>
+              <a:ext uri="{FF2B5EF4-FFF2-40B4-BE49-F238E27FC236}">
+                <a16:creationId xmlns:a16="http://schemas.microsoft.com/office/drawing/2014/main" id="{81C2DC10-8AA4-1F40-8B6D-162B33FE7AAD}"/>
+              </a:ext>
+            </a:extLst>
+          </p:cNvPr>
+          <p:cNvSpPr>
+            <a:spLocks noGrp="1"/>
+          </p:cNvSpPr>
+          <p:nvPr>
+            <p:ph type="body" sz="quarter" idx="27" hasCustomPrompt="1"/>
+          </p:nvPr>
+        </p:nvSpPr>
+        <p:spPr>
+          <a:xfrm>
+            <a:off x="2503830" y="5621886"/>
+            <a:ext cx="1657522" cy="412750"/>
+          </a:xfrm>
+          <a:prstGeom prst="rect">
+            <a:avLst/>
+          </a:prstGeom>
+        </p:spPr>
+        <p:txBody>
+          <a:bodyPr anchor="ctr"/>
+          <a:lstStyle>
+            <a:lvl1pPr marL="0" indent="0" algn="l">
+              <a:buNone/>
+              <a:defRPr sz="1400" b="0" i="0">
+                <a:solidFill>
+                  <a:schemeClr val="accent1">
+                    <a:lumMod val="75000"/>
+                  </a:schemeClr>
+                </a:solidFill>
+                <a:latin typeface="+mj-lt"/>
+                <a:ea typeface="Roboto Medium" pitchFamily="2" charset="0"/>
+              </a:defRPr>
+            </a:lvl1pPr>
+          </a:lstStyle>
+          <a:p>
+            <a:pPr lvl="0"/>
+            <a:r>
+              <a:rPr lang="en-US" altLang="zh-CN" dirty="0"/>
+              <a:t>Original</a:t>
+            </a:r>
+            <a:endParaRPr lang="en-JP" dirty="0"/>
+          </a:p>
+        </p:txBody>
+      </p:sp>
+      <p:sp>
+        <p:nvSpPr>
+          <p:cNvPr id="113" name="Text Placeholder 13">
+            <a:extLst>
+              <a:ext uri="{FF2B5EF4-FFF2-40B4-BE49-F238E27FC236}">
+                <a16:creationId xmlns:a16="http://schemas.microsoft.com/office/drawing/2014/main" id="{A8C36D11-715F-384D-BF42-0378D7F1130B}"/>
+              </a:ext>
+            </a:extLst>
+          </p:cNvPr>
+          <p:cNvSpPr>
+            <a:spLocks noGrp="1"/>
+          </p:cNvSpPr>
+          <p:nvPr>
+            <p:ph type="body" sz="quarter" idx="28" hasCustomPrompt="1"/>
+          </p:nvPr>
+        </p:nvSpPr>
+        <p:spPr>
+          <a:xfrm>
+            <a:off x="4211066" y="5621886"/>
+            <a:ext cx="1657522" cy="412750"/>
+          </a:xfrm>
+          <a:prstGeom prst="rect">
+            <a:avLst/>
+          </a:prstGeom>
+        </p:spPr>
+        <p:txBody>
+          <a:bodyPr anchor="ctr"/>
+          <a:lstStyle>
+            <a:lvl1pPr marL="0" indent="0" algn="l">
+              <a:buNone/>
+              <a:defRPr sz="1400" b="0" i="0">
+                <a:solidFill>
+                  <a:schemeClr val="accent1">
+                    <a:lumMod val="75000"/>
+                  </a:schemeClr>
+                </a:solidFill>
+                <a:latin typeface="+mj-lt"/>
+                <a:ea typeface="PingFang SC Light" panose="020B0300000000000000" pitchFamily="34" charset="-122"/>
+              </a:defRPr>
+            </a:lvl1pPr>
+          </a:lstStyle>
+          <a:p>
+            <a:pPr lvl="0"/>
+            <a:r>
+              <a:rPr lang="zh-CN" altLang="en-US" dirty="0"/>
+              <a:t>变化</a:t>
+            </a:r>
+            <a:endParaRPr lang="en-JP" dirty="0"/>
+          </a:p>
+        </p:txBody>
+      </p:sp>
+      <p:sp>
+        <p:nvSpPr>
+          <p:cNvPr id="114" name="Text Placeholder 13">
+            <a:extLst>
+              <a:ext uri="{FF2B5EF4-FFF2-40B4-BE49-F238E27FC236}">
+                <a16:creationId xmlns:a16="http://schemas.microsoft.com/office/drawing/2014/main" id="{6E4FB3B0-0129-1147-8133-C66E0A345621}"/>
+              </a:ext>
+            </a:extLst>
+          </p:cNvPr>
+          <p:cNvSpPr>
+            <a:spLocks noGrp="1"/>
+          </p:cNvSpPr>
+          <p:nvPr>
+            <p:ph type="body" sz="quarter" idx="29" hasCustomPrompt="1"/>
+          </p:nvPr>
+        </p:nvSpPr>
+        <p:spPr>
+          <a:xfrm>
+            <a:off x="6394850" y="5621886"/>
+            <a:ext cx="1657522" cy="412750"/>
+          </a:xfrm>
+          <a:prstGeom prst="rect">
+            <a:avLst/>
+          </a:prstGeom>
+        </p:spPr>
+        <p:txBody>
+          <a:bodyPr anchor="ctr"/>
+          <a:lstStyle>
+            <a:lvl1pPr marL="0" indent="0" algn="l">
+              <a:buNone/>
+              <a:defRPr sz="1600" b="1" i="0">
+                <a:solidFill>
+                  <a:schemeClr val="accent1">
+                    <a:lumMod val="60000"/>
+                    <a:lumOff val="40000"/>
+                  </a:schemeClr>
+                </a:solidFill>
+                <a:latin typeface="+mj-lt"/>
+                <a:ea typeface="Roboto Medium" pitchFamily="2" charset="0"/>
+              </a:defRPr>
+            </a:lvl1pPr>
+          </a:lstStyle>
+          <a:p>
+            <a:pPr lvl="0"/>
+            <a:r>
+              <a:rPr lang="en-US" altLang="zh-CN" dirty="0"/>
+              <a:t>Verb</a:t>
+            </a:r>
+            <a:endParaRPr lang="en-JP" dirty="0"/>
+          </a:p>
+        </p:txBody>
+      </p:sp>
+      <p:sp>
+        <p:nvSpPr>
+          <p:cNvPr id="115" name="Text Placeholder 13">
+            <a:extLst>
+              <a:ext uri="{FF2B5EF4-FFF2-40B4-BE49-F238E27FC236}">
+                <a16:creationId xmlns:a16="http://schemas.microsoft.com/office/drawing/2014/main" id="{3190C034-D31B-3146-9D6C-402249B2AA58}"/>
+              </a:ext>
+            </a:extLst>
+          </p:cNvPr>
+          <p:cNvSpPr>
+            <a:spLocks noGrp="1"/>
+          </p:cNvSpPr>
+          <p:nvPr>
+            <p:ph type="body" sz="quarter" idx="30" hasCustomPrompt="1"/>
+          </p:nvPr>
+        </p:nvSpPr>
+        <p:spPr>
+          <a:xfrm>
+            <a:off x="8100581" y="5621886"/>
             <a:ext cx="1657522" cy="412750"/>
           </a:xfrm>
           <a:prstGeom prst="rect">
@@ -3707,7 +3794,7 @@
                 <a:solidFill>
                   <a:srgbClr val="4B0707"/>
                 </a:solidFill>
-                <a:latin typeface="Roboto Medium" pitchFamily="2" charset="0"/>
+                <a:latin typeface="+mj-lt"/>
                 <a:ea typeface="Roboto Medium" pitchFamily="2" charset="0"/>
               </a:defRPr>
             </a:lvl1pPr>
@@ -3724,10 +3811,10 @@
       </p:sp>
       <p:sp>
         <p:nvSpPr>
-          <p:cNvPr id="107" name="Text Placeholder 13">
-            <a:extLst>
-              <a:ext uri="{FF2B5EF4-FFF2-40B4-BE49-F238E27FC236}">
-                <a16:creationId xmlns:a16="http://schemas.microsoft.com/office/drawing/2014/main" id="{69A649F8-614E-A14D-ACCD-E110E7793CB2}"/>
+          <p:cNvPr id="116" name="Text Placeholder 13">
+            <a:extLst>
+              <a:ext uri="{FF2B5EF4-FFF2-40B4-BE49-F238E27FC236}">
+                <a16:creationId xmlns:a16="http://schemas.microsoft.com/office/drawing/2014/main" id="{108419E3-C541-894E-BEB8-8F2A0FA7F934}"/>
               </a:ext>
             </a:extLst>
           </p:cNvPr>
@@ -3735,12 +3822,12 @@
             <a:spLocks noGrp="1"/>
           </p:cNvSpPr>
           <p:nvPr>
-            <p:ph type="body" sz="quarter" idx="22" hasCustomPrompt="1"/>
+            <p:ph type="body" sz="quarter" idx="31" hasCustomPrompt="1"/>
           </p:nvPr>
         </p:nvSpPr>
         <p:spPr>
           <a:xfrm>
-            <a:off x="4211066" y="5083406"/>
+            <a:off x="9833943" y="5621886"/>
             <a:ext cx="1657522" cy="412750"/>
           </a:xfrm>
           <a:prstGeom prst="rect">
@@ -3754,450 +3841,11 @@
               <a:buNone/>
               <a:defRPr sz="1400" b="0" i="0">
                 <a:solidFill>
-                  <a:srgbClr val="4B0707"/>
+                  <a:schemeClr val="accent1">
+                    <a:lumMod val="75000"/>
+                  </a:schemeClr>
                 </a:solidFill>
-                <a:latin typeface="PingFang SC Light" panose="020B0300000000000000" pitchFamily="34" charset="-122"/>
-                <a:ea typeface="PingFang SC Light" panose="020B0300000000000000" pitchFamily="34" charset="-122"/>
-              </a:defRPr>
-            </a:lvl1pPr>
-          </a:lstStyle>
-          <a:p>
-            <a:pPr lvl="0"/>
-            <a:r>
-              <a:rPr lang="zh-CN" altLang="en-US" dirty="0"/>
-              <a:t>变化</a:t>
-            </a:r>
-            <a:endParaRPr lang="en-JP" dirty="0"/>
-          </a:p>
-        </p:txBody>
-      </p:sp>
-      <p:sp>
-        <p:nvSpPr>
-          <p:cNvPr id="108" name="Text Placeholder 13">
-            <a:extLst>
-              <a:ext uri="{FF2B5EF4-FFF2-40B4-BE49-F238E27FC236}">
-                <a16:creationId xmlns:a16="http://schemas.microsoft.com/office/drawing/2014/main" id="{6E3C5FE5-D2AB-8949-96B7-DA699AEF9856}"/>
-              </a:ext>
-            </a:extLst>
-          </p:cNvPr>
-          <p:cNvSpPr>
-            <a:spLocks noGrp="1"/>
-          </p:cNvSpPr>
-          <p:nvPr>
-            <p:ph type="body" sz="quarter" idx="23" hasCustomPrompt="1"/>
-          </p:nvPr>
-        </p:nvSpPr>
-        <p:spPr>
-          <a:xfrm>
-            <a:off x="6394850" y="5083406"/>
-            <a:ext cx="1657522" cy="412750"/>
-          </a:xfrm>
-          <a:prstGeom prst="rect">
-            <a:avLst/>
-          </a:prstGeom>
-        </p:spPr>
-        <p:txBody>
-          <a:bodyPr anchor="ctr"/>
-          <a:lstStyle>
-            <a:lvl1pPr marL="0" indent="0" algn="l">
-              <a:buNone/>
-              <a:defRPr sz="1600" b="0" i="0">
-                <a:solidFill>
-                  <a:srgbClr val="F36F4F"/>
-                </a:solidFill>
-                <a:latin typeface="Roboto Medium" pitchFamily="2" charset="0"/>
-                <a:ea typeface="Roboto Medium" pitchFamily="2" charset="0"/>
-              </a:defRPr>
-            </a:lvl1pPr>
-          </a:lstStyle>
-          <a:p>
-            <a:pPr lvl="0"/>
-            <a:r>
-              <a:rPr lang="en-US" altLang="zh-CN" dirty="0"/>
-              <a:t>Verb</a:t>
-            </a:r>
-            <a:endParaRPr lang="en-JP" dirty="0"/>
-          </a:p>
-        </p:txBody>
-      </p:sp>
-      <p:sp>
-        <p:nvSpPr>
-          <p:cNvPr id="109" name="Text Placeholder 13">
-            <a:extLst>
-              <a:ext uri="{FF2B5EF4-FFF2-40B4-BE49-F238E27FC236}">
-                <a16:creationId xmlns:a16="http://schemas.microsoft.com/office/drawing/2014/main" id="{F5A0ABD0-6236-AC4B-BCDC-39F5909A2D7A}"/>
-              </a:ext>
-            </a:extLst>
-          </p:cNvPr>
-          <p:cNvSpPr>
-            <a:spLocks noGrp="1"/>
-          </p:cNvSpPr>
-          <p:nvPr>
-            <p:ph type="body" sz="quarter" idx="24" hasCustomPrompt="1"/>
-          </p:nvPr>
-        </p:nvSpPr>
-        <p:spPr>
-          <a:xfrm>
-            <a:off x="8100581" y="5083406"/>
-            <a:ext cx="1657522" cy="412750"/>
-          </a:xfrm>
-          <a:prstGeom prst="rect">
-            <a:avLst/>
-          </a:prstGeom>
-        </p:spPr>
-        <p:txBody>
-          <a:bodyPr anchor="ctr"/>
-          <a:lstStyle>
-            <a:lvl1pPr marL="0" indent="0" algn="l">
-              <a:buNone/>
-              <a:defRPr sz="1400" b="0" i="0">
-                <a:solidFill>
-                  <a:srgbClr val="4B0707"/>
-                </a:solidFill>
-                <a:latin typeface="Roboto Medium" pitchFamily="2" charset="0"/>
-                <a:ea typeface="Roboto Medium" pitchFamily="2" charset="0"/>
-              </a:defRPr>
-            </a:lvl1pPr>
-          </a:lstStyle>
-          <a:p>
-            <a:pPr lvl="0"/>
-            <a:r>
-              <a:rPr lang="en-US" altLang="zh-CN" dirty="0"/>
-              <a:t>Original</a:t>
-            </a:r>
-            <a:endParaRPr lang="en-JP" dirty="0"/>
-          </a:p>
-        </p:txBody>
-      </p:sp>
-      <p:sp>
-        <p:nvSpPr>
-          <p:cNvPr id="110" name="Text Placeholder 13">
-            <a:extLst>
-              <a:ext uri="{FF2B5EF4-FFF2-40B4-BE49-F238E27FC236}">
-                <a16:creationId xmlns:a16="http://schemas.microsoft.com/office/drawing/2014/main" id="{62B3C664-D50F-4F49-B408-333D6C26DCA4}"/>
-              </a:ext>
-            </a:extLst>
-          </p:cNvPr>
-          <p:cNvSpPr>
-            <a:spLocks noGrp="1"/>
-          </p:cNvSpPr>
-          <p:nvPr>
-            <p:ph type="body" sz="quarter" idx="25" hasCustomPrompt="1"/>
-          </p:nvPr>
-        </p:nvSpPr>
-        <p:spPr>
-          <a:xfrm>
-            <a:off x="9833943" y="5083406"/>
-            <a:ext cx="1657522" cy="412750"/>
-          </a:xfrm>
-          <a:prstGeom prst="rect">
-            <a:avLst/>
-          </a:prstGeom>
-        </p:spPr>
-        <p:txBody>
-          <a:bodyPr anchor="ctr"/>
-          <a:lstStyle>
-            <a:lvl1pPr marL="0" indent="0" algn="l">
-              <a:buNone/>
-              <a:defRPr sz="1400" b="0" i="0">
-                <a:solidFill>
-                  <a:srgbClr val="4B0707"/>
-                </a:solidFill>
-                <a:latin typeface="PingFang SC Light" panose="020B0300000000000000" pitchFamily="34" charset="-122"/>
-                <a:ea typeface="PingFang SC Light" panose="020B0300000000000000" pitchFamily="34" charset="-122"/>
-              </a:defRPr>
-            </a:lvl1pPr>
-          </a:lstStyle>
-          <a:p>
-            <a:pPr lvl="0"/>
-            <a:r>
-              <a:rPr lang="zh-CN" altLang="en-US" dirty="0"/>
-              <a:t>变化</a:t>
-            </a:r>
-            <a:endParaRPr lang="en-JP" dirty="0"/>
-          </a:p>
-        </p:txBody>
-      </p:sp>
-      <p:sp>
-        <p:nvSpPr>
-          <p:cNvPr id="111" name="Text Placeholder 13">
-            <a:extLst>
-              <a:ext uri="{FF2B5EF4-FFF2-40B4-BE49-F238E27FC236}">
-                <a16:creationId xmlns:a16="http://schemas.microsoft.com/office/drawing/2014/main" id="{B099B5BA-59EF-B243-9426-9A4F2FF26870}"/>
-              </a:ext>
-            </a:extLst>
-          </p:cNvPr>
-          <p:cNvSpPr>
-            <a:spLocks noGrp="1"/>
-          </p:cNvSpPr>
-          <p:nvPr>
-            <p:ph type="body" sz="quarter" idx="26" hasCustomPrompt="1"/>
-          </p:nvPr>
-        </p:nvSpPr>
-        <p:spPr>
-          <a:xfrm>
-            <a:off x="771973" y="5621886"/>
-            <a:ext cx="1657522" cy="412750"/>
-          </a:xfrm>
-          <a:prstGeom prst="rect">
-            <a:avLst/>
-          </a:prstGeom>
-        </p:spPr>
-        <p:txBody>
-          <a:bodyPr anchor="ctr"/>
-          <a:lstStyle>
-            <a:lvl1pPr marL="0" indent="0" algn="l">
-              <a:buNone/>
-              <a:defRPr sz="1600" b="0" i="0">
-                <a:solidFill>
-                  <a:srgbClr val="F36F4F"/>
-                </a:solidFill>
-                <a:latin typeface="Roboto Medium" pitchFamily="2" charset="0"/>
-                <a:ea typeface="Roboto Medium" pitchFamily="2" charset="0"/>
-              </a:defRPr>
-            </a:lvl1pPr>
-          </a:lstStyle>
-          <a:p>
-            <a:pPr lvl="0"/>
-            <a:r>
-              <a:rPr lang="en-US" altLang="zh-CN" dirty="0"/>
-              <a:t>Verb</a:t>
-            </a:r>
-            <a:endParaRPr lang="en-JP" dirty="0"/>
-          </a:p>
-        </p:txBody>
-      </p:sp>
-      <p:sp>
-        <p:nvSpPr>
-          <p:cNvPr id="112" name="Text Placeholder 13">
-            <a:extLst>
-              <a:ext uri="{FF2B5EF4-FFF2-40B4-BE49-F238E27FC236}">
-                <a16:creationId xmlns:a16="http://schemas.microsoft.com/office/drawing/2014/main" id="{81C2DC10-8AA4-1F40-8B6D-162B33FE7AAD}"/>
-              </a:ext>
-            </a:extLst>
-          </p:cNvPr>
-          <p:cNvSpPr>
-            <a:spLocks noGrp="1"/>
-          </p:cNvSpPr>
-          <p:nvPr>
-            <p:ph type="body" sz="quarter" idx="27" hasCustomPrompt="1"/>
-          </p:nvPr>
-        </p:nvSpPr>
-        <p:spPr>
-          <a:xfrm>
-            <a:off x="2477704" y="5621886"/>
-            <a:ext cx="1657522" cy="412750"/>
-          </a:xfrm>
-          <a:prstGeom prst="rect">
-            <a:avLst/>
-          </a:prstGeom>
-        </p:spPr>
-        <p:txBody>
-          <a:bodyPr anchor="ctr"/>
-          <a:lstStyle>
-            <a:lvl1pPr marL="0" indent="0" algn="l">
-              <a:buNone/>
-              <a:defRPr sz="1400" b="0" i="0">
-                <a:solidFill>
-                  <a:srgbClr val="4B0707"/>
-                </a:solidFill>
-                <a:latin typeface="Roboto Medium" pitchFamily="2" charset="0"/>
-                <a:ea typeface="Roboto Medium" pitchFamily="2" charset="0"/>
-              </a:defRPr>
-            </a:lvl1pPr>
-          </a:lstStyle>
-          <a:p>
-            <a:pPr lvl="0"/>
-            <a:r>
-              <a:rPr lang="en-US" altLang="zh-CN" dirty="0"/>
-              <a:t>Original</a:t>
-            </a:r>
-            <a:endParaRPr lang="en-JP" dirty="0"/>
-          </a:p>
-        </p:txBody>
-      </p:sp>
-      <p:sp>
-        <p:nvSpPr>
-          <p:cNvPr id="113" name="Text Placeholder 13">
-            <a:extLst>
-              <a:ext uri="{FF2B5EF4-FFF2-40B4-BE49-F238E27FC236}">
-                <a16:creationId xmlns:a16="http://schemas.microsoft.com/office/drawing/2014/main" id="{A8C36D11-715F-384D-BF42-0378D7F1130B}"/>
-              </a:ext>
-            </a:extLst>
-          </p:cNvPr>
-          <p:cNvSpPr>
-            <a:spLocks noGrp="1"/>
-          </p:cNvSpPr>
-          <p:nvPr>
-            <p:ph type="body" sz="quarter" idx="28" hasCustomPrompt="1"/>
-          </p:nvPr>
-        </p:nvSpPr>
-        <p:spPr>
-          <a:xfrm>
-            <a:off x="4211066" y="5621886"/>
-            <a:ext cx="1657522" cy="412750"/>
-          </a:xfrm>
-          <a:prstGeom prst="rect">
-            <a:avLst/>
-          </a:prstGeom>
-        </p:spPr>
-        <p:txBody>
-          <a:bodyPr anchor="ctr"/>
-          <a:lstStyle>
-            <a:lvl1pPr marL="0" indent="0" algn="l">
-              <a:buNone/>
-              <a:defRPr sz="1400" b="0" i="0">
-                <a:solidFill>
-                  <a:srgbClr val="4B0707"/>
-                </a:solidFill>
-                <a:latin typeface="PingFang SC Light" panose="020B0300000000000000" pitchFamily="34" charset="-122"/>
-                <a:ea typeface="PingFang SC Light" panose="020B0300000000000000" pitchFamily="34" charset="-122"/>
-              </a:defRPr>
-            </a:lvl1pPr>
-          </a:lstStyle>
-          <a:p>
-            <a:pPr lvl="0"/>
-            <a:r>
-              <a:rPr lang="zh-CN" altLang="en-US" dirty="0"/>
-              <a:t>变化</a:t>
-            </a:r>
-            <a:endParaRPr lang="en-JP" dirty="0"/>
-          </a:p>
-        </p:txBody>
-      </p:sp>
-      <p:sp>
-        <p:nvSpPr>
-          <p:cNvPr id="114" name="Text Placeholder 13">
-            <a:extLst>
-              <a:ext uri="{FF2B5EF4-FFF2-40B4-BE49-F238E27FC236}">
-                <a16:creationId xmlns:a16="http://schemas.microsoft.com/office/drawing/2014/main" id="{6E4FB3B0-0129-1147-8133-C66E0A345621}"/>
-              </a:ext>
-            </a:extLst>
-          </p:cNvPr>
-          <p:cNvSpPr>
-            <a:spLocks noGrp="1"/>
-          </p:cNvSpPr>
-          <p:nvPr>
-            <p:ph type="body" sz="quarter" idx="29" hasCustomPrompt="1"/>
-          </p:nvPr>
-        </p:nvSpPr>
-        <p:spPr>
-          <a:xfrm>
-            <a:off x="6394850" y="5621886"/>
-            <a:ext cx="1657522" cy="412750"/>
-          </a:xfrm>
-          <a:prstGeom prst="rect">
-            <a:avLst/>
-          </a:prstGeom>
-        </p:spPr>
-        <p:txBody>
-          <a:bodyPr anchor="ctr"/>
-          <a:lstStyle>
-            <a:lvl1pPr marL="0" indent="0" algn="l">
-              <a:buNone/>
-              <a:defRPr sz="1600" b="0" i="0">
-                <a:solidFill>
-                  <a:srgbClr val="F36F4F"/>
-                </a:solidFill>
-                <a:latin typeface="Roboto Medium" pitchFamily="2" charset="0"/>
-                <a:ea typeface="Roboto Medium" pitchFamily="2" charset="0"/>
-              </a:defRPr>
-            </a:lvl1pPr>
-          </a:lstStyle>
-          <a:p>
-            <a:pPr lvl="0"/>
-            <a:r>
-              <a:rPr lang="en-US" altLang="zh-CN" dirty="0"/>
-              <a:t>Verb</a:t>
-            </a:r>
-            <a:endParaRPr lang="en-JP" dirty="0"/>
-          </a:p>
-        </p:txBody>
-      </p:sp>
-      <p:sp>
-        <p:nvSpPr>
-          <p:cNvPr id="115" name="Text Placeholder 13">
-            <a:extLst>
-              <a:ext uri="{FF2B5EF4-FFF2-40B4-BE49-F238E27FC236}">
-                <a16:creationId xmlns:a16="http://schemas.microsoft.com/office/drawing/2014/main" id="{3190C034-D31B-3146-9D6C-402249B2AA58}"/>
-              </a:ext>
-            </a:extLst>
-          </p:cNvPr>
-          <p:cNvSpPr>
-            <a:spLocks noGrp="1"/>
-          </p:cNvSpPr>
-          <p:nvPr>
-            <p:ph type="body" sz="quarter" idx="30" hasCustomPrompt="1"/>
-          </p:nvPr>
-        </p:nvSpPr>
-        <p:spPr>
-          <a:xfrm>
-            <a:off x="8100581" y="5621886"/>
-            <a:ext cx="1657522" cy="412750"/>
-          </a:xfrm>
-          <a:prstGeom prst="rect">
-            <a:avLst/>
-          </a:prstGeom>
-        </p:spPr>
-        <p:txBody>
-          <a:bodyPr anchor="ctr"/>
-          <a:lstStyle>
-            <a:lvl1pPr marL="0" indent="0" algn="l">
-              <a:buNone/>
-              <a:defRPr sz="1400" b="0" i="0">
-                <a:solidFill>
-                  <a:srgbClr val="4B0707"/>
-                </a:solidFill>
-                <a:latin typeface="Roboto Medium" pitchFamily="2" charset="0"/>
-                <a:ea typeface="Roboto Medium" pitchFamily="2" charset="0"/>
-              </a:defRPr>
-            </a:lvl1pPr>
-          </a:lstStyle>
-          <a:p>
-            <a:pPr lvl="0"/>
-            <a:r>
-              <a:rPr lang="en-US" altLang="zh-CN" dirty="0"/>
-              <a:t>Original</a:t>
-            </a:r>
-            <a:endParaRPr lang="en-JP" dirty="0"/>
-          </a:p>
-        </p:txBody>
-      </p:sp>
-      <p:sp>
-        <p:nvSpPr>
-          <p:cNvPr id="116" name="Text Placeholder 13">
-            <a:extLst>
-              <a:ext uri="{FF2B5EF4-FFF2-40B4-BE49-F238E27FC236}">
-                <a16:creationId xmlns:a16="http://schemas.microsoft.com/office/drawing/2014/main" id="{108419E3-C541-894E-BEB8-8F2A0FA7F934}"/>
-              </a:ext>
-            </a:extLst>
-          </p:cNvPr>
-          <p:cNvSpPr>
-            <a:spLocks noGrp="1"/>
-          </p:cNvSpPr>
-          <p:nvPr>
-            <p:ph type="body" sz="quarter" idx="31" hasCustomPrompt="1"/>
-          </p:nvPr>
-        </p:nvSpPr>
-        <p:spPr>
-          <a:xfrm>
-            <a:off x="9833943" y="5621886"/>
-            <a:ext cx="1657522" cy="412750"/>
-          </a:xfrm>
-          <a:prstGeom prst="rect">
-            <a:avLst/>
-          </a:prstGeom>
-        </p:spPr>
-        <p:txBody>
-          <a:bodyPr anchor="ctr"/>
-          <a:lstStyle>
-            <a:lvl1pPr marL="0" indent="0" algn="l">
-              <a:buNone/>
-              <a:defRPr sz="1400" b="0" i="0">
-                <a:solidFill>
-                  <a:srgbClr val="4B0707"/>
-                </a:solidFill>
-                <a:latin typeface="PingFang SC Light" panose="020B0300000000000000" pitchFamily="34" charset="-122"/>
+                <a:latin typeface="+mj-lt"/>
                 <a:ea typeface="PingFang SC Light" panose="020B0300000000000000" pitchFamily="34" charset="-122"/>
               </a:defRPr>
             </a:lvl1pPr>
@@ -4225,7 +3873,7 @@
 </p:sldLayout>
 </file>
 
-<file path=ppt/slideLayouts/slideLayout5.xml><?xml version="1.0" encoding="utf-8"?>
+<file path=ppt/slideLayouts/slideLayout4.xml><?xml version="1.0" encoding="utf-8"?>
 <p:sldLayout xmlns:a="http://schemas.openxmlformats.org/drawingml/2006/main" xmlns:r="http://schemas.openxmlformats.org/officeDocument/2006/relationships" xmlns:p="http://schemas.openxmlformats.org/presentationml/2006/main" preserve="1" userDrawn="1">
   <p:cSld name="Blank">
     <p:spTree>
@@ -4255,7 +3903,7 @@
 </p:sldLayout>
 </file>
 
-<file path=ppt/slideLayouts/slideLayout6.xml><?xml version="1.0" encoding="utf-8"?>
+<file path=ppt/slideLayouts/slideLayout5.xml><?xml version="1.0" encoding="utf-8"?>
 <p:sldLayout xmlns:a="http://schemas.openxmlformats.org/drawingml/2006/main" xmlns:r="http://schemas.openxmlformats.org/officeDocument/2006/relationships" xmlns:p="http://schemas.openxmlformats.org/presentationml/2006/main" preserve="1" userDrawn="1">
   <p:cSld name="Thanks">
     <p:bg>
@@ -4280,370 +3928,401 @@
           <a:chExt cx="0" cy="0"/>
         </a:xfrm>
       </p:grpSpPr>
-      <p:sp>
-        <p:nvSpPr>
-          <p:cNvPr id="13" name="Diamond 12">
-            <a:extLst>
-              <a:ext uri="{FF2B5EF4-FFF2-40B4-BE49-F238E27FC236}">
-                <a16:creationId xmlns:a16="http://schemas.microsoft.com/office/drawing/2014/main" id="{727DEFD6-FBCA-914C-B52F-C2B9BD91CD5D}"/>
-              </a:ext>
-            </a:extLst>
-          </p:cNvPr>
-          <p:cNvSpPr/>
+      <p:grpSp>
+        <p:nvGrpSpPr>
+          <p:cNvPr id="4" name="Group 3">
+            <a:extLst>
+              <a:ext uri="{FF2B5EF4-FFF2-40B4-BE49-F238E27FC236}">
+                <a16:creationId xmlns:a16="http://schemas.microsoft.com/office/drawing/2014/main" id="{3C2D908B-955F-604B-A1DE-83DB633AB6A0}"/>
+              </a:ext>
+            </a:extLst>
+          </p:cNvPr>
+          <p:cNvGrpSpPr/>
           <p:nvPr userDrawn="1"/>
-        </p:nvSpPr>
-        <p:spPr>
-          <a:xfrm>
-            <a:off x="3068402" y="1580388"/>
-            <a:ext cx="5789572" cy="3961894"/>
-          </a:xfrm>
-          <a:prstGeom prst="diamond">
-            <a:avLst/>
-          </a:prstGeom>
-          <a:solidFill>
-            <a:srgbClr val="FFCB5E"/>
-          </a:solidFill>
-          <a:ln>
+        </p:nvGrpSpPr>
+        <p:grpSpPr>
+          <a:xfrm>
+            <a:off x="3539889" y="514350"/>
+            <a:ext cx="5567771" cy="4050196"/>
+            <a:chOff x="3068402" y="711433"/>
+            <a:chExt cx="6640928" cy="4830849"/>
+          </a:xfrm>
+        </p:grpSpPr>
+        <p:sp>
+          <p:nvSpPr>
+            <p:cNvPr id="10" name="Diamond 9">
+              <a:extLst>
+                <a:ext uri="{FF2B5EF4-FFF2-40B4-BE49-F238E27FC236}">
+                  <a16:creationId xmlns:a16="http://schemas.microsoft.com/office/drawing/2014/main" id="{D13A3421-9A3F-A540-B2B5-27343B6DB237}"/>
+                </a:ext>
+              </a:extLst>
+            </p:cNvPr>
+            <p:cNvSpPr/>
+            <p:nvPr userDrawn="1"/>
+          </p:nvSpPr>
+          <p:spPr>
+            <a:xfrm>
+              <a:off x="3068402" y="1580388"/>
+              <a:ext cx="5789572" cy="3961894"/>
+            </a:xfrm>
+            <a:prstGeom prst="diamond">
+              <a:avLst/>
+            </a:prstGeom>
+            <a:solidFill>
+              <a:schemeClr val="accent3">
+                <a:lumMod val="60000"/>
+                <a:lumOff val="40000"/>
+              </a:schemeClr>
+            </a:solidFill>
+            <a:ln>
+              <a:noFill/>
+            </a:ln>
+          </p:spPr>
+          <p:style>
+            <a:lnRef idx="2">
+              <a:schemeClr val="accent1">
+                <a:shade val="50000"/>
+              </a:schemeClr>
+            </a:lnRef>
+            <a:fillRef idx="1">
+              <a:schemeClr val="accent1"/>
+            </a:fillRef>
+            <a:effectRef idx="0">
+              <a:schemeClr val="accent1"/>
+            </a:effectRef>
+            <a:fontRef idx="minor">
+              <a:schemeClr val="lt1"/>
+            </a:fontRef>
+          </p:style>
+          <p:txBody>
+            <a:bodyPr rtlCol="0" anchor="ctr"/>
+            <a:lstStyle/>
+            <a:p>
+              <a:pPr algn="ctr"/>
+              <a:endParaRPr lang="en-CN"/>
+            </a:p>
+          </p:txBody>
+        </p:sp>
+        <p:sp>
+          <p:nvSpPr>
+            <p:cNvPr id="16" name="Diamond 15">
+              <a:extLst>
+                <a:ext uri="{FF2B5EF4-FFF2-40B4-BE49-F238E27FC236}">
+                  <a16:creationId xmlns:a16="http://schemas.microsoft.com/office/drawing/2014/main" id="{01B8AADB-49AD-CE40-8C43-1D3E099881C3}"/>
+                </a:ext>
+              </a:extLst>
+            </p:cNvPr>
+            <p:cNvSpPr/>
+            <p:nvPr userDrawn="1"/>
+          </p:nvSpPr>
+          <p:spPr>
+            <a:xfrm>
+              <a:off x="4160720" y="1548550"/>
+              <a:ext cx="5387790" cy="3807521"/>
+            </a:xfrm>
+            <a:prstGeom prst="diamond">
+              <a:avLst/>
+            </a:prstGeom>
+            <a:solidFill>
+              <a:schemeClr val="accent1">
+                <a:lumMod val="40000"/>
+                <a:lumOff val="60000"/>
+                <a:alpha val="76000"/>
+              </a:schemeClr>
+            </a:solidFill>
+            <a:ln>
+              <a:noFill/>
+            </a:ln>
+          </p:spPr>
+          <p:style>
+            <a:lnRef idx="2">
+              <a:schemeClr val="accent1">
+                <a:shade val="50000"/>
+              </a:schemeClr>
+            </a:lnRef>
+            <a:fillRef idx="1">
+              <a:schemeClr val="accent1"/>
+            </a:fillRef>
+            <a:effectRef idx="0">
+              <a:schemeClr val="accent1"/>
+            </a:effectRef>
+            <a:fontRef idx="minor">
+              <a:schemeClr val="lt1"/>
+            </a:fontRef>
+          </p:style>
+          <p:txBody>
+            <a:bodyPr rtlCol="0" anchor="ctr"/>
+            <a:lstStyle/>
+            <a:p>
+              <a:pPr algn="ctr"/>
+              <a:endParaRPr lang="en-CN"/>
+            </a:p>
+          </p:txBody>
+        </p:sp>
+        <p:sp>
+          <p:nvSpPr>
+            <p:cNvPr id="17" name="Diamond 16">
+              <a:extLst>
+                <a:ext uri="{FF2B5EF4-FFF2-40B4-BE49-F238E27FC236}">
+                  <a16:creationId xmlns:a16="http://schemas.microsoft.com/office/drawing/2014/main" id="{D953A188-0229-B548-9C34-45510B7C022B}"/>
+                </a:ext>
+              </a:extLst>
+            </p:cNvPr>
+            <p:cNvSpPr/>
+            <p:nvPr userDrawn="1"/>
+          </p:nvSpPr>
+          <p:spPr>
+            <a:xfrm>
+              <a:off x="4160720" y="1022502"/>
+              <a:ext cx="5548610" cy="3325091"/>
+            </a:xfrm>
+            <a:prstGeom prst="diamond">
+              <a:avLst/>
+            </a:prstGeom>
+            <a:solidFill>
+              <a:schemeClr val="accent1">
+                <a:lumMod val="60000"/>
+                <a:lumOff val="40000"/>
+              </a:schemeClr>
+            </a:solidFill>
+            <a:ln>
+              <a:noFill/>
+            </a:ln>
+          </p:spPr>
+          <p:style>
+            <a:lnRef idx="2">
+              <a:schemeClr val="accent1">
+                <a:shade val="50000"/>
+              </a:schemeClr>
+            </a:lnRef>
+            <a:fillRef idx="1">
+              <a:schemeClr val="accent1"/>
+            </a:fillRef>
+            <a:effectRef idx="0">
+              <a:schemeClr val="accent1"/>
+            </a:effectRef>
+            <a:fontRef idx="minor">
+              <a:schemeClr val="lt1"/>
+            </a:fontRef>
+          </p:style>
+          <p:txBody>
+            <a:bodyPr rtlCol="0" anchor="ctr"/>
+            <a:lstStyle/>
+            <a:p>
+              <a:pPr algn="ctr"/>
+              <a:endParaRPr lang="en-CN"/>
+            </a:p>
+          </p:txBody>
+        </p:sp>
+        <p:sp>
+          <p:nvSpPr>
+            <p:cNvPr id="18" name="Diamond 17">
+              <a:extLst>
+                <a:ext uri="{FF2B5EF4-FFF2-40B4-BE49-F238E27FC236}">
+                  <a16:creationId xmlns:a16="http://schemas.microsoft.com/office/drawing/2014/main" id="{97510236-A801-3D4C-98C9-92945862B3D8}"/>
+                </a:ext>
+              </a:extLst>
+            </p:cNvPr>
+            <p:cNvSpPr/>
+            <p:nvPr userDrawn="1"/>
+          </p:nvSpPr>
+          <p:spPr>
+            <a:xfrm>
+              <a:off x="3201214" y="711433"/>
+              <a:ext cx="5789572" cy="4237375"/>
+            </a:xfrm>
+            <a:prstGeom prst="diamond">
+              <a:avLst/>
+            </a:prstGeom>
+            <a:solidFill>
+              <a:schemeClr val="accent1">
+                <a:lumMod val="50000"/>
+              </a:schemeClr>
+            </a:solidFill>
+            <a:ln>
+              <a:noFill/>
+            </a:ln>
+          </p:spPr>
+          <p:style>
+            <a:lnRef idx="2">
+              <a:schemeClr val="accent1">
+                <a:shade val="50000"/>
+              </a:schemeClr>
+            </a:lnRef>
+            <a:fillRef idx="1">
+              <a:schemeClr val="accent1"/>
+            </a:fillRef>
+            <a:effectRef idx="0">
+              <a:schemeClr val="accent1"/>
+            </a:effectRef>
+            <a:fontRef idx="minor">
+              <a:schemeClr val="lt1"/>
+            </a:fontRef>
+          </p:style>
+          <p:txBody>
+            <a:bodyPr rtlCol="0" anchor="ctr"/>
+            <a:lstStyle/>
+            <a:p>
+              <a:pPr algn="ctr"/>
+              <a:endParaRPr lang="en-CN"/>
+            </a:p>
+          </p:txBody>
+        </p:sp>
+        <p:pic>
+          <p:nvPicPr>
+            <p:cNvPr id="11" name="Picture 10">
+              <a:extLst>
+                <a:ext uri="{FF2B5EF4-FFF2-40B4-BE49-F238E27FC236}">
+                  <a16:creationId xmlns:a16="http://schemas.microsoft.com/office/drawing/2014/main" id="{FDA9EA4E-5D54-8041-9439-0249188FA2FD}"/>
+                </a:ext>
+              </a:extLst>
+            </p:cNvPr>
+            <p:cNvPicPr>
+              <a:picLocks noChangeAspect="1"/>
+            </p:cNvPicPr>
+            <p:nvPr userDrawn="1"/>
+          </p:nvPicPr>
+          <p:blipFill>
+            <a:blip r:embed="rId2"/>
+            <a:stretch>
+              <a:fillRect/>
+            </a:stretch>
+          </p:blipFill>
+          <p:spPr>
+            <a:xfrm>
+              <a:off x="5602457" y="1686506"/>
+              <a:ext cx="998541" cy="998541"/>
+            </a:xfrm>
+            <a:prstGeom prst="rect">
+              <a:avLst/>
+            </a:prstGeom>
+          </p:spPr>
+        </p:pic>
+        <p:sp>
+          <p:nvSpPr>
+            <p:cNvPr id="12" name="TextBox 11">
+              <a:extLst>
+                <a:ext uri="{FF2B5EF4-FFF2-40B4-BE49-F238E27FC236}">
+                  <a16:creationId xmlns:a16="http://schemas.microsoft.com/office/drawing/2014/main" id="{7DE8E8DA-1B2C-AD4E-AE41-557F5409B62E}"/>
+                </a:ext>
+              </a:extLst>
+            </p:cNvPr>
+            <p:cNvSpPr txBox="1"/>
+            <p:nvPr userDrawn="1"/>
+          </p:nvSpPr>
+          <p:spPr>
+            <a:xfrm>
+              <a:off x="3661954" y="2762054"/>
+              <a:ext cx="4868092" cy="461665"/>
+            </a:xfrm>
+            <a:prstGeom prst="rect">
+              <a:avLst/>
+            </a:prstGeom>
             <a:noFill/>
-          </a:ln>
-        </p:spPr>
-        <p:style>
-          <a:lnRef idx="2">
-            <a:schemeClr val="accent1">
-              <a:shade val="50000"/>
-            </a:schemeClr>
-          </a:lnRef>
-          <a:fillRef idx="1">
-            <a:schemeClr val="accent1"/>
-          </a:fillRef>
-          <a:effectRef idx="0">
-            <a:schemeClr val="accent1"/>
-          </a:effectRef>
-          <a:fontRef idx="minor">
-            <a:schemeClr val="lt1"/>
-          </a:fontRef>
-        </p:style>
-        <p:txBody>
-          <a:bodyPr rtlCol="0" anchor="ctr"/>
-          <a:lstStyle/>
-          <a:p>
-            <a:pPr algn="ctr"/>
-            <a:endParaRPr lang="en-CN"/>
-          </a:p>
-        </p:txBody>
-      </p:sp>
-      <p:sp>
-        <p:nvSpPr>
-          <p:cNvPr id="26" name="Diamond 25">
-            <a:extLst>
-              <a:ext uri="{FF2B5EF4-FFF2-40B4-BE49-F238E27FC236}">
-                <a16:creationId xmlns:a16="http://schemas.microsoft.com/office/drawing/2014/main" id="{3B3A977E-170D-5E4F-86BF-D7290129501E}"/>
-              </a:ext>
-            </a:extLst>
-          </p:cNvPr>
-          <p:cNvSpPr/>
-          <p:nvPr userDrawn="1"/>
-        </p:nvSpPr>
-        <p:spPr>
-          <a:xfrm>
-            <a:off x="4160720" y="1548550"/>
-            <a:ext cx="5387790" cy="3807521"/>
-          </a:xfrm>
-          <a:prstGeom prst="diamond">
-            <a:avLst/>
-          </a:prstGeom>
-          <a:solidFill>
-            <a:srgbClr val="F36F4F">
-              <a:alpha val="76000"/>
-            </a:srgbClr>
-          </a:solidFill>
-          <a:ln>
+          </p:spPr>
+          <p:txBody>
+            <a:bodyPr wrap="square" rtlCol="0">
+              <a:spAutoFit/>
+            </a:bodyPr>
+            <a:lstStyle/>
+            <a:p>
+              <a:pPr algn="ctr"/>
+              <a:r>
+                <a:rPr lang="zh-CN" altLang="en-US" sz="2400" b="0" i="0" spc="300" dirty="0">
+                  <a:solidFill>
+                    <a:schemeClr val="bg1"/>
+                  </a:solidFill>
+                  <a:latin typeface="PingFang SC" panose="020B0400000000000000" pitchFamily="34" charset="-122"/>
+                  <a:ea typeface="PingFang SC" panose="020B0400000000000000" pitchFamily="34" charset="-122"/>
+                </a:rPr>
+                <a:t>歧舌</a:t>
+              </a:r>
+              <a:r>
+                <a:rPr lang="en-US" altLang="zh-CN" sz="2400" b="0" i="0" spc="300" dirty="0">
+                  <a:solidFill>
+                    <a:schemeClr val="bg1"/>
+                  </a:solidFill>
+                  <a:latin typeface="PingFang SC" panose="020B0400000000000000" pitchFamily="34" charset="-122"/>
+                  <a:ea typeface="PingFang SC" panose="020B0400000000000000" pitchFamily="34" charset="-122"/>
+                </a:rPr>
+                <a:t>AI</a:t>
+              </a:r>
+              <a:r>
+                <a:rPr lang="zh-CN" altLang="en-US" sz="2400" b="0" i="0" spc="300" dirty="0">
+                  <a:solidFill>
+                    <a:schemeClr val="bg1"/>
+                  </a:solidFill>
+                  <a:latin typeface="PingFang SC" panose="020B0400000000000000" pitchFamily="34" charset="-122"/>
+                  <a:ea typeface="PingFang SC" panose="020B0400000000000000" pitchFamily="34" charset="-122"/>
+                </a:rPr>
+                <a:t>备课助教</a:t>
+              </a:r>
+              <a:endParaRPr lang="en-CN" sz="2400" b="0" i="0" spc="300" dirty="0">
+                <a:solidFill>
+                  <a:schemeClr val="bg1"/>
+                </a:solidFill>
+                <a:latin typeface="PingFang SC" panose="020B0400000000000000" pitchFamily="34" charset="-122"/>
+                <a:ea typeface="PingFang SC" panose="020B0400000000000000" pitchFamily="34" charset="-122"/>
+              </a:endParaRPr>
+            </a:p>
+          </p:txBody>
+        </p:sp>
+        <p:sp>
+          <p:nvSpPr>
+            <p:cNvPr id="13" name="TextBox 12">
+              <a:extLst>
+                <a:ext uri="{FF2B5EF4-FFF2-40B4-BE49-F238E27FC236}">
+                  <a16:creationId xmlns:a16="http://schemas.microsoft.com/office/drawing/2014/main" id="{F8CE6295-8B65-6143-8BE9-78359AE0F1D1}"/>
+                </a:ext>
+              </a:extLst>
+            </p:cNvPr>
+            <p:cNvSpPr txBox="1"/>
+            <p:nvPr userDrawn="1"/>
+          </p:nvSpPr>
+          <p:spPr>
+            <a:xfrm>
+              <a:off x="4695314" y="3300726"/>
+              <a:ext cx="2801372" cy="461665"/>
+            </a:xfrm>
+            <a:prstGeom prst="rect">
+              <a:avLst/>
+            </a:prstGeom>
             <a:noFill/>
-          </a:ln>
-        </p:spPr>
-        <p:style>
-          <a:lnRef idx="2">
-            <a:schemeClr val="accent1">
-              <a:shade val="50000"/>
-            </a:schemeClr>
-          </a:lnRef>
-          <a:fillRef idx="1">
-            <a:schemeClr val="accent1"/>
-          </a:fillRef>
-          <a:effectRef idx="0">
-            <a:schemeClr val="accent1"/>
-          </a:effectRef>
-          <a:fontRef idx="minor">
-            <a:schemeClr val="lt1"/>
-          </a:fontRef>
-        </p:style>
-        <p:txBody>
-          <a:bodyPr rtlCol="0" anchor="ctr"/>
-          <a:lstStyle/>
-          <a:p>
-            <a:pPr algn="ctr"/>
-            <a:endParaRPr lang="en-CN"/>
-          </a:p>
-        </p:txBody>
-      </p:sp>
-      <p:sp>
-        <p:nvSpPr>
-          <p:cNvPr id="11" name="Diamond 10">
-            <a:extLst>
-              <a:ext uri="{FF2B5EF4-FFF2-40B4-BE49-F238E27FC236}">
-                <a16:creationId xmlns:a16="http://schemas.microsoft.com/office/drawing/2014/main" id="{010A896D-50C9-5A48-BF1C-6DE58D797002}"/>
-              </a:ext>
-            </a:extLst>
-          </p:cNvPr>
-          <p:cNvSpPr/>
-          <p:nvPr userDrawn="1"/>
-        </p:nvSpPr>
-        <p:spPr>
-          <a:xfrm>
-            <a:off x="4160720" y="1022502"/>
-            <a:ext cx="5548610" cy="3325091"/>
-          </a:xfrm>
-          <a:prstGeom prst="diamond">
-            <a:avLst/>
-          </a:prstGeom>
-          <a:solidFill>
-            <a:srgbClr val="EA473E"/>
-          </a:solidFill>
-          <a:ln>
-            <a:noFill/>
-          </a:ln>
-        </p:spPr>
-        <p:style>
-          <a:lnRef idx="2">
-            <a:schemeClr val="accent1">
-              <a:shade val="50000"/>
-            </a:schemeClr>
-          </a:lnRef>
-          <a:fillRef idx="1">
-            <a:schemeClr val="accent1"/>
-          </a:fillRef>
-          <a:effectRef idx="0">
-            <a:schemeClr val="accent1"/>
-          </a:effectRef>
-          <a:fontRef idx="minor">
-            <a:schemeClr val="lt1"/>
-          </a:fontRef>
-        </p:style>
-        <p:txBody>
-          <a:bodyPr rtlCol="0" anchor="ctr"/>
-          <a:lstStyle/>
-          <a:p>
-            <a:pPr algn="ctr"/>
-            <a:endParaRPr lang="en-CN"/>
-          </a:p>
-        </p:txBody>
-      </p:sp>
-      <p:sp>
-        <p:nvSpPr>
-          <p:cNvPr id="12" name="Diamond 11">
-            <a:extLst>
-              <a:ext uri="{FF2B5EF4-FFF2-40B4-BE49-F238E27FC236}">
-                <a16:creationId xmlns:a16="http://schemas.microsoft.com/office/drawing/2014/main" id="{D10AF9A4-052C-F146-B401-EC1F08621F7F}"/>
-              </a:ext>
-            </a:extLst>
-          </p:cNvPr>
-          <p:cNvSpPr/>
-          <p:nvPr userDrawn="1"/>
-        </p:nvSpPr>
-        <p:spPr>
-          <a:xfrm>
-            <a:off x="3201214" y="711433"/>
-            <a:ext cx="5789572" cy="4237375"/>
-          </a:xfrm>
-          <a:prstGeom prst="diamond">
-            <a:avLst/>
-          </a:prstGeom>
-          <a:solidFill>
-            <a:srgbClr val="4B0707"/>
-          </a:solidFill>
-          <a:ln>
-            <a:noFill/>
-          </a:ln>
-        </p:spPr>
-        <p:style>
-          <a:lnRef idx="2">
-            <a:schemeClr val="accent1">
-              <a:shade val="50000"/>
-            </a:schemeClr>
-          </a:lnRef>
-          <a:fillRef idx="1">
-            <a:schemeClr val="accent1"/>
-          </a:fillRef>
-          <a:effectRef idx="0">
-            <a:schemeClr val="accent1"/>
-          </a:effectRef>
-          <a:fontRef idx="minor">
-            <a:schemeClr val="lt1"/>
-          </a:fontRef>
-        </p:style>
-        <p:txBody>
-          <a:bodyPr rtlCol="0" anchor="ctr"/>
-          <a:lstStyle/>
-          <a:p>
-            <a:pPr algn="ctr"/>
-            <a:endParaRPr lang="en-CN"/>
-          </a:p>
-        </p:txBody>
-      </p:sp>
-      <p:sp>
-        <p:nvSpPr>
-          <p:cNvPr id="43" name="TextBox 42">
-            <a:extLst>
-              <a:ext uri="{FF2B5EF4-FFF2-40B4-BE49-F238E27FC236}">
-                <a16:creationId xmlns:a16="http://schemas.microsoft.com/office/drawing/2014/main" id="{B09844E1-DDCC-2F4A-9F36-3DBE5642B30F}"/>
-              </a:ext>
-            </a:extLst>
-          </p:cNvPr>
-          <p:cNvSpPr txBox="1"/>
-          <p:nvPr userDrawn="1"/>
-        </p:nvSpPr>
-        <p:spPr>
-          <a:xfrm>
-            <a:off x="4695314" y="3022663"/>
-            <a:ext cx="2801372" cy="461665"/>
-          </a:xfrm>
-          <a:prstGeom prst="rect">
-            <a:avLst/>
-          </a:prstGeom>
-          <a:noFill/>
-        </p:spPr>
-        <p:txBody>
-          <a:bodyPr wrap="square" rtlCol="0">
-            <a:spAutoFit/>
-          </a:bodyPr>
-          <a:lstStyle/>
-          <a:p>
-            <a:pPr algn="ctr"/>
-            <a:r>
-              <a:rPr lang="zh-CN" altLang="en-US" sz="2400" b="0" i="0" spc="300" dirty="0">
+          </p:spPr>
+          <p:txBody>
+            <a:bodyPr wrap="square" rtlCol="0">
+              <a:spAutoFit/>
+            </a:bodyPr>
+            <a:lstStyle/>
+            <a:p>
+              <a:pPr algn="ctr"/>
+              <a:r>
+                <a:rPr lang="zh-CN" altLang="en-US" sz="2400" b="0" i="0" spc="300" dirty="0">
+                  <a:solidFill>
+                    <a:schemeClr val="bg1"/>
+                  </a:solidFill>
+                  <a:latin typeface="PingFang SC Medium" panose="020B0400000000000000" pitchFamily="34" charset="-122"/>
+                  <a:ea typeface="PingFang SC Medium" panose="020B0400000000000000" pitchFamily="34" charset="-122"/>
+                </a:rPr>
+                <a:t>西班牙语</a:t>
+              </a:r>
+              <a:endParaRPr lang="en-CN" sz="2400" b="0" i="0" spc="300" dirty="0">
                 <a:solidFill>
-                  <a:srgbClr val="FFF9F2"/>
+                  <a:schemeClr val="bg1"/>
                 </a:solidFill>
                 <a:latin typeface="PingFang SC Medium" panose="020B0400000000000000" pitchFamily="34" charset="-122"/>
                 <a:ea typeface="PingFang SC Medium" panose="020B0400000000000000" pitchFamily="34" charset="-122"/>
-              </a:rPr>
-              <a:t>歧舌</a:t>
-            </a:r>
-            <a:r>
-              <a:rPr lang="en-US" altLang="zh-CN" sz="2400" b="0" i="0" spc="300" dirty="0">
-                <a:solidFill>
-                  <a:srgbClr val="FFF9F2"/>
-                </a:solidFill>
-                <a:latin typeface="PingFang SC Medium" panose="020B0400000000000000" pitchFamily="34" charset="-122"/>
-                <a:ea typeface="PingFang SC Medium" panose="020B0400000000000000" pitchFamily="34" charset="-122"/>
-              </a:rPr>
-              <a:t>AI</a:t>
-            </a:r>
-            <a:r>
-              <a:rPr lang="zh-CN" altLang="en-US" sz="2400" b="0" i="0" spc="300" dirty="0">
-                <a:solidFill>
-                  <a:srgbClr val="FFF9F2"/>
-                </a:solidFill>
-                <a:latin typeface="PingFang SC Medium" panose="020B0400000000000000" pitchFamily="34" charset="-122"/>
-                <a:ea typeface="PingFang SC Medium" panose="020B0400000000000000" pitchFamily="34" charset="-122"/>
-              </a:rPr>
-              <a:t>备课助教</a:t>
-            </a:r>
-            <a:endParaRPr lang="en-CN" sz="2400" b="0" i="0" spc="300" dirty="0">
-              <a:solidFill>
-                <a:srgbClr val="FFF9F2"/>
-              </a:solidFill>
-              <a:latin typeface="PingFang SC Medium" panose="020B0400000000000000" pitchFamily="34" charset="-122"/>
-              <a:ea typeface="PingFang SC Medium" panose="020B0400000000000000" pitchFamily="34" charset="-122"/>
-            </a:endParaRPr>
-          </a:p>
-        </p:txBody>
-      </p:sp>
-      <p:sp>
-        <p:nvSpPr>
-          <p:cNvPr id="44" name="TextBox 43">
-            <a:extLst>
-              <a:ext uri="{FF2B5EF4-FFF2-40B4-BE49-F238E27FC236}">
-                <a16:creationId xmlns:a16="http://schemas.microsoft.com/office/drawing/2014/main" id="{35F62947-62CC-8544-8364-BB6A7925BE22}"/>
-              </a:ext>
-            </a:extLst>
-          </p:cNvPr>
-          <p:cNvSpPr txBox="1"/>
-          <p:nvPr userDrawn="1"/>
-        </p:nvSpPr>
-        <p:spPr>
-          <a:xfrm>
-            <a:off x="4695314" y="3561335"/>
-            <a:ext cx="2801372" cy="461665"/>
-          </a:xfrm>
-          <a:prstGeom prst="rect">
-            <a:avLst/>
-          </a:prstGeom>
-          <a:noFill/>
-        </p:spPr>
-        <p:txBody>
-          <a:bodyPr wrap="square" rtlCol="0">
-            <a:spAutoFit/>
-          </a:bodyPr>
-          <a:lstStyle/>
-          <a:p>
-            <a:pPr algn="ctr"/>
-            <a:r>
-              <a:rPr lang="zh-CN" altLang="en-US" sz="2400" b="0" i="0" spc="300" dirty="0">
-                <a:solidFill>
-                  <a:srgbClr val="FFF9F2"/>
-                </a:solidFill>
-                <a:latin typeface="PingFang SC Medium" panose="020B0400000000000000" pitchFamily="34" charset="-122"/>
-                <a:ea typeface="PingFang SC Medium" panose="020B0400000000000000" pitchFamily="34" charset="-122"/>
-              </a:rPr>
-              <a:t>西班牙语</a:t>
-            </a:r>
-            <a:endParaRPr lang="en-CN" sz="2400" b="0" i="0" spc="300" dirty="0">
-              <a:solidFill>
-                <a:srgbClr val="FFF9F2"/>
-              </a:solidFill>
-              <a:latin typeface="PingFang SC Medium" panose="020B0400000000000000" pitchFamily="34" charset="-122"/>
-              <a:ea typeface="PingFang SC Medium" panose="020B0400000000000000" pitchFamily="34" charset="-122"/>
-            </a:endParaRPr>
-          </a:p>
-        </p:txBody>
-      </p:sp>
+              </a:endParaRPr>
+            </a:p>
+          </p:txBody>
+        </p:sp>
+      </p:grpSp>
       <p:pic>
         <p:nvPicPr>
-          <p:cNvPr id="14" name="Picture 13">
-            <a:extLst>
-              <a:ext uri="{FF2B5EF4-FFF2-40B4-BE49-F238E27FC236}">
-                <a16:creationId xmlns:a16="http://schemas.microsoft.com/office/drawing/2014/main" id="{051E296C-4323-194D-9B65-D5FB8815CBBC}"/>
-              </a:ext>
-            </a:extLst>
-          </p:cNvPr>
-          <p:cNvPicPr>
-            <a:picLocks noChangeAspect="1"/>
-          </p:cNvPicPr>
-          <p:nvPr userDrawn="1"/>
-        </p:nvPicPr>
-        <p:blipFill>
-          <a:blip r:embed="rId2"/>
-          <a:stretch>
-            <a:fillRect/>
-          </a:stretch>
-        </p:blipFill>
-        <p:spPr>
-          <a:xfrm>
-            <a:off x="5476988" y="1626532"/>
-            <a:ext cx="1238024" cy="1238024"/>
-          </a:xfrm>
-          <a:prstGeom prst="rect">
-            <a:avLst/>
-          </a:prstGeom>
-        </p:spPr>
-      </p:pic>
-      <p:pic>
-        <p:nvPicPr>
-          <p:cNvPr id="15" name="Picture 14">
-            <a:extLst>
-              <a:ext uri="{FF2B5EF4-FFF2-40B4-BE49-F238E27FC236}">
-                <a16:creationId xmlns:a16="http://schemas.microsoft.com/office/drawing/2014/main" id="{071E4422-6703-5F40-9A05-78188BE9E29C}"/>
+          <p:cNvPr id="3" name="Picture 2">
+            <a:extLst>
+              <a:ext uri="{FF2B5EF4-FFF2-40B4-BE49-F238E27FC236}">
+                <a16:creationId xmlns:a16="http://schemas.microsoft.com/office/drawing/2014/main" id="{0914F9EC-0AD9-834F-801A-B26E638B8398}"/>
               </a:ext>
             </a:extLst>
           </p:cNvPr>
@@ -4660,14 +4339,57 @@
         </p:blipFill>
         <p:spPr>
           <a:xfrm>
-            <a:off x="5646000" y="5697816"/>
-            <a:ext cx="900000" cy="900000"/>
+            <a:off x="5515889" y="5297729"/>
+            <a:ext cx="1160221" cy="1160221"/>
           </a:xfrm>
           <a:prstGeom prst="rect">
             <a:avLst/>
           </a:prstGeom>
         </p:spPr>
       </p:pic>
+      <p:sp>
+        <p:nvSpPr>
+          <p:cNvPr id="5" name="TextBox 4">
+            <a:extLst>
+              <a:ext uri="{FF2B5EF4-FFF2-40B4-BE49-F238E27FC236}">
+                <a16:creationId xmlns:a16="http://schemas.microsoft.com/office/drawing/2014/main" id="{FA3CE343-392E-404C-8D54-4CF9BC0BC6FD}"/>
+              </a:ext>
+            </a:extLst>
+          </p:cNvPr>
+          <p:cNvSpPr txBox="1"/>
+          <p:nvPr userDrawn="1"/>
+        </p:nvSpPr>
+        <p:spPr>
+          <a:xfrm>
+            <a:off x="5472112" y="5032279"/>
+            <a:ext cx="1338828" cy="276999"/>
+          </a:xfrm>
+          <a:prstGeom prst="rect">
+            <a:avLst/>
+          </a:prstGeom>
+          <a:noFill/>
+        </p:spPr>
+        <p:txBody>
+          <a:bodyPr wrap="none" rtlCol="0">
+            <a:spAutoFit/>
+          </a:bodyPr>
+          <a:lstStyle/>
+          <a:p>
+            <a:pPr algn="l"/>
+            <a:r>
+              <a:rPr lang="en-JP" sz="1200" spc="300" dirty="0">
+                <a:solidFill>
+                  <a:schemeClr val="accent1">
+                    <a:lumMod val="75000"/>
+                  </a:schemeClr>
+                </a:solidFill>
+                <a:latin typeface="+mj-lt"/>
+              </a:rPr>
+              <a:t>扫码了解更多</a:t>
+            </a:r>
+          </a:p>
+        </p:txBody>
+      </p:sp>
     </p:spTree>
     <p:extLst>
       <p:ext uri="{BB962C8B-B14F-4D97-AF65-F5344CB8AC3E}">
@@ -4715,12 +4437,11 @@
   </p:cSld>
   <p:clrMap bg1="lt1" tx1="dk1" bg2="lt2" tx2="dk2" accent1="accent1" accent2="accent2" accent3="accent3" accent4="accent4" accent5="accent5" accent6="accent6" hlink="hlink" folHlink="folHlink"/>
   <p:sldLayoutIdLst>
-    <p:sldLayoutId id="2147483853" r:id="rId1"/>
-    <p:sldLayoutId id="2147483929" r:id="rId2"/>
-    <p:sldLayoutId id="2147483933" r:id="rId3"/>
-    <p:sldLayoutId id="2147483930" r:id="rId4"/>
-    <p:sldLayoutId id="2147483891" r:id="rId5"/>
-    <p:sldLayoutId id="2147483928" r:id="rId6"/>
+    <p:sldLayoutId id="2147483929" r:id="rId1"/>
+    <p:sldLayoutId id="2147483933" r:id="rId2"/>
+    <p:sldLayoutId id="2147483930" r:id="rId3"/>
+    <p:sldLayoutId id="2147483891" r:id="rId4"/>
+    <p:sldLayoutId id="2147483928" r:id="rId5"/>
   </p:sldLayoutIdLst>
   <p:hf sldNum="0" hdr="0" ftr="0" dt="0"/>
   <p:txStyles>
@@ -5098,7 +4819,7 @@
 <file path=ppt/theme/theme1.xml><?xml version="1.0" encoding="utf-8"?>
 <a:theme xmlns:a="http://schemas.openxmlformats.org/drawingml/2006/main" name="Dividend">
   <a:themeElements>
-    <a:clrScheme name="Dividend">
+    <a:clrScheme name="Red">
       <a:dk1>
         <a:sysClr val="windowText" lastClr="000000"/>
       </a:dk1>
@@ -5106,48 +4827,46 @@
         <a:sysClr val="window" lastClr="FFFFFF"/>
       </a:lt1>
       <a:dk2>
-        <a:srgbClr val="3D3D3D"/>
+        <a:srgbClr val="323232"/>
       </a:dk2>
       <a:lt2>
-        <a:srgbClr val="EBEBEB"/>
+        <a:srgbClr val="E5C243"/>
       </a:lt2>
       <a:accent1>
-        <a:srgbClr val="4D1434"/>
+        <a:srgbClr val="A5300F"/>
       </a:accent1>
       <a:accent2>
-        <a:srgbClr val="903163"/>
+        <a:srgbClr val="D55816"/>
       </a:accent2>
       <a:accent3>
-        <a:srgbClr val="B2324B"/>
+        <a:srgbClr val="E19825"/>
       </a:accent3>
       <a:accent4>
-        <a:srgbClr val="969FA7"/>
+        <a:srgbClr val="B19C7D"/>
       </a:accent4>
       <a:accent5>
-        <a:srgbClr val="66B1CE"/>
+        <a:srgbClr val="7F5F52"/>
       </a:accent5>
       <a:accent6>
-        <a:srgbClr val="40619D"/>
+        <a:srgbClr val="B27D49"/>
       </a:accent6>
       <a:hlink>
-        <a:srgbClr val="828282"/>
+        <a:srgbClr val="6B9F25"/>
       </a:hlink>
       <a:folHlink>
-        <a:srgbClr val="A5A5A5"/>
+        <a:srgbClr val="B26B02"/>
       </a:folHlink>
     </a:clrScheme>
-    <a:fontScheme name="Dividend">
+    <a:fontScheme name="Calibri-Cambria">
       <a:majorFont>
-        <a:latin typeface="Gill Sans MT" panose="020B0502020104020203"/>
+        <a:latin typeface="Calibri" panose="020F0502020204030204"/>
         <a:ea typeface=""/>
         <a:cs typeface=""/>
-        <a:font script="Grek" typeface="Corbel"/>
-        <a:font script="Cyrl" typeface="Corbel"/>
-        <a:font script="Jpan" typeface="HGｺﾞｼｯｸE"/>
-        <a:font script="Hang" typeface="휴먼매직체"/>
-        <a:font script="Hans" typeface="华文中宋"/>
-        <a:font script="Hant" typeface="微軟正黑體"/>
-        <a:font script="Arab" typeface="Majalla UI"/>
+        <a:font script="Jpan" typeface="HGｺﾞｼｯｸM"/>
+        <a:font script="Hang" typeface="맑은 고딕"/>
+        <a:font script="Hans" typeface="宋体"/>
+        <a:font script="Hant" typeface="新細明體"/>
+        <a:font script="Arab" typeface="Arial"/>
         <a:font script="Hebr" typeface="Arial"/>
         <a:font script="Thai" typeface="Cordia New"/>
         <a:font script="Ethi" typeface="Nyala"/>
@@ -5175,22 +4894,20 @@
         <a:font script="Geor" typeface="Sylfaen"/>
       </a:majorFont>
       <a:minorFont>
-        <a:latin typeface="Gill Sans MT" panose="020B0502020104020203"/>
+        <a:latin typeface="Cambria" panose="02040503050406030204"/>
         <a:ea typeface=""/>
         <a:cs typeface=""/>
-        <a:font script="Grek" typeface="Corbel"/>
-        <a:font script="Cyrl" typeface="Corbel"/>
-        <a:font script="Jpan" typeface="HGｺﾞｼｯｸE"/>
-        <a:font script="Hang" typeface="휴먼매직체"/>
-        <a:font script="Hans" typeface="华文中宋"/>
-        <a:font script="Hant" typeface="微軟正黑體"/>
-        <a:font script="Arab" typeface="Majalla UI"/>
-        <a:font script="Hebr" typeface="Arial"/>
-        <a:font script="Thai" typeface="Cordia New"/>
+        <a:font script="Jpan" typeface="HG明朝B"/>
+        <a:font script="Hang" typeface="맑은 고딕"/>
+        <a:font script="Hans" typeface="黑体"/>
+        <a:font script="Hant" typeface="新細明體"/>
+        <a:font script="Arab" typeface="Times New Roman"/>
+        <a:font script="Hebr" typeface="Times New Roman"/>
+        <a:font script="Thai" typeface="Angsana New"/>
         <a:font script="Ethi" typeface="Nyala"/>
         <a:font script="Beng" typeface="Vrinda"/>
         <a:font script="Gujr" typeface="Shruti"/>
-        <a:font script="Khmr" typeface="DaunPenh"/>
+        <a:font script="Khmr" typeface="MoolBoran"/>
         <a:font script="Knda" typeface="Tunga"/>
         <a:font script="Guru" typeface="Raavi"/>
         <a:font script="Cans" typeface="Euphemia"/>
@@ -5207,7 +4924,7 @@
         <a:font script="Laoo" typeface="DokChampa"/>
         <a:font script="Sinh" typeface="Iskoola Pota"/>
         <a:font script="Mong" typeface="Mongolian Baiti"/>
-        <a:font script="Viet" typeface="Tahoma"/>
+        <a:font script="Viet" typeface="Times New Roman"/>
         <a:font script="Uigh" typeface="Microsoft Uighur"/>
         <a:font script="Geor" typeface="Sylfaen"/>
       </a:minorFont>
